--- a/Documents/Slides/Identity-SecurityFeatures.pptx
+++ b/Documents/Slides/Identity-SecurityFeatures.pptx
@@ -5,10 +5,10 @@
     <p:sldMasterId id="2147483648" r:id="rId1"/>
   </p:sldMasterIdLst>
   <p:notesMasterIdLst>
-    <p:notesMasterId r:id="rId22"/>
+    <p:notesMasterId r:id="rId27"/>
   </p:notesMasterIdLst>
   <p:handoutMasterIdLst>
-    <p:handoutMasterId r:id="rId23"/>
+    <p:handoutMasterId r:id="rId28"/>
   </p:handoutMasterIdLst>
   <p:sldIdLst>
     <p:sldId id="256" r:id="rId2"/>
@@ -31,6 +31,11 @@
     <p:sldId id="423" r:id="rId19"/>
     <p:sldId id="424" r:id="rId20"/>
     <p:sldId id="425" r:id="rId21"/>
+    <p:sldId id="430" r:id="rId22"/>
+    <p:sldId id="426" r:id="rId23"/>
+    <p:sldId id="427" r:id="rId24"/>
+    <p:sldId id="428" r:id="rId25"/>
+    <p:sldId id="429" r:id="rId26"/>
   </p:sldIdLst>
   <p:sldSz cx="9144000" cy="6858000" type="screen4x3"/>
   <p:notesSz cx="6867525" cy="9994900"/>
@@ -5710,7 +5715,7 @@
           <a:p>
             <a:fld id="{B5922E6D-3451-482A-A64F-C89F139BA51A}" type="datetimeFigureOut">
               <a:rPr lang="en-US" smtClean="0"/>
-              <a:t>11/24/2014</a:t>
+              <a:t>11/25/2014</a:t>
             </a:fld>
             <a:endParaRPr lang="en-US"/>
           </a:p>
@@ -5875,7 +5880,7 @@
           <a:p>
             <a:fld id="{05247E74-41DE-40FA-A7A7-A655366ADCFA}" type="datetimeFigureOut">
               <a:rPr lang="sv-SE" smtClean="0"/>
-              <a:t>2014-11-24</a:t>
+              <a:t>2014-11-25</a:t>
             </a:fld>
             <a:endParaRPr lang="sv-SE"/>
           </a:p>
@@ -6777,7 +6782,7 @@
           <a:p>
             <a:fld id="{DB41BBF1-8D56-4061-8DE2-461FDAC177EF}" type="datetimeFigureOut">
               <a:rPr lang="sv-SE" smtClean="0"/>
-              <a:t>2014-11-24</a:t>
+              <a:t>2014-11-25</a:t>
             </a:fld>
             <a:endParaRPr lang="sv-SE"/>
           </a:p>
@@ -7041,7 +7046,7 @@
           <a:p>
             <a:fld id="{DB41BBF1-8D56-4061-8DE2-461FDAC177EF}" type="datetimeFigureOut">
               <a:rPr lang="sv-SE" smtClean="0"/>
-              <a:t>2014-11-24</a:t>
+              <a:t>2014-11-25</a:t>
             </a:fld>
             <a:endParaRPr lang="sv-SE"/>
           </a:p>
@@ -7218,7 +7223,7 @@
           <a:p>
             <a:fld id="{DB41BBF1-8D56-4061-8DE2-461FDAC177EF}" type="datetimeFigureOut">
               <a:rPr lang="sv-SE" smtClean="0"/>
-              <a:t>2014-11-24</a:t>
+              <a:t>2014-11-25</a:t>
             </a:fld>
             <a:endParaRPr lang="sv-SE"/>
           </a:p>
@@ -7405,7 +7410,7 @@
           <a:p>
             <a:fld id="{DB41BBF1-8D56-4061-8DE2-461FDAC177EF}" type="datetimeFigureOut">
               <a:rPr lang="sv-SE" smtClean="0"/>
-              <a:t>2014-11-24</a:t>
+              <a:t>2014-11-25</a:t>
             </a:fld>
             <a:endParaRPr lang="sv-SE"/>
           </a:p>
@@ -7669,7 +7674,7 @@
           <a:p>
             <a:fld id="{DB41BBF1-8D56-4061-8DE2-461FDAC177EF}" type="datetimeFigureOut">
               <a:rPr lang="sv-SE" smtClean="0"/>
-              <a:t>2014-11-24</a:t>
+              <a:t>2014-11-25</a:t>
             </a:fld>
             <a:endParaRPr lang="sv-SE"/>
           </a:p>
@@ -7846,7 +7851,7 @@
           <a:p>
             <a:fld id="{DB41BBF1-8D56-4061-8DE2-461FDAC177EF}" type="datetimeFigureOut">
               <a:rPr lang="sv-SE" smtClean="0"/>
-              <a:t>2014-11-24</a:t>
+              <a:t>2014-11-25</a:t>
             </a:fld>
             <a:endParaRPr lang="sv-SE"/>
           </a:p>
@@ -8099,7 +8104,7 @@
           <a:p>
             <a:fld id="{DB41BBF1-8D56-4061-8DE2-461FDAC177EF}" type="datetimeFigureOut">
               <a:rPr lang="sv-SE" smtClean="0"/>
-              <a:t>2014-11-24</a:t>
+              <a:t>2014-11-25</a:t>
             </a:fld>
             <a:endParaRPr lang="sv-SE"/>
           </a:p>
@@ -8394,7 +8399,7 @@
           <a:p>
             <a:fld id="{DB41BBF1-8D56-4061-8DE2-461FDAC177EF}" type="datetimeFigureOut">
               <a:rPr lang="sv-SE" smtClean="0"/>
-              <a:t>2014-11-24</a:t>
+              <a:t>2014-11-25</a:t>
             </a:fld>
             <a:endParaRPr lang="sv-SE"/>
           </a:p>
@@ -8823,7 +8828,7 @@
           <a:p>
             <a:fld id="{DB41BBF1-8D56-4061-8DE2-461FDAC177EF}" type="datetimeFigureOut">
               <a:rPr lang="sv-SE" smtClean="0"/>
-              <a:t>2014-11-24</a:t>
+              <a:t>2014-11-25</a:t>
             </a:fld>
             <a:endParaRPr lang="sv-SE"/>
           </a:p>
@@ -8948,7 +8953,7 @@
           <a:p>
             <a:fld id="{DB41BBF1-8D56-4061-8DE2-461FDAC177EF}" type="datetimeFigureOut">
               <a:rPr lang="sv-SE" smtClean="0"/>
-              <a:t>2014-11-24</a:t>
+              <a:t>2014-11-25</a:t>
             </a:fld>
             <a:endParaRPr lang="sv-SE"/>
           </a:p>
@@ -9050,7 +9055,7 @@
           <a:p>
             <a:fld id="{DB41BBF1-8D56-4061-8DE2-461FDAC177EF}" type="datetimeFigureOut">
               <a:rPr lang="sv-SE" smtClean="0"/>
-              <a:t>2014-11-24</a:t>
+              <a:t>2014-11-25</a:t>
             </a:fld>
             <a:endParaRPr lang="sv-SE"/>
           </a:p>
@@ -9334,7 +9339,7 @@
           <a:p>
             <a:fld id="{DB41BBF1-8D56-4061-8DE2-461FDAC177EF}" type="datetimeFigureOut">
               <a:rPr lang="sv-SE" smtClean="0"/>
-              <a:t>2014-11-24</a:t>
+              <a:t>2014-11-25</a:t>
             </a:fld>
             <a:endParaRPr lang="sv-SE"/>
           </a:p>
@@ -9562,7 +9567,7 @@
           <a:p>
             <a:fld id="{DB41BBF1-8D56-4061-8DE2-461FDAC177EF}" type="datetimeFigureOut">
               <a:rPr lang="sv-SE" smtClean="0"/>
-              <a:t>2014-11-24</a:t>
+              <a:t>2014-11-25</a:t>
             </a:fld>
             <a:endParaRPr lang="sv-SE"/>
           </a:p>
@@ -10413,7 +10418,6 @@
               <a:rPr lang="en-US" dirty="0"/>
               <a:t>ASP.NET Identity – Security Features</a:t>
             </a:r>
-            <a:endParaRPr lang="en-US" dirty="0"/>
           </a:p>
         </p:txBody>
       </p:sp>
@@ -10498,15 +10502,7 @@
                   <a:srgbClr val="77933C"/>
                 </a:solidFill>
               </a:rPr>
-              <a:t> </a:t>
-            </a:r>
-            <a:r>
-              <a:rPr lang="en-US" b="1" dirty="0" smtClean="0">
-                <a:solidFill>
-                  <a:srgbClr val="77933C"/>
-                </a:solidFill>
-              </a:rPr>
-              <a:t>security key </a:t>
+              <a:t> security key </a:t>
             </a:r>
             <a:r>
               <a:rPr lang="en-US" dirty="0" smtClean="0"/>
@@ -10767,7 +10763,6 @@
               <a:rPr lang="en-US" dirty="0"/>
               <a:t>ASP.NET Identity – Security Features</a:t>
             </a:r>
-            <a:endParaRPr lang="en-US" dirty="0"/>
           </a:p>
         </p:txBody>
       </p:sp>
@@ -10806,28 +10801,15 @@
           <a:p>
             <a:r>
               <a:rPr lang="en-US" dirty="0" smtClean="0"/>
-              <a:t>A </a:t>
-            </a:r>
+              <a:t>A STS is a service which provides users with security tokens</a:t>
+            </a:r>
+            <a:endParaRPr lang="en-US" dirty="0"/>
+          </a:p>
+          <a:p>
             <a:r>
               <a:rPr lang="en-US" dirty="0" smtClean="0"/>
-              <a:t>STS is a service which provides users with security </a:t>
-            </a:r>
-            <a:r>
-              <a:rPr lang="en-US" dirty="0" smtClean="0"/>
-              <a:t>tokens</a:t>
-            </a:r>
-            <a:endParaRPr lang="en-US" dirty="0"/>
-          </a:p>
-          <a:p>
-            <a:r>
-              <a:rPr lang="en-US" dirty="0" smtClean="0"/>
-              <a:t>This token is then used to authenticate the user on the </a:t>
-            </a:r>
-            <a:r>
-              <a:rPr lang="en-US" dirty="0" smtClean="0"/>
-              <a:t>web-application</a:t>
-            </a:r>
-            <a:endParaRPr lang="en-US" dirty="0" smtClean="0"/>
+              <a:t>This token is then used to authenticate the user on the web-application</a:t>
+            </a:r>
           </a:p>
         </p:txBody>
       </p:sp>
@@ -10887,7 +10869,6 @@
               <a:rPr lang="en-US" dirty="0"/>
               <a:t>ASP.NET Identity – Security Features</a:t>
             </a:r>
-            <a:endParaRPr lang="en-US" dirty="0"/>
           </a:p>
         </p:txBody>
       </p:sp>
@@ -11042,7 +11023,6 @@
               <a:rPr lang="en-US" dirty="0"/>
               <a:t>ASP.NET Identity – Security Features</a:t>
             </a:r>
-            <a:endParaRPr lang="en-US" dirty="0"/>
           </a:p>
         </p:txBody>
       </p:sp>
@@ -11342,7 +11322,6 @@
               <a:rPr lang="en-US" dirty="0"/>
               <a:t>ASP.NET Identity – Security Features</a:t>
             </a:r>
-            <a:endParaRPr lang="en-US" dirty="0"/>
           </a:p>
         </p:txBody>
       </p:sp>
@@ -11705,7 +11684,6 @@
               <a:rPr lang="en-US" dirty="0"/>
               <a:t>ASP.NET Identity – Security Features</a:t>
             </a:r>
-            <a:endParaRPr lang="en-US" dirty="0"/>
           </a:p>
         </p:txBody>
       </p:sp>
@@ -12139,7 +12117,6 @@
               <a:rPr lang="en-US" dirty="0"/>
               <a:t>ASP.NET Identity – Security Features</a:t>
             </a:r>
-            <a:endParaRPr lang="en-US" dirty="0"/>
           </a:p>
         </p:txBody>
       </p:sp>
@@ -12181,11 +12158,7 @@
             </a:pPr>
             <a:r>
               <a:rPr lang="en-US" dirty="0" smtClean="0"/>
-              <a:t>The user provides the web application with the Security Token received from the </a:t>
-            </a:r>
-            <a:r>
-              <a:rPr lang="en-US" dirty="0" smtClean="0"/>
-              <a:t>STS</a:t>
+              <a:t>The user provides the web application with the Security Token received from the STS</a:t>
             </a:r>
             <a:endParaRPr lang="en-US" dirty="0"/>
           </a:p>
@@ -12634,7 +12607,6 @@
               <a:rPr lang="en-US" dirty="0"/>
               <a:t>ASP.NET Identity – Security Features</a:t>
             </a:r>
-            <a:endParaRPr lang="en-US" dirty="0"/>
           </a:p>
         </p:txBody>
       </p:sp>
@@ -13232,52 +13204,54 @@
           </a:p>
           <a:p>
             <a:r>
-              <a:rPr lang="en-US" dirty="0" smtClean="0"/>
+              <a:rPr lang="en-US" sz="2400" dirty="0" smtClean="0"/>
               <a:t>Two Factor Authentication</a:t>
             </a:r>
           </a:p>
           <a:p>
             <a:r>
-              <a:rPr lang="en-US" dirty="0" smtClean="0"/>
+              <a:rPr lang="en-US" sz="2400" dirty="0" smtClean="0"/>
               <a:t>Account Confirmation</a:t>
             </a:r>
           </a:p>
           <a:p>
             <a:r>
-              <a:rPr lang="en-US" dirty="0"/>
+              <a:rPr lang="en-US" sz="2400" dirty="0"/>
               <a:t>Password R</a:t>
             </a:r>
             <a:r>
-              <a:rPr lang="en-US" dirty="0" smtClean="0"/>
+              <a:rPr lang="en-US" sz="2400" dirty="0" smtClean="0"/>
               <a:t>eset</a:t>
             </a:r>
           </a:p>
           <a:p>
             <a:r>
-              <a:rPr lang="en-US" dirty="0" smtClean="0"/>
+              <a:rPr lang="en-US" sz="2400" dirty="0" smtClean="0"/>
               <a:t>Account Lockout</a:t>
             </a:r>
           </a:p>
           <a:p>
             <a:r>
-              <a:rPr lang="en-US" dirty="0" smtClean="0"/>
-              <a:t>Security </a:t>
-            </a:r>
-            <a:r>
-              <a:rPr lang="en-US" dirty="0" smtClean="0"/>
-              <a:t>Stamp</a:t>
-            </a:r>
-          </a:p>
-          <a:p>
-            <a:r>
-              <a:rPr lang="en-US" dirty="0" smtClean="0"/>
-              <a:t>Security </a:t>
-            </a:r>
-            <a:r>
-              <a:rPr lang="en-US" smtClean="0"/>
-              <a:t>Token Service</a:t>
-            </a:r>
-            <a:endParaRPr lang="en-US" dirty="0" smtClean="0"/>
+              <a:rPr lang="en-US" sz="2400" dirty="0" smtClean="0"/>
+              <a:t>Security Stamp</a:t>
+            </a:r>
+          </a:p>
+          <a:p>
+            <a:r>
+              <a:rPr lang="en-US" sz="2400" dirty="0" smtClean="0"/>
+              <a:t>Security Token </a:t>
+            </a:r>
+            <a:r>
+              <a:rPr lang="en-US" sz="2400" dirty="0" smtClean="0"/>
+              <a:t>Service</a:t>
+            </a:r>
+          </a:p>
+          <a:p>
+            <a:r>
+              <a:rPr lang="en-US" sz="2400" dirty="0" smtClean="0"/>
+              <a:t>External Login Providers</a:t>
+            </a:r>
+            <a:endParaRPr lang="en-US" sz="2400" dirty="0" smtClean="0"/>
           </a:p>
         </p:txBody>
       </p:sp>
@@ -13337,7 +13311,6 @@
               <a:rPr lang="en-US" dirty="0"/>
               <a:t>ASP.NET Identity – Security Features</a:t>
             </a:r>
-            <a:endParaRPr lang="en-US" dirty="0"/>
           </a:p>
         </p:txBody>
       </p:sp>
@@ -13385,15 +13358,7 @@
             </a:pPr>
             <a:r>
               <a:rPr lang="en-US" sz="2400" dirty="0" smtClean="0"/>
-              <a:t>If the STS is trusted the web application returns an encrypted cookie to the user for </a:t>
-            </a:r>
-            <a:r>
-              <a:rPr lang="en-US" sz="2400" dirty="0" smtClean="0"/>
-              <a:t>authorization </a:t>
-            </a:r>
-            <a:r>
-              <a:rPr lang="en-US" sz="2400" dirty="0" smtClean="0"/>
-              <a:t>purposes</a:t>
+              <a:t>If the STS is trusted the web application returns an encrypted cookie to the user for authorization purposes</a:t>
             </a:r>
             <a:endParaRPr lang="en-US" sz="2400" dirty="0"/>
           </a:p>
@@ -13918,6 +13883,954 @@
     <p:extLst>
       <p:ext uri="{BB962C8B-B14F-4D97-AF65-F5344CB8AC3E}">
         <p14:creationId xmlns:p14="http://schemas.microsoft.com/office/powerpoint/2010/main" val="1127276528"/>
+      </p:ext>
+    </p:extLst>
+  </p:cSld>
+  <p:clrMapOvr>
+    <a:masterClrMapping/>
+  </p:clrMapOvr>
+  <p:timing>
+    <p:tnLst>
+      <p:par>
+        <p:cTn id="1" dur="indefinite" restart="never" nodeType="tmRoot"/>
+      </p:par>
+    </p:tnLst>
+  </p:timing>
+</p:sld>
+</file>
+
+<file path=ppt/slides/slide21.xml><?xml version="1.0" encoding="utf-8"?>
+<p:sld xmlns:a="http://schemas.openxmlformats.org/drawingml/2006/main" xmlns:r="http://schemas.openxmlformats.org/officeDocument/2006/relationships" xmlns:p="http://schemas.openxmlformats.org/presentationml/2006/main">
+  <p:cSld>
+    <p:spTree>
+      <p:nvGrpSpPr>
+        <p:cNvPr id="1" name=""/>
+        <p:cNvGrpSpPr/>
+        <p:nvPr/>
+      </p:nvGrpSpPr>
+      <p:grpSpPr>
+        <a:xfrm>
+          <a:off x="0" y="0"/>
+          <a:ext cx="0" cy="0"/>
+          <a:chOff x="0" y="0"/>
+          <a:chExt cx="0" cy="0"/>
+        </a:xfrm>
+      </p:grpSpPr>
+      <p:sp>
+        <p:nvSpPr>
+          <p:cNvPr id="2" name="Rubrik 1"/>
+          <p:cNvSpPr>
+            <a:spLocks noGrp="1"/>
+          </p:cNvSpPr>
+          <p:nvPr>
+            <p:ph type="title"/>
+          </p:nvPr>
+        </p:nvSpPr>
+        <p:spPr/>
+        <p:txBody>
+          <a:bodyPr/>
+          <a:lstStyle/>
+          <a:p>
+            <a:r>
+              <a:rPr lang="en-US" dirty="0"/>
+              <a:t>ASP.NET Identity – Security Features</a:t>
+            </a:r>
+          </a:p>
+        </p:txBody>
+      </p:sp>
+      <p:sp>
+        <p:nvSpPr>
+          <p:cNvPr id="3" name="Platshållare för innehåll 2"/>
+          <p:cNvSpPr>
+            <a:spLocks noGrp="1"/>
+          </p:cNvSpPr>
+          <p:nvPr>
+            <p:ph idx="1"/>
+          </p:nvPr>
+        </p:nvSpPr>
+        <p:spPr/>
+        <p:txBody>
+          <a:bodyPr/>
+          <a:lstStyle/>
+          <a:p>
+            <a:pPr marL="0" indent="0">
+              <a:buNone/>
+            </a:pPr>
+            <a:endParaRPr lang="en-US" dirty="0" smtClean="0"/>
+          </a:p>
+          <a:p>
+            <a:pPr marL="0" indent="0">
+              <a:buNone/>
+            </a:pPr>
+            <a:endParaRPr lang="en-US" dirty="0"/>
+          </a:p>
+          <a:p>
+            <a:pPr marL="0" indent="0" algn="ctr">
+              <a:buNone/>
+            </a:pPr>
+            <a:r>
+              <a:rPr lang="en-US" sz="3200" b="1" dirty="0" smtClean="0">
+                <a:solidFill>
+                  <a:srgbClr val="77933C"/>
+                </a:solidFill>
+              </a:rPr>
+              <a:t>External Login Providers</a:t>
+            </a:r>
+            <a:endParaRPr lang="en-US" sz="3200" b="1" dirty="0">
+              <a:solidFill>
+                <a:srgbClr val="77933C"/>
+              </a:solidFill>
+            </a:endParaRPr>
+          </a:p>
+        </p:txBody>
+      </p:sp>
+    </p:spTree>
+    <p:extLst>
+      <p:ext uri="{BB962C8B-B14F-4D97-AF65-F5344CB8AC3E}">
+        <p14:creationId xmlns:p14="http://schemas.microsoft.com/office/powerpoint/2010/main" val="759222862"/>
+      </p:ext>
+    </p:extLst>
+  </p:cSld>
+  <p:clrMapOvr>
+    <a:masterClrMapping/>
+  </p:clrMapOvr>
+</p:sld>
+</file>
+
+<file path=ppt/slides/slide22.xml><?xml version="1.0" encoding="utf-8"?>
+<p:sld xmlns:a="http://schemas.openxmlformats.org/drawingml/2006/main" xmlns:r="http://schemas.openxmlformats.org/officeDocument/2006/relationships" xmlns:p="http://schemas.openxmlformats.org/presentationml/2006/main">
+  <p:cSld>
+    <p:spTree>
+      <p:nvGrpSpPr>
+        <p:cNvPr id="1" name=""/>
+        <p:cNvGrpSpPr/>
+        <p:nvPr/>
+      </p:nvGrpSpPr>
+      <p:grpSpPr>
+        <a:xfrm>
+          <a:off x="0" y="0"/>
+          <a:ext cx="0" cy="0"/>
+          <a:chOff x="0" y="0"/>
+          <a:chExt cx="0" cy="0"/>
+        </a:xfrm>
+      </p:grpSpPr>
+      <p:sp>
+        <p:nvSpPr>
+          <p:cNvPr id="2" name="Rubrik 1"/>
+          <p:cNvSpPr>
+            <a:spLocks noGrp="1"/>
+          </p:cNvSpPr>
+          <p:nvPr>
+            <p:ph type="title"/>
+          </p:nvPr>
+        </p:nvSpPr>
+        <p:spPr/>
+        <p:txBody>
+          <a:bodyPr>
+            <a:normAutofit/>
+          </a:bodyPr>
+          <a:lstStyle/>
+          <a:p>
+            <a:r>
+              <a:rPr lang="en-US" sz="2800" dirty="0"/>
+              <a:t>ASP.NET Identity – Security Features</a:t>
+            </a:r>
+            <a:endParaRPr lang="en-US" sz="2800" b="1" dirty="0"/>
+          </a:p>
+        </p:txBody>
+      </p:sp>
+      <p:sp>
+        <p:nvSpPr>
+          <p:cNvPr id="3" name="Platshållare för innehåll 2"/>
+          <p:cNvSpPr>
+            <a:spLocks noGrp="1"/>
+          </p:cNvSpPr>
+          <p:nvPr>
+            <p:ph idx="1"/>
+          </p:nvPr>
+        </p:nvSpPr>
+        <p:spPr>
+          <a:xfrm>
+            <a:off x="323528" y="908720"/>
+            <a:ext cx="8568952" cy="5040560"/>
+          </a:xfrm>
+        </p:spPr>
+        <p:txBody>
+          <a:bodyPr>
+            <a:noAutofit/>
+          </a:bodyPr>
+          <a:lstStyle/>
+          <a:p>
+            <a:pPr marL="0" indent="0">
+              <a:buNone/>
+            </a:pPr>
+            <a:r>
+              <a:rPr lang="en-US" sz="3200" b="1" dirty="0" smtClean="0">
+                <a:solidFill>
+                  <a:srgbClr val="77933C"/>
+                </a:solidFill>
+              </a:rPr>
+              <a:t>What is External Login Providers</a:t>
+            </a:r>
+          </a:p>
+          <a:p>
+            <a:pPr marL="0" indent="0">
+              <a:buNone/>
+            </a:pPr>
+            <a:endParaRPr lang="en-US" sz="3200" b="1" dirty="0" smtClean="0">
+              <a:solidFill>
+                <a:srgbClr val="77933C"/>
+              </a:solidFill>
+            </a:endParaRPr>
+          </a:p>
+          <a:p>
+            <a:pPr marL="0" indent="0">
+              <a:buNone/>
+            </a:pPr>
+            <a:r>
+              <a:rPr lang="en-US" dirty="0" smtClean="0"/>
+              <a:t>An alternative to handle user authentication using OAuth</a:t>
+            </a:r>
+          </a:p>
+          <a:p>
+            <a:pPr marL="0" indent="0">
+              <a:buNone/>
+            </a:pPr>
+            <a:endParaRPr lang="en-US" sz="2400" dirty="0" smtClean="0"/>
+          </a:p>
+          <a:p>
+            <a:pPr marL="0" indent="0">
+              <a:buNone/>
+            </a:pPr>
+            <a:endParaRPr lang="en-US" sz="2400" u="sng" dirty="0" smtClean="0">
+              <a:hlinkClick r:id="rId2"/>
+            </a:endParaRPr>
+          </a:p>
+          <a:p>
+            <a:pPr algn="ctr"/>
+            <a:endParaRPr lang="en-US" sz="3200" dirty="0" smtClean="0"/>
+          </a:p>
+          <a:p>
+            <a:pPr marL="0" indent="0" algn="ctr">
+              <a:buNone/>
+            </a:pPr>
+            <a:endParaRPr lang="en-US" sz="3200" dirty="0"/>
+          </a:p>
+        </p:txBody>
+      </p:sp>
+      <p:pic>
+        <p:nvPicPr>
+          <p:cNvPr id="4" name="Bildobjekt 3"/>
+          <p:cNvPicPr>
+            <a:picLocks noChangeAspect="1"/>
+          </p:cNvPicPr>
+          <p:nvPr/>
+        </p:nvPicPr>
+        <p:blipFill>
+          <a:blip r:embed="rId3">
+            <a:extLst>
+              <a:ext uri="{28A0092B-C50C-407E-A947-70E740481C1C}">
+                <a14:useLocalDpi xmlns:a14="http://schemas.microsoft.com/office/drawing/2010/main" val="0"/>
+              </a:ext>
+            </a:extLst>
+          </a:blip>
+          <a:stretch>
+            <a:fillRect/>
+          </a:stretch>
+        </p:blipFill>
+        <p:spPr>
+          <a:xfrm>
+            <a:off x="1684119" y="2924944"/>
+            <a:ext cx="5847769" cy="2246075"/>
+          </a:xfrm>
+          <a:prstGeom prst="rect">
+            <a:avLst/>
+          </a:prstGeom>
+        </p:spPr>
+      </p:pic>
+    </p:spTree>
+    <p:extLst>
+      <p:ext uri="{BB962C8B-B14F-4D97-AF65-F5344CB8AC3E}">
+        <p14:creationId xmlns:p14="http://schemas.microsoft.com/office/powerpoint/2010/main" val="1893026728"/>
+      </p:ext>
+    </p:extLst>
+  </p:cSld>
+  <p:clrMapOvr>
+    <a:masterClrMapping/>
+  </p:clrMapOvr>
+  <p:timing>
+    <p:tnLst>
+      <p:par>
+        <p:cTn id="1" dur="indefinite" restart="never" nodeType="tmRoot"/>
+      </p:par>
+    </p:tnLst>
+  </p:timing>
+</p:sld>
+</file>
+
+<file path=ppt/slides/slide23.xml><?xml version="1.0" encoding="utf-8"?>
+<p:sld xmlns:a="http://schemas.openxmlformats.org/drawingml/2006/main" xmlns:r="http://schemas.openxmlformats.org/officeDocument/2006/relationships" xmlns:p="http://schemas.openxmlformats.org/presentationml/2006/main">
+  <p:cSld>
+    <p:spTree>
+      <p:nvGrpSpPr>
+        <p:cNvPr id="1" name=""/>
+        <p:cNvGrpSpPr/>
+        <p:nvPr/>
+      </p:nvGrpSpPr>
+      <p:grpSpPr>
+        <a:xfrm>
+          <a:off x="0" y="0"/>
+          <a:ext cx="0" cy="0"/>
+          <a:chOff x="0" y="0"/>
+          <a:chExt cx="0" cy="0"/>
+        </a:xfrm>
+      </p:grpSpPr>
+      <p:sp>
+        <p:nvSpPr>
+          <p:cNvPr id="2" name="Rubrik 1"/>
+          <p:cNvSpPr>
+            <a:spLocks noGrp="1"/>
+          </p:cNvSpPr>
+          <p:nvPr>
+            <p:ph type="title"/>
+          </p:nvPr>
+        </p:nvSpPr>
+        <p:spPr/>
+        <p:txBody>
+          <a:bodyPr>
+            <a:normAutofit/>
+          </a:bodyPr>
+          <a:lstStyle/>
+          <a:p>
+            <a:r>
+              <a:rPr lang="en-US" sz="2800" dirty="0"/>
+              <a:t>ASP.NET Identity – Security Features</a:t>
+            </a:r>
+            <a:endParaRPr lang="en-US" sz="2800" b="1" dirty="0"/>
+          </a:p>
+        </p:txBody>
+      </p:sp>
+      <p:sp>
+        <p:nvSpPr>
+          <p:cNvPr id="3" name="Platshållare för innehåll 2"/>
+          <p:cNvSpPr>
+            <a:spLocks noGrp="1"/>
+          </p:cNvSpPr>
+          <p:nvPr>
+            <p:ph idx="1"/>
+          </p:nvPr>
+        </p:nvSpPr>
+        <p:spPr>
+          <a:xfrm>
+            <a:off x="323528" y="908720"/>
+            <a:ext cx="8568952" cy="5040560"/>
+          </a:xfrm>
+        </p:spPr>
+        <p:txBody>
+          <a:bodyPr>
+            <a:noAutofit/>
+          </a:bodyPr>
+          <a:lstStyle/>
+          <a:p>
+            <a:pPr marL="0" indent="0">
+              <a:buNone/>
+            </a:pPr>
+            <a:r>
+              <a:rPr lang="en-US" b="1" dirty="0" smtClean="0">
+                <a:solidFill>
+                  <a:srgbClr val="77933C"/>
+                </a:solidFill>
+              </a:rPr>
+              <a:t>Benefits of External Login Providers</a:t>
+            </a:r>
+          </a:p>
+          <a:p>
+            <a:pPr marL="0" indent="0">
+              <a:buNone/>
+            </a:pPr>
+            <a:endParaRPr lang="en-US" b="1" dirty="0" smtClean="0">
+              <a:solidFill>
+                <a:srgbClr val="77933C"/>
+              </a:solidFill>
+            </a:endParaRPr>
+          </a:p>
+          <a:p>
+            <a:r>
+              <a:rPr lang="en-US" sz="2400" dirty="0" smtClean="0"/>
+              <a:t>Delegates the responsibility of user authentication</a:t>
+            </a:r>
+          </a:p>
+          <a:p>
+            <a:r>
+              <a:rPr lang="en-US" sz="2400" dirty="0"/>
+              <a:t>Takes advantage of already safe implemented authentication </a:t>
+            </a:r>
+            <a:endParaRPr lang="en-US" sz="2400" dirty="0" smtClean="0"/>
+          </a:p>
+          <a:p>
+            <a:r>
+              <a:rPr lang="en-US" sz="2400" dirty="0" smtClean="0"/>
+              <a:t>Removes the need for user registration</a:t>
+            </a:r>
+          </a:p>
+          <a:p>
+            <a:r>
+              <a:rPr lang="en-US" sz="2400" dirty="0" smtClean="0"/>
+              <a:t>No need for storing user credentials</a:t>
+            </a:r>
+          </a:p>
+          <a:p>
+            <a:endParaRPr lang="en-US" sz="2400" dirty="0"/>
+          </a:p>
+          <a:p>
+            <a:pPr marL="0" indent="0">
+              <a:buNone/>
+            </a:pPr>
+            <a:endParaRPr lang="en-US" b="1" dirty="0" smtClean="0">
+              <a:solidFill>
+                <a:srgbClr val="77933C"/>
+              </a:solidFill>
+            </a:endParaRPr>
+          </a:p>
+          <a:p>
+            <a:pPr marL="0" indent="0">
+              <a:buNone/>
+            </a:pPr>
+            <a:endParaRPr lang="en-US" b="1" dirty="0" smtClean="0">
+              <a:solidFill>
+                <a:srgbClr val="77933C"/>
+              </a:solidFill>
+            </a:endParaRPr>
+          </a:p>
+          <a:p>
+            <a:pPr marL="0" indent="0">
+              <a:buNone/>
+            </a:pPr>
+            <a:endParaRPr lang="en-US" sz="2400" dirty="0" smtClean="0"/>
+          </a:p>
+          <a:p>
+            <a:pPr marL="0" indent="0">
+              <a:buNone/>
+            </a:pPr>
+            <a:endParaRPr lang="en-US" sz="2400" u="sng" dirty="0" smtClean="0">
+              <a:hlinkClick r:id="rId2"/>
+            </a:endParaRPr>
+          </a:p>
+          <a:p>
+            <a:pPr algn="ctr"/>
+            <a:endParaRPr lang="en-US" sz="3200" dirty="0" smtClean="0"/>
+          </a:p>
+          <a:p>
+            <a:pPr marL="0" indent="0" algn="ctr">
+              <a:buNone/>
+            </a:pPr>
+            <a:endParaRPr lang="en-US" sz="3200" dirty="0"/>
+          </a:p>
+        </p:txBody>
+      </p:sp>
+      <p:sp>
+        <p:nvSpPr>
+          <p:cNvPr id="5" name="Höger 4"/>
+          <p:cNvSpPr/>
+          <p:nvPr/>
+        </p:nvSpPr>
+        <p:spPr>
+          <a:xfrm>
+            <a:off x="3347864" y="4040539"/>
+            <a:ext cx="2232248" cy="1512168"/>
+          </a:xfrm>
+          <a:prstGeom prst="rightArrow">
+            <a:avLst/>
+          </a:prstGeom>
+        </p:spPr>
+        <p:style>
+          <a:lnRef idx="2">
+            <a:schemeClr val="accent1">
+              <a:shade val="50000"/>
+            </a:schemeClr>
+          </a:lnRef>
+          <a:fillRef idx="1">
+            <a:schemeClr val="accent1"/>
+          </a:fillRef>
+          <a:effectRef idx="0">
+            <a:schemeClr val="accent1"/>
+          </a:effectRef>
+          <a:fontRef idx="minor">
+            <a:schemeClr val="lt1"/>
+          </a:fontRef>
+        </p:style>
+        <p:txBody>
+          <a:bodyPr rtlCol="0" anchor="ctr"/>
+          <a:lstStyle/>
+          <a:p>
+            <a:pPr algn="ctr"/>
+            <a:r>
+              <a:rPr lang="en-US" dirty="0" smtClean="0"/>
+              <a:t>Authentication</a:t>
+            </a:r>
+            <a:endParaRPr lang="en-US" dirty="0"/>
+          </a:p>
+        </p:txBody>
+      </p:sp>
+      <p:sp>
+        <p:nvSpPr>
+          <p:cNvPr id="6" name="Rektangel 5"/>
+          <p:cNvSpPr/>
+          <p:nvPr/>
+        </p:nvSpPr>
+        <p:spPr>
+          <a:xfrm>
+            <a:off x="5868144" y="4040539"/>
+            <a:ext cx="2376264" cy="1512168"/>
+          </a:xfrm>
+          <a:prstGeom prst="rect">
+            <a:avLst/>
+          </a:prstGeom>
+        </p:spPr>
+        <p:style>
+          <a:lnRef idx="2">
+            <a:schemeClr val="accent1">
+              <a:shade val="50000"/>
+            </a:schemeClr>
+          </a:lnRef>
+          <a:fillRef idx="1">
+            <a:schemeClr val="accent1"/>
+          </a:fillRef>
+          <a:effectRef idx="0">
+            <a:schemeClr val="accent1"/>
+          </a:effectRef>
+          <a:fontRef idx="minor">
+            <a:schemeClr val="lt1"/>
+          </a:fontRef>
+        </p:style>
+        <p:txBody>
+          <a:bodyPr rtlCol="0" anchor="ctr"/>
+          <a:lstStyle/>
+          <a:p>
+            <a:pPr algn="ctr"/>
+            <a:r>
+              <a:rPr lang="en-US" dirty="0" smtClean="0"/>
+              <a:t>Facebook</a:t>
+            </a:r>
+            <a:endParaRPr lang="en-US" dirty="0"/>
+          </a:p>
+        </p:txBody>
+      </p:sp>
+      <p:sp>
+        <p:nvSpPr>
+          <p:cNvPr id="7" name="Rektangel 6"/>
+          <p:cNvSpPr/>
+          <p:nvPr/>
+        </p:nvSpPr>
+        <p:spPr>
+          <a:xfrm>
+            <a:off x="683568" y="4040539"/>
+            <a:ext cx="2376264" cy="1512168"/>
+          </a:xfrm>
+          <a:prstGeom prst="rect">
+            <a:avLst/>
+          </a:prstGeom>
+        </p:spPr>
+        <p:style>
+          <a:lnRef idx="2">
+            <a:schemeClr val="accent1">
+              <a:shade val="50000"/>
+            </a:schemeClr>
+          </a:lnRef>
+          <a:fillRef idx="1">
+            <a:schemeClr val="accent1"/>
+          </a:fillRef>
+          <a:effectRef idx="0">
+            <a:schemeClr val="accent1"/>
+          </a:effectRef>
+          <a:fontRef idx="minor">
+            <a:schemeClr val="lt1"/>
+          </a:fontRef>
+        </p:style>
+        <p:txBody>
+          <a:bodyPr rtlCol="0" anchor="ctr"/>
+          <a:lstStyle/>
+          <a:p>
+            <a:pPr algn="ctr"/>
+            <a:r>
+              <a:rPr lang="en-US" dirty="0" smtClean="0"/>
+              <a:t>Application</a:t>
+            </a:r>
+            <a:endParaRPr lang="en-US" dirty="0"/>
+          </a:p>
+        </p:txBody>
+      </p:sp>
+    </p:spTree>
+    <p:extLst>
+      <p:ext uri="{BB962C8B-B14F-4D97-AF65-F5344CB8AC3E}">
+        <p14:creationId xmlns:p14="http://schemas.microsoft.com/office/powerpoint/2010/main" val="3726245056"/>
+      </p:ext>
+    </p:extLst>
+  </p:cSld>
+  <p:clrMapOvr>
+    <a:masterClrMapping/>
+  </p:clrMapOvr>
+  <p:timing>
+    <p:tnLst>
+      <p:par>
+        <p:cTn id="1" dur="indefinite" restart="never" nodeType="tmRoot"/>
+      </p:par>
+    </p:tnLst>
+  </p:timing>
+</p:sld>
+</file>
+
+<file path=ppt/slides/slide24.xml><?xml version="1.0" encoding="utf-8"?>
+<p:sld xmlns:a="http://schemas.openxmlformats.org/drawingml/2006/main" xmlns:r="http://schemas.openxmlformats.org/officeDocument/2006/relationships" xmlns:p="http://schemas.openxmlformats.org/presentationml/2006/main">
+  <p:cSld>
+    <p:spTree>
+      <p:nvGrpSpPr>
+        <p:cNvPr id="1" name=""/>
+        <p:cNvGrpSpPr/>
+        <p:nvPr/>
+      </p:nvGrpSpPr>
+      <p:grpSpPr>
+        <a:xfrm>
+          <a:off x="0" y="0"/>
+          <a:ext cx="0" cy="0"/>
+          <a:chOff x="0" y="0"/>
+          <a:chExt cx="0" cy="0"/>
+        </a:xfrm>
+      </p:grpSpPr>
+      <p:sp>
+        <p:nvSpPr>
+          <p:cNvPr id="2" name="Rubrik 1"/>
+          <p:cNvSpPr>
+            <a:spLocks noGrp="1"/>
+          </p:cNvSpPr>
+          <p:nvPr>
+            <p:ph type="title"/>
+          </p:nvPr>
+        </p:nvSpPr>
+        <p:spPr/>
+        <p:txBody>
+          <a:bodyPr>
+            <a:normAutofit/>
+          </a:bodyPr>
+          <a:lstStyle/>
+          <a:p>
+            <a:r>
+              <a:rPr lang="en-US" sz="2800" dirty="0"/>
+              <a:t>ASP.NET Identity – Security Features</a:t>
+            </a:r>
+            <a:endParaRPr lang="en-US" sz="2800" b="1" dirty="0"/>
+          </a:p>
+        </p:txBody>
+      </p:sp>
+      <p:sp>
+        <p:nvSpPr>
+          <p:cNvPr id="3" name="Platshållare för innehåll 2"/>
+          <p:cNvSpPr>
+            <a:spLocks noGrp="1"/>
+          </p:cNvSpPr>
+          <p:nvPr>
+            <p:ph idx="1"/>
+          </p:nvPr>
+        </p:nvSpPr>
+        <p:spPr>
+          <a:xfrm>
+            <a:off x="323528" y="908720"/>
+            <a:ext cx="8568952" cy="5040560"/>
+          </a:xfrm>
+        </p:spPr>
+        <p:txBody>
+          <a:bodyPr>
+            <a:noAutofit/>
+          </a:bodyPr>
+          <a:lstStyle/>
+          <a:p>
+            <a:pPr algn="ctr"/>
+            <a:endParaRPr lang="en-US" sz="3200" dirty="0" smtClean="0"/>
+          </a:p>
+          <a:p>
+            <a:pPr marL="0" indent="0" algn="ctr">
+              <a:buNone/>
+            </a:pPr>
+            <a:endParaRPr lang="en-US" sz="3200" dirty="0"/>
+          </a:p>
+        </p:txBody>
+      </p:sp>
+      <p:sp>
+        <p:nvSpPr>
+          <p:cNvPr id="8" name="textruta 7"/>
+          <p:cNvSpPr txBox="1"/>
+          <p:nvPr/>
+        </p:nvSpPr>
+        <p:spPr>
+          <a:xfrm>
+            <a:off x="323528" y="908720"/>
+            <a:ext cx="8568952" cy="6709529"/>
+          </a:xfrm>
+          <a:prstGeom prst="rect">
+            <a:avLst/>
+          </a:prstGeom>
+          <a:noFill/>
+        </p:spPr>
+        <p:txBody>
+          <a:bodyPr wrap="square" rtlCol="0">
+            <a:spAutoFit/>
+          </a:bodyPr>
+          <a:lstStyle/>
+          <a:p>
+            <a:r>
+              <a:rPr lang="en-US" sz="3200" b="1" dirty="0" smtClean="0">
+                <a:solidFill>
+                  <a:srgbClr val="77933C"/>
+                </a:solidFill>
+              </a:rPr>
+              <a:t>Use Case scenario </a:t>
+            </a:r>
+          </a:p>
+          <a:p>
+            <a:endParaRPr lang="en-US" dirty="0" smtClean="0"/>
+          </a:p>
+          <a:p>
+            <a:endParaRPr lang="en-US" dirty="0" smtClean="0"/>
+          </a:p>
+          <a:p>
+            <a:r>
+              <a:rPr lang="en-US" sz="2800" dirty="0" smtClean="0"/>
+              <a:t>Let us say that we have an application for public use, which will handle a lot of users</a:t>
+            </a:r>
+          </a:p>
+          <a:p>
+            <a:endParaRPr lang="en-US" sz="2800" dirty="0"/>
+          </a:p>
+          <a:p>
+            <a:r>
+              <a:rPr lang="en-US" sz="2800" dirty="0" smtClean="0"/>
+              <a:t>Then it would be wise to implement external login providers to offer an easy way to authenticate</a:t>
+            </a:r>
+          </a:p>
+          <a:p>
+            <a:endParaRPr lang="en-US" sz="3200" dirty="0"/>
+          </a:p>
+          <a:p>
+            <a:endParaRPr lang="en-US" sz="3200" dirty="0"/>
+          </a:p>
+          <a:p>
+            <a:r>
+              <a:rPr lang="en-US" sz="3200" dirty="0" smtClean="0"/>
+              <a:t>   </a:t>
+            </a:r>
+          </a:p>
+          <a:p>
+            <a:endParaRPr lang="en-US" dirty="0"/>
+          </a:p>
+          <a:p>
+            <a:endParaRPr lang="en-US" dirty="0" smtClean="0"/>
+          </a:p>
+          <a:p>
+            <a:endParaRPr lang="en-US" dirty="0"/>
+          </a:p>
+          <a:p>
+            <a:endParaRPr lang="en-US" dirty="0" smtClean="0"/>
+          </a:p>
+          <a:p>
+            <a:endParaRPr lang="en-US" dirty="0"/>
+          </a:p>
+          <a:p>
+            <a:endParaRPr lang="en-US" dirty="0" smtClean="0"/>
+          </a:p>
+          <a:p>
+            <a:endParaRPr lang="en-US" dirty="0"/>
+          </a:p>
+        </p:txBody>
+      </p:sp>
+    </p:spTree>
+    <p:extLst>
+      <p:ext uri="{BB962C8B-B14F-4D97-AF65-F5344CB8AC3E}">
+        <p14:creationId xmlns:p14="http://schemas.microsoft.com/office/powerpoint/2010/main" val="3613833418"/>
+      </p:ext>
+    </p:extLst>
+  </p:cSld>
+  <p:clrMapOvr>
+    <a:masterClrMapping/>
+  </p:clrMapOvr>
+  <p:timing>
+    <p:tnLst>
+      <p:par>
+        <p:cTn id="1" dur="indefinite" restart="never" nodeType="tmRoot"/>
+      </p:par>
+    </p:tnLst>
+  </p:timing>
+</p:sld>
+</file>
+
+<file path=ppt/slides/slide25.xml><?xml version="1.0" encoding="utf-8"?>
+<p:sld xmlns:a="http://schemas.openxmlformats.org/drawingml/2006/main" xmlns:r="http://schemas.openxmlformats.org/officeDocument/2006/relationships" xmlns:p="http://schemas.openxmlformats.org/presentationml/2006/main">
+  <p:cSld>
+    <p:spTree>
+      <p:nvGrpSpPr>
+        <p:cNvPr id="1" name=""/>
+        <p:cNvGrpSpPr/>
+        <p:nvPr/>
+      </p:nvGrpSpPr>
+      <p:grpSpPr>
+        <a:xfrm>
+          <a:off x="0" y="0"/>
+          <a:ext cx="0" cy="0"/>
+          <a:chOff x="0" y="0"/>
+          <a:chExt cx="0" cy="0"/>
+        </a:xfrm>
+      </p:grpSpPr>
+      <p:sp>
+        <p:nvSpPr>
+          <p:cNvPr id="2" name="Rubrik 1"/>
+          <p:cNvSpPr>
+            <a:spLocks noGrp="1"/>
+          </p:cNvSpPr>
+          <p:nvPr>
+            <p:ph type="title"/>
+          </p:nvPr>
+        </p:nvSpPr>
+        <p:spPr/>
+        <p:txBody>
+          <a:bodyPr>
+            <a:normAutofit/>
+          </a:bodyPr>
+          <a:lstStyle/>
+          <a:p>
+            <a:r>
+              <a:rPr lang="en-US" sz="2800" dirty="0"/>
+              <a:t>ASP.NET Identity – Security Features</a:t>
+            </a:r>
+            <a:endParaRPr lang="en-US" sz="2800" b="1" dirty="0"/>
+          </a:p>
+        </p:txBody>
+      </p:sp>
+      <p:sp>
+        <p:nvSpPr>
+          <p:cNvPr id="3" name="Platshållare för innehåll 2"/>
+          <p:cNvSpPr>
+            <a:spLocks noGrp="1"/>
+          </p:cNvSpPr>
+          <p:nvPr>
+            <p:ph idx="1"/>
+          </p:nvPr>
+        </p:nvSpPr>
+        <p:spPr>
+          <a:xfrm>
+            <a:off x="323528" y="908720"/>
+            <a:ext cx="8568952" cy="5040560"/>
+          </a:xfrm>
+        </p:spPr>
+        <p:txBody>
+          <a:bodyPr>
+            <a:noAutofit/>
+          </a:bodyPr>
+          <a:lstStyle/>
+          <a:p>
+            <a:pPr algn="ctr"/>
+            <a:endParaRPr lang="en-US" sz="3200" dirty="0" smtClean="0"/>
+          </a:p>
+          <a:p>
+            <a:pPr marL="0" indent="0" algn="ctr">
+              <a:buNone/>
+            </a:pPr>
+            <a:endParaRPr lang="en-US" sz="3200" dirty="0"/>
+          </a:p>
+        </p:txBody>
+      </p:sp>
+      <p:sp>
+        <p:nvSpPr>
+          <p:cNvPr id="8" name="textruta 7"/>
+          <p:cNvSpPr txBox="1"/>
+          <p:nvPr/>
+        </p:nvSpPr>
+        <p:spPr>
+          <a:xfrm>
+            <a:off x="323528" y="908720"/>
+            <a:ext cx="8568952" cy="4216539"/>
+          </a:xfrm>
+          <a:prstGeom prst="rect">
+            <a:avLst/>
+          </a:prstGeom>
+          <a:noFill/>
+        </p:spPr>
+        <p:txBody>
+          <a:bodyPr wrap="square" rtlCol="0">
+            <a:spAutoFit/>
+          </a:bodyPr>
+          <a:lstStyle/>
+          <a:p>
+            <a:r>
+              <a:rPr lang="en-US" sz="3200" b="1" dirty="0" smtClean="0">
+                <a:solidFill>
+                  <a:srgbClr val="77933C"/>
+                </a:solidFill>
+              </a:rPr>
+              <a:t>Disadvantages with External login providers</a:t>
+            </a:r>
+            <a:endParaRPr lang="en-US" sz="3200" b="1" dirty="0">
+              <a:solidFill>
+                <a:srgbClr val="77933C"/>
+              </a:solidFill>
+            </a:endParaRPr>
+          </a:p>
+          <a:p>
+            <a:endParaRPr lang="en-US" sz="3200" dirty="0" smtClean="0"/>
+          </a:p>
+          <a:p>
+            <a:pPr marL="457200" indent="-457200">
+              <a:buFont typeface="Arial" panose="020B0604020202020204" pitchFamily="34" charset="0"/>
+              <a:buChar char="•"/>
+            </a:pPr>
+            <a:r>
+              <a:rPr lang="en-US" sz="2400" dirty="0" smtClean="0"/>
+              <a:t>The external login provider could crash / shut down</a:t>
+            </a:r>
+          </a:p>
+          <a:p>
+            <a:pPr marL="457200" indent="-457200">
+              <a:buFont typeface="Arial" panose="020B0604020202020204" pitchFamily="34" charset="0"/>
+              <a:buChar char="•"/>
+            </a:pPr>
+            <a:r>
+              <a:rPr lang="en-US" sz="2400" dirty="0" smtClean="0"/>
+              <a:t>Users may not trust the service </a:t>
+            </a:r>
+          </a:p>
+          <a:p>
+            <a:pPr marL="457200" indent="-457200">
+              <a:buFont typeface="Arial" panose="020B0604020202020204" pitchFamily="34" charset="0"/>
+              <a:buChar char="•"/>
+            </a:pPr>
+            <a:r>
+              <a:rPr lang="en-US" sz="2400" dirty="0" smtClean="0"/>
+              <a:t>Might be affected if the external login provider has a security breach</a:t>
+            </a:r>
+            <a:endParaRPr lang="en-US" dirty="0"/>
+          </a:p>
+          <a:p>
+            <a:endParaRPr lang="en-US" dirty="0" smtClean="0"/>
+          </a:p>
+          <a:p>
+            <a:endParaRPr lang="en-US" dirty="0"/>
+          </a:p>
+          <a:p>
+            <a:endParaRPr lang="en-US" dirty="0" smtClean="0"/>
+          </a:p>
+          <a:p>
+            <a:endParaRPr lang="en-US" dirty="0"/>
+          </a:p>
+          <a:p>
+            <a:endParaRPr lang="en-US" dirty="0" smtClean="0"/>
+          </a:p>
+          <a:p>
+            <a:endParaRPr lang="en-US" dirty="0"/>
+          </a:p>
+        </p:txBody>
+      </p:sp>
+    </p:spTree>
+    <p:extLst>
+      <p:ext uri="{BB962C8B-B14F-4D97-AF65-F5344CB8AC3E}">
+        <p14:creationId xmlns:p14="http://schemas.microsoft.com/office/powerpoint/2010/main" val="2471850073"/>
       </p:ext>
     </p:extLst>
   </p:cSld>

--- a/Documents/Slides/Identity-SecurityFeatures.pptx
+++ b/Documents/Slides/Identity-SecurityFeatures.pptx
@@ -148,5486 +148,6 @@
 </p:presentation>
 </file>
 
-<file path=ppt/diagrams/colors1.xml><?xml version="1.0" encoding="utf-8"?>
-<dgm:colorsDef xmlns:dgm="http://schemas.openxmlformats.org/drawingml/2006/diagram" xmlns:a="http://schemas.openxmlformats.org/drawingml/2006/main" uniqueId="urn:microsoft.com/office/officeart/2005/8/colors/accent1_2">
-  <dgm:title val=""/>
-  <dgm:desc val=""/>
-  <dgm:catLst>
-    <dgm:cat type="accent1" pri="11200"/>
-  </dgm:catLst>
-  <dgm:styleLbl name="node0">
-    <dgm:fillClrLst meth="repeat">
-      <a:schemeClr val="accent1"/>
-    </dgm:fillClrLst>
-    <dgm:linClrLst meth="repeat">
-      <a:schemeClr val="lt1"/>
-    </dgm:linClrLst>
-    <dgm:effectClrLst/>
-    <dgm:txLinClrLst/>
-    <dgm:txFillClrLst/>
-    <dgm:txEffectClrLst/>
-  </dgm:styleLbl>
-  <dgm:styleLbl name="alignNode1">
-    <dgm:fillClrLst meth="repeat">
-      <a:schemeClr val="accent1"/>
-    </dgm:fillClrLst>
-    <dgm:linClrLst meth="repeat">
-      <a:schemeClr val="accent1"/>
-    </dgm:linClrLst>
-    <dgm:effectClrLst/>
-    <dgm:txLinClrLst/>
-    <dgm:txFillClrLst/>
-    <dgm:txEffectClrLst/>
-  </dgm:styleLbl>
-  <dgm:styleLbl name="node1">
-    <dgm:fillClrLst meth="repeat">
-      <a:schemeClr val="accent1"/>
-    </dgm:fillClrLst>
-    <dgm:linClrLst meth="repeat">
-      <a:schemeClr val="lt1"/>
-    </dgm:linClrLst>
-    <dgm:effectClrLst/>
-    <dgm:txLinClrLst/>
-    <dgm:txFillClrLst/>
-    <dgm:txEffectClrLst/>
-  </dgm:styleLbl>
-  <dgm:styleLbl name="lnNode1">
-    <dgm:fillClrLst meth="repeat">
-      <a:schemeClr val="accent1"/>
-    </dgm:fillClrLst>
-    <dgm:linClrLst meth="repeat">
-      <a:schemeClr val="lt1"/>
-    </dgm:linClrLst>
-    <dgm:effectClrLst/>
-    <dgm:txLinClrLst/>
-    <dgm:txFillClrLst/>
-    <dgm:txEffectClrLst/>
-  </dgm:styleLbl>
-  <dgm:styleLbl name="vennNode1">
-    <dgm:fillClrLst meth="repeat">
-      <a:schemeClr val="accent1">
-        <a:alpha val="50000"/>
-      </a:schemeClr>
-    </dgm:fillClrLst>
-    <dgm:linClrLst meth="repeat">
-      <a:schemeClr val="lt1"/>
-    </dgm:linClrLst>
-    <dgm:effectClrLst/>
-    <dgm:txLinClrLst/>
-    <dgm:txFillClrLst/>
-    <dgm:txEffectClrLst/>
-  </dgm:styleLbl>
-  <dgm:styleLbl name="node2">
-    <dgm:fillClrLst meth="repeat">
-      <a:schemeClr val="accent1"/>
-    </dgm:fillClrLst>
-    <dgm:linClrLst meth="repeat">
-      <a:schemeClr val="lt1"/>
-    </dgm:linClrLst>
-    <dgm:effectClrLst/>
-    <dgm:txLinClrLst/>
-    <dgm:txFillClrLst/>
-    <dgm:txEffectClrLst/>
-  </dgm:styleLbl>
-  <dgm:styleLbl name="node3">
-    <dgm:fillClrLst meth="repeat">
-      <a:schemeClr val="accent1"/>
-    </dgm:fillClrLst>
-    <dgm:linClrLst meth="repeat">
-      <a:schemeClr val="lt1"/>
-    </dgm:linClrLst>
-    <dgm:effectClrLst/>
-    <dgm:txLinClrLst/>
-    <dgm:txFillClrLst/>
-    <dgm:txEffectClrLst/>
-  </dgm:styleLbl>
-  <dgm:styleLbl name="node4">
-    <dgm:fillClrLst meth="repeat">
-      <a:schemeClr val="accent1"/>
-    </dgm:fillClrLst>
-    <dgm:linClrLst meth="repeat">
-      <a:schemeClr val="lt1"/>
-    </dgm:linClrLst>
-    <dgm:effectClrLst/>
-    <dgm:txLinClrLst/>
-    <dgm:txFillClrLst/>
-    <dgm:txEffectClrLst/>
-  </dgm:styleLbl>
-  <dgm:styleLbl name="fgImgPlace1">
-    <dgm:fillClrLst meth="repeat">
-      <a:schemeClr val="accent1">
-        <a:tint val="50000"/>
-      </a:schemeClr>
-    </dgm:fillClrLst>
-    <dgm:linClrLst meth="repeat">
-      <a:schemeClr val="lt1"/>
-    </dgm:linClrLst>
-    <dgm:effectClrLst/>
-    <dgm:txLinClrLst/>
-    <dgm:txFillClrLst meth="repeat">
-      <a:schemeClr val="lt1"/>
-    </dgm:txFillClrLst>
-    <dgm:txEffectClrLst/>
-  </dgm:styleLbl>
-  <dgm:styleLbl name="alignImgPlace1">
-    <dgm:fillClrLst meth="repeat">
-      <a:schemeClr val="accent1">
-        <a:tint val="50000"/>
-      </a:schemeClr>
-    </dgm:fillClrLst>
-    <dgm:linClrLst meth="repeat">
-      <a:schemeClr val="lt1"/>
-    </dgm:linClrLst>
-    <dgm:effectClrLst/>
-    <dgm:txLinClrLst/>
-    <dgm:txFillClrLst meth="repeat">
-      <a:schemeClr val="lt1"/>
-    </dgm:txFillClrLst>
-    <dgm:txEffectClrLst/>
-  </dgm:styleLbl>
-  <dgm:styleLbl name="bgImgPlace1">
-    <dgm:fillClrLst meth="repeat">
-      <a:schemeClr val="accent1">
-        <a:tint val="50000"/>
-      </a:schemeClr>
-    </dgm:fillClrLst>
-    <dgm:linClrLst meth="repeat">
-      <a:schemeClr val="lt1"/>
-    </dgm:linClrLst>
-    <dgm:effectClrLst/>
-    <dgm:txLinClrLst/>
-    <dgm:txFillClrLst meth="repeat">
-      <a:schemeClr val="lt1"/>
-    </dgm:txFillClrLst>
-    <dgm:txEffectClrLst/>
-  </dgm:styleLbl>
-  <dgm:styleLbl name="sibTrans2D1">
-    <dgm:fillClrLst meth="repeat">
-      <a:schemeClr val="accent1">
-        <a:tint val="60000"/>
-      </a:schemeClr>
-    </dgm:fillClrLst>
-    <dgm:linClrLst meth="repeat">
-      <a:schemeClr val="accent1">
-        <a:tint val="60000"/>
-      </a:schemeClr>
-    </dgm:linClrLst>
-    <dgm:effectClrLst/>
-    <dgm:txLinClrLst/>
-    <dgm:txFillClrLst/>
-    <dgm:txEffectClrLst/>
-  </dgm:styleLbl>
-  <dgm:styleLbl name="fgSibTrans2D1">
-    <dgm:fillClrLst meth="repeat">
-      <a:schemeClr val="accent1">
-        <a:tint val="60000"/>
-      </a:schemeClr>
-    </dgm:fillClrLst>
-    <dgm:linClrLst meth="repeat">
-      <a:schemeClr val="accent1">
-        <a:tint val="60000"/>
-      </a:schemeClr>
-    </dgm:linClrLst>
-    <dgm:effectClrLst/>
-    <dgm:txLinClrLst/>
-    <dgm:txFillClrLst/>
-    <dgm:txEffectClrLst/>
-  </dgm:styleLbl>
-  <dgm:styleLbl name="bgSibTrans2D1">
-    <dgm:fillClrLst meth="repeat">
-      <a:schemeClr val="accent1">
-        <a:tint val="60000"/>
-      </a:schemeClr>
-    </dgm:fillClrLst>
-    <dgm:linClrLst meth="repeat">
-      <a:schemeClr val="accent1">
-        <a:tint val="60000"/>
-      </a:schemeClr>
-    </dgm:linClrLst>
-    <dgm:effectClrLst/>
-    <dgm:txLinClrLst/>
-    <dgm:txFillClrLst/>
-    <dgm:txEffectClrLst/>
-  </dgm:styleLbl>
-  <dgm:styleLbl name="sibTrans1D1">
-    <dgm:fillClrLst meth="repeat">
-      <a:schemeClr val="accent1"/>
-    </dgm:fillClrLst>
-    <dgm:linClrLst meth="repeat">
-      <a:schemeClr val="accent1"/>
-    </dgm:linClrLst>
-    <dgm:effectClrLst/>
-    <dgm:txLinClrLst/>
-    <dgm:txFillClrLst meth="repeat">
-      <a:schemeClr val="tx1"/>
-    </dgm:txFillClrLst>
-    <dgm:txEffectClrLst/>
-  </dgm:styleLbl>
-  <dgm:styleLbl name="callout">
-    <dgm:fillClrLst meth="repeat">
-      <a:schemeClr val="accent1"/>
-    </dgm:fillClrLst>
-    <dgm:linClrLst meth="repeat">
-      <a:schemeClr val="accent1">
-        <a:tint val="50000"/>
-      </a:schemeClr>
-    </dgm:linClrLst>
-    <dgm:effectClrLst/>
-    <dgm:txLinClrLst/>
-    <dgm:txFillClrLst meth="repeat">
-      <a:schemeClr val="tx1"/>
-    </dgm:txFillClrLst>
-    <dgm:txEffectClrLst/>
-  </dgm:styleLbl>
-  <dgm:styleLbl name="asst0">
-    <dgm:fillClrLst meth="repeat">
-      <a:schemeClr val="accent1"/>
-    </dgm:fillClrLst>
-    <dgm:linClrLst meth="repeat">
-      <a:schemeClr val="lt1"/>
-    </dgm:linClrLst>
-    <dgm:effectClrLst/>
-    <dgm:txLinClrLst/>
-    <dgm:txFillClrLst/>
-    <dgm:txEffectClrLst/>
-  </dgm:styleLbl>
-  <dgm:styleLbl name="asst1">
-    <dgm:fillClrLst meth="repeat">
-      <a:schemeClr val="accent1"/>
-    </dgm:fillClrLst>
-    <dgm:linClrLst meth="repeat">
-      <a:schemeClr val="lt1"/>
-    </dgm:linClrLst>
-    <dgm:effectClrLst/>
-    <dgm:txLinClrLst/>
-    <dgm:txFillClrLst/>
-    <dgm:txEffectClrLst/>
-  </dgm:styleLbl>
-  <dgm:styleLbl name="asst2">
-    <dgm:fillClrLst meth="repeat">
-      <a:schemeClr val="accent1"/>
-    </dgm:fillClrLst>
-    <dgm:linClrLst meth="repeat">
-      <a:schemeClr val="lt1"/>
-    </dgm:linClrLst>
-    <dgm:effectClrLst/>
-    <dgm:txLinClrLst/>
-    <dgm:txFillClrLst/>
-    <dgm:txEffectClrLst/>
-  </dgm:styleLbl>
-  <dgm:styleLbl name="asst3">
-    <dgm:fillClrLst meth="repeat">
-      <a:schemeClr val="accent1"/>
-    </dgm:fillClrLst>
-    <dgm:linClrLst meth="repeat">
-      <a:schemeClr val="lt1"/>
-    </dgm:linClrLst>
-    <dgm:effectClrLst/>
-    <dgm:txLinClrLst/>
-    <dgm:txFillClrLst/>
-    <dgm:txEffectClrLst/>
-  </dgm:styleLbl>
-  <dgm:styleLbl name="asst4">
-    <dgm:fillClrLst meth="repeat">
-      <a:schemeClr val="accent1"/>
-    </dgm:fillClrLst>
-    <dgm:linClrLst meth="repeat">
-      <a:schemeClr val="lt1"/>
-    </dgm:linClrLst>
-    <dgm:effectClrLst/>
-    <dgm:txLinClrLst/>
-    <dgm:txFillClrLst/>
-    <dgm:txEffectClrLst/>
-  </dgm:styleLbl>
-  <dgm:styleLbl name="parChTrans2D1">
-    <dgm:fillClrLst meth="repeat">
-      <a:schemeClr val="accent1">
-        <a:tint val="60000"/>
-      </a:schemeClr>
-    </dgm:fillClrLst>
-    <dgm:linClrLst meth="repeat">
-      <a:schemeClr val="accent1">
-        <a:tint val="60000"/>
-      </a:schemeClr>
-    </dgm:linClrLst>
-    <dgm:effectClrLst/>
-    <dgm:txLinClrLst/>
-    <dgm:txFillClrLst meth="repeat">
-      <a:schemeClr val="lt1"/>
-    </dgm:txFillClrLst>
-    <dgm:txEffectClrLst/>
-  </dgm:styleLbl>
-  <dgm:styleLbl name="parChTrans2D2">
-    <dgm:fillClrLst meth="repeat">
-      <a:schemeClr val="accent1"/>
-    </dgm:fillClrLst>
-    <dgm:linClrLst meth="repeat">
-      <a:schemeClr val="accent1"/>
-    </dgm:linClrLst>
-    <dgm:effectClrLst/>
-    <dgm:txLinClrLst/>
-    <dgm:txFillClrLst meth="repeat">
-      <a:schemeClr val="lt1"/>
-    </dgm:txFillClrLst>
-    <dgm:txEffectClrLst/>
-  </dgm:styleLbl>
-  <dgm:styleLbl name="parChTrans2D3">
-    <dgm:fillClrLst meth="repeat">
-      <a:schemeClr val="accent1"/>
-    </dgm:fillClrLst>
-    <dgm:linClrLst meth="repeat">
-      <a:schemeClr val="accent1"/>
-    </dgm:linClrLst>
-    <dgm:effectClrLst/>
-    <dgm:txLinClrLst/>
-    <dgm:txFillClrLst meth="repeat">
-      <a:schemeClr val="lt1"/>
-    </dgm:txFillClrLst>
-    <dgm:txEffectClrLst/>
-  </dgm:styleLbl>
-  <dgm:styleLbl name="parChTrans2D4">
-    <dgm:fillClrLst meth="repeat">
-      <a:schemeClr val="accent1"/>
-    </dgm:fillClrLst>
-    <dgm:linClrLst meth="repeat">
-      <a:schemeClr val="accent1"/>
-    </dgm:linClrLst>
-    <dgm:effectClrLst/>
-    <dgm:txLinClrLst/>
-    <dgm:txFillClrLst meth="repeat">
-      <a:schemeClr val="lt1"/>
-    </dgm:txFillClrLst>
-    <dgm:txEffectClrLst/>
-  </dgm:styleLbl>
-  <dgm:styleLbl name="parChTrans1D1">
-    <dgm:fillClrLst meth="repeat">
-      <a:schemeClr val="accent1"/>
-    </dgm:fillClrLst>
-    <dgm:linClrLst meth="repeat">
-      <a:schemeClr val="accent1">
-        <a:shade val="60000"/>
-      </a:schemeClr>
-    </dgm:linClrLst>
-    <dgm:effectClrLst/>
-    <dgm:txLinClrLst/>
-    <dgm:txFillClrLst meth="repeat">
-      <a:schemeClr val="tx1"/>
-    </dgm:txFillClrLst>
-    <dgm:txEffectClrLst/>
-  </dgm:styleLbl>
-  <dgm:styleLbl name="parChTrans1D2">
-    <dgm:fillClrLst meth="repeat">
-      <a:schemeClr val="accent1"/>
-    </dgm:fillClrLst>
-    <dgm:linClrLst meth="repeat">
-      <a:schemeClr val="accent1">
-        <a:shade val="60000"/>
-      </a:schemeClr>
-    </dgm:linClrLst>
-    <dgm:effectClrLst/>
-    <dgm:txLinClrLst/>
-    <dgm:txFillClrLst meth="repeat">
-      <a:schemeClr val="tx1"/>
-    </dgm:txFillClrLst>
-    <dgm:txEffectClrLst/>
-  </dgm:styleLbl>
-  <dgm:styleLbl name="parChTrans1D3">
-    <dgm:fillClrLst meth="repeat">
-      <a:schemeClr val="accent1"/>
-    </dgm:fillClrLst>
-    <dgm:linClrLst meth="repeat">
-      <a:schemeClr val="accent1">
-        <a:shade val="80000"/>
-      </a:schemeClr>
-    </dgm:linClrLst>
-    <dgm:effectClrLst/>
-    <dgm:txLinClrLst/>
-    <dgm:txFillClrLst meth="repeat">
-      <a:schemeClr val="tx1"/>
-    </dgm:txFillClrLst>
-    <dgm:txEffectClrLst/>
-  </dgm:styleLbl>
-  <dgm:styleLbl name="parChTrans1D4">
-    <dgm:fillClrLst meth="repeat">
-      <a:schemeClr val="accent1"/>
-    </dgm:fillClrLst>
-    <dgm:linClrLst meth="repeat">
-      <a:schemeClr val="accent1">
-        <a:shade val="80000"/>
-      </a:schemeClr>
-    </dgm:linClrLst>
-    <dgm:effectClrLst/>
-    <dgm:txLinClrLst/>
-    <dgm:txFillClrLst meth="repeat">
-      <a:schemeClr val="tx1"/>
-    </dgm:txFillClrLst>
-    <dgm:txEffectClrLst/>
-  </dgm:styleLbl>
-  <dgm:styleLbl name="fgAcc1">
-    <dgm:fillClrLst meth="repeat">
-      <a:schemeClr val="lt1">
-        <a:alpha val="90000"/>
-      </a:schemeClr>
-    </dgm:fillClrLst>
-    <dgm:linClrLst meth="repeat">
-      <a:schemeClr val="accent1"/>
-    </dgm:linClrLst>
-    <dgm:effectClrLst/>
-    <dgm:txLinClrLst/>
-    <dgm:txFillClrLst meth="repeat">
-      <a:schemeClr val="dk1"/>
-    </dgm:txFillClrLst>
-    <dgm:txEffectClrLst/>
-  </dgm:styleLbl>
-  <dgm:styleLbl name="conFgAcc1">
-    <dgm:fillClrLst meth="repeat">
-      <a:schemeClr val="lt1">
-        <a:alpha val="90000"/>
-      </a:schemeClr>
-    </dgm:fillClrLst>
-    <dgm:linClrLst meth="repeat">
-      <a:schemeClr val="accent1"/>
-    </dgm:linClrLst>
-    <dgm:effectClrLst/>
-    <dgm:txLinClrLst/>
-    <dgm:txFillClrLst meth="repeat">
-      <a:schemeClr val="dk1"/>
-    </dgm:txFillClrLst>
-    <dgm:txEffectClrLst/>
-  </dgm:styleLbl>
-  <dgm:styleLbl name="alignAcc1">
-    <dgm:fillClrLst meth="repeat">
-      <a:schemeClr val="lt1">
-        <a:alpha val="90000"/>
-      </a:schemeClr>
-    </dgm:fillClrLst>
-    <dgm:linClrLst meth="repeat">
-      <a:schemeClr val="accent1"/>
-    </dgm:linClrLst>
-    <dgm:effectClrLst/>
-    <dgm:txLinClrLst/>
-    <dgm:txFillClrLst meth="repeat">
-      <a:schemeClr val="dk1"/>
-    </dgm:txFillClrLst>
-    <dgm:txEffectClrLst/>
-  </dgm:styleLbl>
-  <dgm:styleLbl name="trAlignAcc1">
-    <dgm:fillClrLst meth="repeat">
-      <a:schemeClr val="lt1">
-        <a:alpha val="40000"/>
-      </a:schemeClr>
-    </dgm:fillClrLst>
-    <dgm:linClrLst meth="repeat">
-      <a:schemeClr val="accent1"/>
-    </dgm:linClrLst>
-    <dgm:effectClrLst/>
-    <dgm:txLinClrLst/>
-    <dgm:txFillClrLst meth="repeat">
-      <a:schemeClr val="dk1"/>
-    </dgm:txFillClrLst>
-    <dgm:txEffectClrLst/>
-  </dgm:styleLbl>
-  <dgm:styleLbl name="bgAcc1">
-    <dgm:fillClrLst meth="repeat">
-      <a:schemeClr val="lt1">
-        <a:alpha val="90000"/>
-      </a:schemeClr>
-    </dgm:fillClrLst>
-    <dgm:linClrLst meth="repeat">
-      <a:schemeClr val="accent1"/>
-    </dgm:linClrLst>
-    <dgm:effectClrLst/>
-    <dgm:txLinClrLst/>
-    <dgm:txFillClrLst meth="repeat">
-      <a:schemeClr val="dk1"/>
-    </dgm:txFillClrLst>
-    <dgm:txEffectClrLst/>
-  </dgm:styleLbl>
-  <dgm:styleLbl name="solidFgAcc1">
-    <dgm:fillClrLst meth="repeat">
-      <a:schemeClr val="lt1"/>
-    </dgm:fillClrLst>
-    <dgm:linClrLst meth="repeat">
-      <a:schemeClr val="accent1"/>
-    </dgm:linClrLst>
-    <dgm:effectClrLst/>
-    <dgm:txLinClrLst/>
-    <dgm:txFillClrLst meth="repeat">
-      <a:schemeClr val="dk1"/>
-    </dgm:txFillClrLst>
-    <dgm:txEffectClrLst/>
-  </dgm:styleLbl>
-  <dgm:styleLbl name="solidAlignAcc1">
-    <dgm:fillClrLst meth="repeat">
-      <a:schemeClr val="lt1"/>
-    </dgm:fillClrLst>
-    <dgm:linClrLst meth="repeat">
-      <a:schemeClr val="accent1"/>
-    </dgm:linClrLst>
-    <dgm:effectClrLst/>
-    <dgm:txLinClrLst/>
-    <dgm:txFillClrLst meth="repeat">
-      <a:schemeClr val="dk1"/>
-    </dgm:txFillClrLst>
-    <dgm:txEffectClrLst/>
-  </dgm:styleLbl>
-  <dgm:styleLbl name="solidBgAcc1">
-    <dgm:fillClrLst meth="repeat">
-      <a:schemeClr val="lt1"/>
-    </dgm:fillClrLst>
-    <dgm:linClrLst meth="repeat">
-      <a:schemeClr val="accent1"/>
-    </dgm:linClrLst>
-    <dgm:effectClrLst/>
-    <dgm:txLinClrLst/>
-    <dgm:txFillClrLst meth="repeat">
-      <a:schemeClr val="dk1"/>
-    </dgm:txFillClrLst>
-    <dgm:txEffectClrLst/>
-  </dgm:styleLbl>
-  <dgm:styleLbl name="fgAccFollowNode1">
-    <dgm:fillClrLst meth="repeat">
-      <a:schemeClr val="accent1">
-        <a:alpha val="90000"/>
-        <a:tint val="40000"/>
-      </a:schemeClr>
-    </dgm:fillClrLst>
-    <dgm:linClrLst meth="repeat">
-      <a:schemeClr val="accent1">
-        <a:alpha val="90000"/>
-        <a:tint val="40000"/>
-      </a:schemeClr>
-    </dgm:linClrLst>
-    <dgm:effectClrLst/>
-    <dgm:txLinClrLst/>
-    <dgm:txFillClrLst meth="repeat">
-      <a:schemeClr val="dk1"/>
-    </dgm:txFillClrLst>
-    <dgm:txEffectClrLst/>
-  </dgm:styleLbl>
-  <dgm:styleLbl name="alignAccFollowNode1">
-    <dgm:fillClrLst meth="repeat">
-      <a:schemeClr val="accent1">
-        <a:alpha val="90000"/>
-        <a:tint val="40000"/>
-      </a:schemeClr>
-    </dgm:fillClrLst>
-    <dgm:linClrLst meth="repeat">
-      <a:schemeClr val="accent1">
-        <a:alpha val="90000"/>
-        <a:tint val="40000"/>
-      </a:schemeClr>
-    </dgm:linClrLst>
-    <dgm:effectClrLst/>
-    <dgm:txLinClrLst/>
-    <dgm:txFillClrLst meth="repeat">
-      <a:schemeClr val="dk1"/>
-    </dgm:txFillClrLst>
-    <dgm:txEffectClrLst/>
-  </dgm:styleLbl>
-  <dgm:styleLbl name="bgAccFollowNode1">
-    <dgm:fillClrLst meth="repeat">
-      <a:schemeClr val="accent1">
-        <a:alpha val="90000"/>
-        <a:tint val="40000"/>
-      </a:schemeClr>
-    </dgm:fillClrLst>
-    <dgm:linClrLst meth="repeat">
-      <a:schemeClr val="accent1">
-        <a:alpha val="90000"/>
-        <a:tint val="40000"/>
-      </a:schemeClr>
-    </dgm:linClrLst>
-    <dgm:effectClrLst/>
-    <dgm:txLinClrLst/>
-    <dgm:txFillClrLst meth="repeat">
-      <a:schemeClr val="dk1"/>
-    </dgm:txFillClrLst>
-    <dgm:txEffectClrLst/>
-  </dgm:styleLbl>
-  <dgm:styleLbl name="fgAcc0">
-    <dgm:fillClrLst meth="repeat">
-      <a:schemeClr val="lt1">
-        <a:alpha val="90000"/>
-      </a:schemeClr>
-    </dgm:fillClrLst>
-    <dgm:linClrLst meth="repeat">
-      <a:schemeClr val="accent1"/>
-    </dgm:linClrLst>
-    <dgm:effectClrLst/>
-    <dgm:txLinClrLst/>
-    <dgm:txFillClrLst meth="repeat">
-      <a:schemeClr val="dk1"/>
-    </dgm:txFillClrLst>
-    <dgm:txEffectClrLst/>
-  </dgm:styleLbl>
-  <dgm:styleLbl name="fgAcc2">
-    <dgm:fillClrLst meth="repeat">
-      <a:schemeClr val="lt1">
-        <a:alpha val="90000"/>
-      </a:schemeClr>
-    </dgm:fillClrLst>
-    <dgm:linClrLst meth="repeat">
-      <a:schemeClr val="accent1"/>
-    </dgm:linClrLst>
-    <dgm:effectClrLst/>
-    <dgm:txLinClrLst/>
-    <dgm:txFillClrLst meth="repeat">
-      <a:schemeClr val="dk1"/>
-    </dgm:txFillClrLst>
-    <dgm:txEffectClrLst/>
-  </dgm:styleLbl>
-  <dgm:styleLbl name="fgAcc3">
-    <dgm:fillClrLst meth="repeat">
-      <a:schemeClr val="lt1">
-        <a:alpha val="90000"/>
-      </a:schemeClr>
-    </dgm:fillClrLst>
-    <dgm:linClrLst meth="repeat">
-      <a:schemeClr val="accent1"/>
-    </dgm:linClrLst>
-    <dgm:effectClrLst/>
-    <dgm:txLinClrLst/>
-    <dgm:txFillClrLst meth="repeat">
-      <a:schemeClr val="dk1"/>
-    </dgm:txFillClrLst>
-    <dgm:txEffectClrLst/>
-  </dgm:styleLbl>
-  <dgm:styleLbl name="fgAcc4">
-    <dgm:fillClrLst meth="repeat">
-      <a:schemeClr val="lt1">
-        <a:alpha val="90000"/>
-      </a:schemeClr>
-    </dgm:fillClrLst>
-    <dgm:linClrLst meth="repeat">
-      <a:schemeClr val="accent1"/>
-    </dgm:linClrLst>
-    <dgm:effectClrLst/>
-    <dgm:txLinClrLst/>
-    <dgm:txFillClrLst meth="repeat">
-      <a:schemeClr val="dk1"/>
-    </dgm:txFillClrLst>
-    <dgm:txEffectClrLst/>
-  </dgm:styleLbl>
-  <dgm:styleLbl name="bgShp">
-    <dgm:fillClrLst meth="repeat">
-      <a:schemeClr val="accent1">
-        <a:tint val="40000"/>
-      </a:schemeClr>
-    </dgm:fillClrLst>
-    <dgm:linClrLst meth="repeat">
-      <a:schemeClr val="accent1"/>
-    </dgm:linClrLst>
-    <dgm:effectClrLst/>
-    <dgm:txLinClrLst/>
-    <dgm:txFillClrLst meth="repeat">
-      <a:schemeClr val="dk1"/>
-    </dgm:txFillClrLst>
-    <dgm:txEffectClrLst/>
-  </dgm:styleLbl>
-  <dgm:styleLbl name="dkBgShp">
-    <dgm:fillClrLst meth="repeat">
-      <a:schemeClr val="accent1">
-        <a:shade val="80000"/>
-      </a:schemeClr>
-    </dgm:fillClrLst>
-    <dgm:linClrLst meth="repeat">
-      <a:schemeClr val="accent1"/>
-    </dgm:linClrLst>
-    <dgm:effectClrLst/>
-    <dgm:txLinClrLst/>
-    <dgm:txFillClrLst meth="repeat">
-      <a:schemeClr val="lt1"/>
-    </dgm:txFillClrLst>
-    <dgm:txEffectClrLst/>
-  </dgm:styleLbl>
-  <dgm:styleLbl name="trBgShp">
-    <dgm:fillClrLst meth="repeat">
-      <a:schemeClr val="accent1">
-        <a:tint val="50000"/>
-        <a:alpha val="40000"/>
-      </a:schemeClr>
-    </dgm:fillClrLst>
-    <dgm:linClrLst meth="repeat">
-      <a:schemeClr val="accent1"/>
-    </dgm:linClrLst>
-    <dgm:effectClrLst/>
-    <dgm:txLinClrLst/>
-    <dgm:txFillClrLst meth="repeat">
-      <a:schemeClr val="lt1"/>
-    </dgm:txFillClrLst>
-    <dgm:txEffectClrLst/>
-  </dgm:styleLbl>
-  <dgm:styleLbl name="fgShp">
-    <dgm:fillClrLst meth="repeat">
-      <a:schemeClr val="accent1">
-        <a:tint val="60000"/>
-      </a:schemeClr>
-    </dgm:fillClrLst>
-    <dgm:linClrLst meth="repeat">
-      <a:schemeClr val="lt1"/>
-    </dgm:linClrLst>
-    <dgm:effectClrLst/>
-    <dgm:txLinClrLst/>
-    <dgm:txFillClrLst meth="repeat">
-      <a:schemeClr val="dk1"/>
-    </dgm:txFillClrLst>
-    <dgm:txEffectClrLst/>
-  </dgm:styleLbl>
-  <dgm:styleLbl name="revTx">
-    <dgm:fillClrLst meth="repeat">
-      <a:schemeClr val="lt1">
-        <a:alpha val="0"/>
-      </a:schemeClr>
-    </dgm:fillClrLst>
-    <dgm:linClrLst meth="repeat">
-      <a:schemeClr val="dk1">
-        <a:alpha val="0"/>
-      </a:schemeClr>
-    </dgm:linClrLst>
-    <dgm:effectClrLst/>
-    <dgm:txLinClrLst/>
-    <dgm:txFillClrLst meth="repeat">
-      <a:schemeClr val="tx1"/>
-    </dgm:txFillClrLst>
-    <dgm:txEffectClrLst/>
-  </dgm:styleLbl>
-</dgm:colorsDef>
-</file>
-
-<file path=ppt/diagrams/colors2.xml><?xml version="1.0" encoding="utf-8"?>
-<dgm:colorsDef xmlns:dgm="http://schemas.openxmlformats.org/drawingml/2006/diagram" xmlns:a="http://schemas.openxmlformats.org/drawingml/2006/main" uniqueId="urn:microsoft.com/office/officeart/2005/8/colors/accent1_2">
-  <dgm:title val=""/>
-  <dgm:desc val=""/>
-  <dgm:catLst>
-    <dgm:cat type="accent1" pri="11200"/>
-  </dgm:catLst>
-  <dgm:styleLbl name="node0">
-    <dgm:fillClrLst meth="repeat">
-      <a:schemeClr val="accent1"/>
-    </dgm:fillClrLst>
-    <dgm:linClrLst meth="repeat">
-      <a:schemeClr val="lt1"/>
-    </dgm:linClrLst>
-    <dgm:effectClrLst/>
-    <dgm:txLinClrLst/>
-    <dgm:txFillClrLst/>
-    <dgm:txEffectClrLst/>
-  </dgm:styleLbl>
-  <dgm:styleLbl name="alignNode1">
-    <dgm:fillClrLst meth="repeat">
-      <a:schemeClr val="accent1"/>
-    </dgm:fillClrLst>
-    <dgm:linClrLst meth="repeat">
-      <a:schemeClr val="accent1"/>
-    </dgm:linClrLst>
-    <dgm:effectClrLst/>
-    <dgm:txLinClrLst/>
-    <dgm:txFillClrLst/>
-    <dgm:txEffectClrLst/>
-  </dgm:styleLbl>
-  <dgm:styleLbl name="node1">
-    <dgm:fillClrLst meth="repeat">
-      <a:schemeClr val="accent1"/>
-    </dgm:fillClrLst>
-    <dgm:linClrLst meth="repeat">
-      <a:schemeClr val="lt1"/>
-    </dgm:linClrLst>
-    <dgm:effectClrLst/>
-    <dgm:txLinClrLst/>
-    <dgm:txFillClrLst/>
-    <dgm:txEffectClrLst/>
-  </dgm:styleLbl>
-  <dgm:styleLbl name="lnNode1">
-    <dgm:fillClrLst meth="repeat">
-      <a:schemeClr val="accent1"/>
-    </dgm:fillClrLst>
-    <dgm:linClrLst meth="repeat">
-      <a:schemeClr val="lt1"/>
-    </dgm:linClrLst>
-    <dgm:effectClrLst/>
-    <dgm:txLinClrLst/>
-    <dgm:txFillClrLst/>
-    <dgm:txEffectClrLst/>
-  </dgm:styleLbl>
-  <dgm:styleLbl name="vennNode1">
-    <dgm:fillClrLst meth="repeat">
-      <a:schemeClr val="accent1">
-        <a:alpha val="50000"/>
-      </a:schemeClr>
-    </dgm:fillClrLst>
-    <dgm:linClrLst meth="repeat">
-      <a:schemeClr val="lt1"/>
-    </dgm:linClrLst>
-    <dgm:effectClrLst/>
-    <dgm:txLinClrLst/>
-    <dgm:txFillClrLst/>
-    <dgm:txEffectClrLst/>
-  </dgm:styleLbl>
-  <dgm:styleLbl name="node2">
-    <dgm:fillClrLst meth="repeat">
-      <a:schemeClr val="accent1"/>
-    </dgm:fillClrLst>
-    <dgm:linClrLst meth="repeat">
-      <a:schemeClr val="lt1"/>
-    </dgm:linClrLst>
-    <dgm:effectClrLst/>
-    <dgm:txLinClrLst/>
-    <dgm:txFillClrLst/>
-    <dgm:txEffectClrLst/>
-  </dgm:styleLbl>
-  <dgm:styleLbl name="node3">
-    <dgm:fillClrLst meth="repeat">
-      <a:schemeClr val="accent1"/>
-    </dgm:fillClrLst>
-    <dgm:linClrLst meth="repeat">
-      <a:schemeClr val="lt1"/>
-    </dgm:linClrLst>
-    <dgm:effectClrLst/>
-    <dgm:txLinClrLst/>
-    <dgm:txFillClrLst/>
-    <dgm:txEffectClrLst/>
-  </dgm:styleLbl>
-  <dgm:styleLbl name="node4">
-    <dgm:fillClrLst meth="repeat">
-      <a:schemeClr val="accent1"/>
-    </dgm:fillClrLst>
-    <dgm:linClrLst meth="repeat">
-      <a:schemeClr val="lt1"/>
-    </dgm:linClrLst>
-    <dgm:effectClrLst/>
-    <dgm:txLinClrLst/>
-    <dgm:txFillClrLst/>
-    <dgm:txEffectClrLst/>
-  </dgm:styleLbl>
-  <dgm:styleLbl name="fgImgPlace1">
-    <dgm:fillClrLst meth="repeat">
-      <a:schemeClr val="accent1">
-        <a:tint val="50000"/>
-      </a:schemeClr>
-    </dgm:fillClrLst>
-    <dgm:linClrLst meth="repeat">
-      <a:schemeClr val="lt1"/>
-    </dgm:linClrLst>
-    <dgm:effectClrLst/>
-    <dgm:txLinClrLst/>
-    <dgm:txFillClrLst meth="repeat">
-      <a:schemeClr val="lt1"/>
-    </dgm:txFillClrLst>
-    <dgm:txEffectClrLst/>
-  </dgm:styleLbl>
-  <dgm:styleLbl name="alignImgPlace1">
-    <dgm:fillClrLst meth="repeat">
-      <a:schemeClr val="accent1">
-        <a:tint val="50000"/>
-      </a:schemeClr>
-    </dgm:fillClrLst>
-    <dgm:linClrLst meth="repeat">
-      <a:schemeClr val="lt1"/>
-    </dgm:linClrLst>
-    <dgm:effectClrLst/>
-    <dgm:txLinClrLst/>
-    <dgm:txFillClrLst meth="repeat">
-      <a:schemeClr val="lt1"/>
-    </dgm:txFillClrLst>
-    <dgm:txEffectClrLst/>
-  </dgm:styleLbl>
-  <dgm:styleLbl name="bgImgPlace1">
-    <dgm:fillClrLst meth="repeat">
-      <a:schemeClr val="accent1">
-        <a:tint val="50000"/>
-      </a:schemeClr>
-    </dgm:fillClrLst>
-    <dgm:linClrLst meth="repeat">
-      <a:schemeClr val="lt1"/>
-    </dgm:linClrLst>
-    <dgm:effectClrLst/>
-    <dgm:txLinClrLst/>
-    <dgm:txFillClrLst meth="repeat">
-      <a:schemeClr val="lt1"/>
-    </dgm:txFillClrLst>
-    <dgm:txEffectClrLst/>
-  </dgm:styleLbl>
-  <dgm:styleLbl name="sibTrans2D1">
-    <dgm:fillClrLst meth="repeat">
-      <a:schemeClr val="accent1">
-        <a:tint val="60000"/>
-      </a:schemeClr>
-    </dgm:fillClrLst>
-    <dgm:linClrLst meth="repeat">
-      <a:schemeClr val="accent1">
-        <a:tint val="60000"/>
-      </a:schemeClr>
-    </dgm:linClrLst>
-    <dgm:effectClrLst/>
-    <dgm:txLinClrLst/>
-    <dgm:txFillClrLst/>
-    <dgm:txEffectClrLst/>
-  </dgm:styleLbl>
-  <dgm:styleLbl name="fgSibTrans2D1">
-    <dgm:fillClrLst meth="repeat">
-      <a:schemeClr val="accent1">
-        <a:tint val="60000"/>
-      </a:schemeClr>
-    </dgm:fillClrLst>
-    <dgm:linClrLst meth="repeat">
-      <a:schemeClr val="accent1">
-        <a:tint val="60000"/>
-      </a:schemeClr>
-    </dgm:linClrLst>
-    <dgm:effectClrLst/>
-    <dgm:txLinClrLst/>
-    <dgm:txFillClrLst/>
-    <dgm:txEffectClrLst/>
-  </dgm:styleLbl>
-  <dgm:styleLbl name="bgSibTrans2D1">
-    <dgm:fillClrLst meth="repeat">
-      <a:schemeClr val="accent1">
-        <a:tint val="60000"/>
-      </a:schemeClr>
-    </dgm:fillClrLst>
-    <dgm:linClrLst meth="repeat">
-      <a:schemeClr val="accent1">
-        <a:tint val="60000"/>
-      </a:schemeClr>
-    </dgm:linClrLst>
-    <dgm:effectClrLst/>
-    <dgm:txLinClrLst/>
-    <dgm:txFillClrLst/>
-    <dgm:txEffectClrLst/>
-  </dgm:styleLbl>
-  <dgm:styleLbl name="sibTrans1D1">
-    <dgm:fillClrLst meth="repeat">
-      <a:schemeClr val="accent1"/>
-    </dgm:fillClrLst>
-    <dgm:linClrLst meth="repeat">
-      <a:schemeClr val="accent1"/>
-    </dgm:linClrLst>
-    <dgm:effectClrLst/>
-    <dgm:txLinClrLst/>
-    <dgm:txFillClrLst meth="repeat">
-      <a:schemeClr val="tx1"/>
-    </dgm:txFillClrLst>
-    <dgm:txEffectClrLst/>
-  </dgm:styleLbl>
-  <dgm:styleLbl name="callout">
-    <dgm:fillClrLst meth="repeat">
-      <a:schemeClr val="accent1"/>
-    </dgm:fillClrLst>
-    <dgm:linClrLst meth="repeat">
-      <a:schemeClr val="accent1">
-        <a:tint val="50000"/>
-      </a:schemeClr>
-    </dgm:linClrLst>
-    <dgm:effectClrLst/>
-    <dgm:txLinClrLst/>
-    <dgm:txFillClrLst meth="repeat">
-      <a:schemeClr val="tx1"/>
-    </dgm:txFillClrLst>
-    <dgm:txEffectClrLst/>
-  </dgm:styleLbl>
-  <dgm:styleLbl name="asst0">
-    <dgm:fillClrLst meth="repeat">
-      <a:schemeClr val="accent1"/>
-    </dgm:fillClrLst>
-    <dgm:linClrLst meth="repeat">
-      <a:schemeClr val="lt1"/>
-    </dgm:linClrLst>
-    <dgm:effectClrLst/>
-    <dgm:txLinClrLst/>
-    <dgm:txFillClrLst/>
-    <dgm:txEffectClrLst/>
-  </dgm:styleLbl>
-  <dgm:styleLbl name="asst1">
-    <dgm:fillClrLst meth="repeat">
-      <a:schemeClr val="accent1"/>
-    </dgm:fillClrLst>
-    <dgm:linClrLst meth="repeat">
-      <a:schemeClr val="lt1"/>
-    </dgm:linClrLst>
-    <dgm:effectClrLst/>
-    <dgm:txLinClrLst/>
-    <dgm:txFillClrLst/>
-    <dgm:txEffectClrLst/>
-  </dgm:styleLbl>
-  <dgm:styleLbl name="asst2">
-    <dgm:fillClrLst meth="repeat">
-      <a:schemeClr val="accent1"/>
-    </dgm:fillClrLst>
-    <dgm:linClrLst meth="repeat">
-      <a:schemeClr val="lt1"/>
-    </dgm:linClrLst>
-    <dgm:effectClrLst/>
-    <dgm:txLinClrLst/>
-    <dgm:txFillClrLst/>
-    <dgm:txEffectClrLst/>
-  </dgm:styleLbl>
-  <dgm:styleLbl name="asst3">
-    <dgm:fillClrLst meth="repeat">
-      <a:schemeClr val="accent1"/>
-    </dgm:fillClrLst>
-    <dgm:linClrLst meth="repeat">
-      <a:schemeClr val="lt1"/>
-    </dgm:linClrLst>
-    <dgm:effectClrLst/>
-    <dgm:txLinClrLst/>
-    <dgm:txFillClrLst/>
-    <dgm:txEffectClrLst/>
-  </dgm:styleLbl>
-  <dgm:styleLbl name="asst4">
-    <dgm:fillClrLst meth="repeat">
-      <a:schemeClr val="accent1"/>
-    </dgm:fillClrLst>
-    <dgm:linClrLst meth="repeat">
-      <a:schemeClr val="lt1"/>
-    </dgm:linClrLst>
-    <dgm:effectClrLst/>
-    <dgm:txLinClrLst/>
-    <dgm:txFillClrLst/>
-    <dgm:txEffectClrLst/>
-  </dgm:styleLbl>
-  <dgm:styleLbl name="parChTrans2D1">
-    <dgm:fillClrLst meth="repeat">
-      <a:schemeClr val="accent1">
-        <a:tint val="60000"/>
-      </a:schemeClr>
-    </dgm:fillClrLst>
-    <dgm:linClrLst meth="repeat">
-      <a:schemeClr val="accent1">
-        <a:tint val="60000"/>
-      </a:schemeClr>
-    </dgm:linClrLst>
-    <dgm:effectClrLst/>
-    <dgm:txLinClrLst/>
-    <dgm:txFillClrLst meth="repeat">
-      <a:schemeClr val="lt1"/>
-    </dgm:txFillClrLst>
-    <dgm:txEffectClrLst/>
-  </dgm:styleLbl>
-  <dgm:styleLbl name="parChTrans2D2">
-    <dgm:fillClrLst meth="repeat">
-      <a:schemeClr val="accent1"/>
-    </dgm:fillClrLst>
-    <dgm:linClrLst meth="repeat">
-      <a:schemeClr val="accent1"/>
-    </dgm:linClrLst>
-    <dgm:effectClrLst/>
-    <dgm:txLinClrLst/>
-    <dgm:txFillClrLst meth="repeat">
-      <a:schemeClr val="lt1"/>
-    </dgm:txFillClrLst>
-    <dgm:txEffectClrLst/>
-  </dgm:styleLbl>
-  <dgm:styleLbl name="parChTrans2D3">
-    <dgm:fillClrLst meth="repeat">
-      <a:schemeClr val="accent1"/>
-    </dgm:fillClrLst>
-    <dgm:linClrLst meth="repeat">
-      <a:schemeClr val="accent1"/>
-    </dgm:linClrLst>
-    <dgm:effectClrLst/>
-    <dgm:txLinClrLst/>
-    <dgm:txFillClrLst meth="repeat">
-      <a:schemeClr val="lt1"/>
-    </dgm:txFillClrLst>
-    <dgm:txEffectClrLst/>
-  </dgm:styleLbl>
-  <dgm:styleLbl name="parChTrans2D4">
-    <dgm:fillClrLst meth="repeat">
-      <a:schemeClr val="accent1"/>
-    </dgm:fillClrLst>
-    <dgm:linClrLst meth="repeat">
-      <a:schemeClr val="accent1"/>
-    </dgm:linClrLst>
-    <dgm:effectClrLst/>
-    <dgm:txLinClrLst/>
-    <dgm:txFillClrLst meth="repeat">
-      <a:schemeClr val="lt1"/>
-    </dgm:txFillClrLst>
-    <dgm:txEffectClrLst/>
-  </dgm:styleLbl>
-  <dgm:styleLbl name="parChTrans1D1">
-    <dgm:fillClrLst meth="repeat">
-      <a:schemeClr val="accent1"/>
-    </dgm:fillClrLst>
-    <dgm:linClrLst meth="repeat">
-      <a:schemeClr val="accent1">
-        <a:shade val="60000"/>
-      </a:schemeClr>
-    </dgm:linClrLst>
-    <dgm:effectClrLst/>
-    <dgm:txLinClrLst/>
-    <dgm:txFillClrLst meth="repeat">
-      <a:schemeClr val="tx1"/>
-    </dgm:txFillClrLst>
-    <dgm:txEffectClrLst/>
-  </dgm:styleLbl>
-  <dgm:styleLbl name="parChTrans1D2">
-    <dgm:fillClrLst meth="repeat">
-      <a:schemeClr val="accent1"/>
-    </dgm:fillClrLst>
-    <dgm:linClrLst meth="repeat">
-      <a:schemeClr val="accent1">
-        <a:shade val="60000"/>
-      </a:schemeClr>
-    </dgm:linClrLst>
-    <dgm:effectClrLst/>
-    <dgm:txLinClrLst/>
-    <dgm:txFillClrLst meth="repeat">
-      <a:schemeClr val="tx1"/>
-    </dgm:txFillClrLst>
-    <dgm:txEffectClrLst/>
-  </dgm:styleLbl>
-  <dgm:styleLbl name="parChTrans1D3">
-    <dgm:fillClrLst meth="repeat">
-      <a:schemeClr val="accent1"/>
-    </dgm:fillClrLst>
-    <dgm:linClrLst meth="repeat">
-      <a:schemeClr val="accent1">
-        <a:shade val="80000"/>
-      </a:schemeClr>
-    </dgm:linClrLst>
-    <dgm:effectClrLst/>
-    <dgm:txLinClrLst/>
-    <dgm:txFillClrLst meth="repeat">
-      <a:schemeClr val="tx1"/>
-    </dgm:txFillClrLst>
-    <dgm:txEffectClrLst/>
-  </dgm:styleLbl>
-  <dgm:styleLbl name="parChTrans1D4">
-    <dgm:fillClrLst meth="repeat">
-      <a:schemeClr val="accent1"/>
-    </dgm:fillClrLst>
-    <dgm:linClrLst meth="repeat">
-      <a:schemeClr val="accent1">
-        <a:shade val="80000"/>
-      </a:schemeClr>
-    </dgm:linClrLst>
-    <dgm:effectClrLst/>
-    <dgm:txLinClrLst/>
-    <dgm:txFillClrLst meth="repeat">
-      <a:schemeClr val="tx1"/>
-    </dgm:txFillClrLst>
-    <dgm:txEffectClrLst/>
-  </dgm:styleLbl>
-  <dgm:styleLbl name="fgAcc1">
-    <dgm:fillClrLst meth="repeat">
-      <a:schemeClr val="lt1">
-        <a:alpha val="90000"/>
-      </a:schemeClr>
-    </dgm:fillClrLst>
-    <dgm:linClrLst meth="repeat">
-      <a:schemeClr val="accent1"/>
-    </dgm:linClrLst>
-    <dgm:effectClrLst/>
-    <dgm:txLinClrLst/>
-    <dgm:txFillClrLst meth="repeat">
-      <a:schemeClr val="dk1"/>
-    </dgm:txFillClrLst>
-    <dgm:txEffectClrLst/>
-  </dgm:styleLbl>
-  <dgm:styleLbl name="conFgAcc1">
-    <dgm:fillClrLst meth="repeat">
-      <a:schemeClr val="lt1">
-        <a:alpha val="90000"/>
-      </a:schemeClr>
-    </dgm:fillClrLst>
-    <dgm:linClrLst meth="repeat">
-      <a:schemeClr val="accent1"/>
-    </dgm:linClrLst>
-    <dgm:effectClrLst/>
-    <dgm:txLinClrLst/>
-    <dgm:txFillClrLst meth="repeat">
-      <a:schemeClr val="dk1"/>
-    </dgm:txFillClrLst>
-    <dgm:txEffectClrLst/>
-  </dgm:styleLbl>
-  <dgm:styleLbl name="alignAcc1">
-    <dgm:fillClrLst meth="repeat">
-      <a:schemeClr val="lt1">
-        <a:alpha val="90000"/>
-      </a:schemeClr>
-    </dgm:fillClrLst>
-    <dgm:linClrLst meth="repeat">
-      <a:schemeClr val="accent1"/>
-    </dgm:linClrLst>
-    <dgm:effectClrLst/>
-    <dgm:txLinClrLst/>
-    <dgm:txFillClrLst meth="repeat">
-      <a:schemeClr val="dk1"/>
-    </dgm:txFillClrLst>
-    <dgm:txEffectClrLst/>
-  </dgm:styleLbl>
-  <dgm:styleLbl name="trAlignAcc1">
-    <dgm:fillClrLst meth="repeat">
-      <a:schemeClr val="lt1">
-        <a:alpha val="40000"/>
-      </a:schemeClr>
-    </dgm:fillClrLst>
-    <dgm:linClrLst meth="repeat">
-      <a:schemeClr val="accent1"/>
-    </dgm:linClrLst>
-    <dgm:effectClrLst/>
-    <dgm:txLinClrLst/>
-    <dgm:txFillClrLst meth="repeat">
-      <a:schemeClr val="dk1"/>
-    </dgm:txFillClrLst>
-    <dgm:txEffectClrLst/>
-  </dgm:styleLbl>
-  <dgm:styleLbl name="bgAcc1">
-    <dgm:fillClrLst meth="repeat">
-      <a:schemeClr val="lt1">
-        <a:alpha val="90000"/>
-      </a:schemeClr>
-    </dgm:fillClrLst>
-    <dgm:linClrLst meth="repeat">
-      <a:schemeClr val="accent1"/>
-    </dgm:linClrLst>
-    <dgm:effectClrLst/>
-    <dgm:txLinClrLst/>
-    <dgm:txFillClrLst meth="repeat">
-      <a:schemeClr val="dk1"/>
-    </dgm:txFillClrLst>
-    <dgm:txEffectClrLst/>
-  </dgm:styleLbl>
-  <dgm:styleLbl name="solidFgAcc1">
-    <dgm:fillClrLst meth="repeat">
-      <a:schemeClr val="lt1"/>
-    </dgm:fillClrLst>
-    <dgm:linClrLst meth="repeat">
-      <a:schemeClr val="accent1"/>
-    </dgm:linClrLst>
-    <dgm:effectClrLst/>
-    <dgm:txLinClrLst/>
-    <dgm:txFillClrLst meth="repeat">
-      <a:schemeClr val="dk1"/>
-    </dgm:txFillClrLst>
-    <dgm:txEffectClrLst/>
-  </dgm:styleLbl>
-  <dgm:styleLbl name="solidAlignAcc1">
-    <dgm:fillClrLst meth="repeat">
-      <a:schemeClr val="lt1"/>
-    </dgm:fillClrLst>
-    <dgm:linClrLst meth="repeat">
-      <a:schemeClr val="accent1"/>
-    </dgm:linClrLst>
-    <dgm:effectClrLst/>
-    <dgm:txLinClrLst/>
-    <dgm:txFillClrLst meth="repeat">
-      <a:schemeClr val="dk1"/>
-    </dgm:txFillClrLst>
-    <dgm:txEffectClrLst/>
-  </dgm:styleLbl>
-  <dgm:styleLbl name="solidBgAcc1">
-    <dgm:fillClrLst meth="repeat">
-      <a:schemeClr val="lt1"/>
-    </dgm:fillClrLst>
-    <dgm:linClrLst meth="repeat">
-      <a:schemeClr val="accent1"/>
-    </dgm:linClrLst>
-    <dgm:effectClrLst/>
-    <dgm:txLinClrLst/>
-    <dgm:txFillClrLst meth="repeat">
-      <a:schemeClr val="dk1"/>
-    </dgm:txFillClrLst>
-    <dgm:txEffectClrLst/>
-  </dgm:styleLbl>
-  <dgm:styleLbl name="fgAccFollowNode1">
-    <dgm:fillClrLst meth="repeat">
-      <a:schemeClr val="accent1">
-        <a:alpha val="90000"/>
-        <a:tint val="40000"/>
-      </a:schemeClr>
-    </dgm:fillClrLst>
-    <dgm:linClrLst meth="repeat">
-      <a:schemeClr val="accent1">
-        <a:alpha val="90000"/>
-        <a:tint val="40000"/>
-      </a:schemeClr>
-    </dgm:linClrLst>
-    <dgm:effectClrLst/>
-    <dgm:txLinClrLst/>
-    <dgm:txFillClrLst meth="repeat">
-      <a:schemeClr val="dk1"/>
-    </dgm:txFillClrLst>
-    <dgm:txEffectClrLst/>
-  </dgm:styleLbl>
-  <dgm:styleLbl name="alignAccFollowNode1">
-    <dgm:fillClrLst meth="repeat">
-      <a:schemeClr val="accent1">
-        <a:alpha val="90000"/>
-        <a:tint val="40000"/>
-      </a:schemeClr>
-    </dgm:fillClrLst>
-    <dgm:linClrLst meth="repeat">
-      <a:schemeClr val="accent1">
-        <a:alpha val="90000"/>
-        <a:tint val="40000"/>
-      </a:schemeClr>
-    </dgm:linClrLst>
-    <dgm:effectClrLst/>
-    <dgm:txLinClrLst/>
-    <dgm:txFillClrLst meth="repeat">
-      <a:schemeClr val="dk1"/>
-    </dgm:txFillClrLst>
-    <dgm:txEffectClrLst/>
-  </dgm:styleLbl>
-  <dgm:styleLbl name="bgAccFollowNode1">
-    <dgm:fillClrLst meth="repeat">
-      <a:schemeClr val="accent1">
-        <a:alpha val="90000"/>
-        <a:tint val="40000"/>
-      </a:schemeClr>
-    </dgm:fillClrLst>
-    <dgm:linClrLst meth="repeat">
-      <a:schemeClr val="accent1">
-        <a:alpha val="90000"/>
-        <a:tint val="40000"/>
-      </a:schemeClr>
-    </dgm:linClrLst>
-    <dgm:effectClrLst/>
-    <dgm:txLinClrLst/>
-    <dgm:txFillClrLst meth="repeat">
-      <a:schemeClr val="dk1"/>
-    </dgm:txFillClrLst>
-    <dgm:txEffectClrLst/>
-  </dgm:styleLbl>
-  <dgm:styleLbl name="fgAcc0">
-    <dgm:fillClrLst meth="repeat">
-      <a:schemeClr val="lt1">
-        <a:alpha val="90000"/>
-      </a:schemeClr>
-    </dgm:fillClrLst>
-    <dgm:linClrLst meth="repeat">
-      <a:schemeClr val="accent1"/>
-    </dgm:linClrLst>
-    <dgm:effectClrLst/>
-    <dgm:txLinClrLst/>
-    <dgm:txFillClrLst meth="repeat">
-      <a:schemeClr val="dk1"/>
-    </dgm:txFillClrLst>
-    <dgm:txEffectClrLst/>
-  </dgm:styleLbl>
-  <dgm:styleLbl name="fgAcc2">
-    <dgm:fillClrLst meth="repeat">
-      <a:schemeClr val="lt1">
-        <a:alpha val="90000"/>
-      </a:schemeClr>
-    </dgm:fillClrLst>
-    <dgm:linClrLst meth="repeat">
-      <a:schemeClr val="accent1"/>
-    </dgm:linClrLst>
-    <dgm:effectClrLst/>
-    <dgm:txLinClrLst/>
-    <dgm:txFillClrLst meth="repeat">
-      <a:schemeClr val="dk1"/>
-    </dgm:txFillClrLst>
-    <dgm:txEffectClrLst/>
-  </dgm:styleLbl>
-  <dgm:styleLbl name="fgAcc3">
-    <dgm:fillClrLst meth="repeat">
-      <a:schemeClr val="lt1">
-        <a:alpha val="90000"/>
-      </a:schemeClr>
-    </dgm:fillClrLst>
-    <dgm:linClrLst meth="repeat">
-      <a:schemeClr val="accent1"/>
-    </dgm:linClrLst>
-    <dgm:effectClrLst/>
-    <dgm:txLinClrLst/>
-    <dgm:txFillClrLst meth="repeat">
-      <a:schemeClr val="dk1"/>
-    </dgm:txFillClrLst>
-    <dgm:txEffectClrLst/>
-  </dgm:styleLbl>
-  <dgm:styleLbl name="fgAcc4">
-    <dgm:fillClrLst meth="repeat">
-      <a:schemeClr val="lt1">
-        <a:alpha val="90000"/>
-      </a:schemeClr>
-    </dgm:fillClrLst>
-    <dgm:linClrLst meth="repeat">
-      <a:schemeClr val="accent1"/>
-    </dgm:linClrLst>
-    <dgm:effectClrLst/>
-    <dgm:txLinClrLst/>
-    <dgm:txFillClrLst meth="repeat">
-      <a:schemeClr val="dk1"/>
-    </dgm:txFillClrLst>
-    <dgm:txEffectClrLst/>
-  </dgm:styleLbl>
-  <dgm:styleLbl name="bgShp">
-    <dgm:fillClrLst meth="repeat">
-      <a:schemeClr val="accent1">
-        <a:tint val="40000"/>
-      </a:schemeClr>
-    </dgm:fillClrLst>
-    <dgm:linClrLst meth="repeat">
-      <a:schemeClr val="accent1"/>
-    </dgm:linClrLst>
-    <dgm:effectClrLst/>
-    <dgm:txLinClrLst/>
-    <dgm:txFillClrLst meth="repeat">
-      <a:schemeClr val="dk1"/>
-    </dgm:txFillClrLst>
-    <dgm:txEffectClrLst/>
-  </dgm:styleLbl>
-  <dgm:styleLbl name="dkBgShp">
-    <dgm:fillClrLst meth="repeat">
-      <a:schemeClr val="accent1">
-        <a:shade val="80000"/>
-      </a:schemeClr>
-    </dgm:fillClrLst>
-    <dgm:linClrLst meth="repeat">
-      <a:schemeClr val="accent1"/>
-    </dgm:linClrLst>
-    <dgm:effectClrLst/>
-    <dgm:txLinClrLst/>
-    <dgm:txFillClrLst meth="repeat">
-      <a:schemeClr val="lt1"/>
-    </dgm:txFillClrLst>
-    <dgm:txEffectClrLst/>
-  </dgm:styleLbl>
-  <dgm:styleLbl name="trBgShp">
-    <dgm:fillClrLst meth="repeat">
-      <a:schemeClr val="accent1">
-        <a:tint val="50000"/>
-        <a:alpha val="40000"/>
-      </a:schemeClr>
-    </dgm:fillClrLst>
-    <dgm:linClrLst meth="repeat">
-      <a:schemeClr val="accent1"/>
-    </dgm:linClrLst>
-    <dgm:effectClrLst/>
-    <dgm:txLinClrLst/>
-    <dgm:txFillClrLst meth="repeat">
-      <a:schemeClr val="lt1"/>
-    </dgm:txFillClrLst>
-    <dgm:txEffectClrLst/>
-  </dgm:styleLbl>
-  <dgm:styleLbl name="fgShp">
-    <dgm:fillClrLst meth="repeat">
-      <a:schemeClr val="accent1">
-        <a:tint val="60000"/>
-      </a:schemeClr>
-    </dgm:fillClrLst>
-    <dgm:linClrLst meth="repeat">
-      <a:schemeClr val="lt1"/>
-    </dgm:linClrLst>
-    <dgm:effectClrLst/>
-    <dgm:txLinClrLst/>
-    <dgm:txFillClrLst meth="repeat">
-      <a:schemeClr val="dk1"/>
-    </dgm:txFillClrLst>
-    <dgm:txEffectClrLst/>
-  </dgm:styleLbl>
-  <dgm:styleLbl name="revTx">
-    <dgm:fillClrLst meth="repeat">
-      <a:schemeClr val="lt1">
-        <a:alpha val="0"/>
-      </a:schemeClr>
-    </dgm:fillClrLst>
-    <dgm:linClrLst meth="repeat">
-      <a:schemeClr val="dk1">
-        <a:alpha val="0"/>
-      </a:schemeClr>
-    </dgm:linClrLst>
-    <dgm:effectClrLst/>
-    <dgm:txLinClrLst/>
-    <dgm:txFillClrLst meth="repeat">
-      <a:schemeClr val="tx1"/>
-    </dgm:txFillClrLst>
-    <dgm:txEffectClrLst/>
-  </dgm:styleLbl>
-</dgm:colorsDef>
-</file>
-
-<file path=ppt/diagrams/data1.xml><?xml version="1.0" encoding="utf-8"?>
-<dgm:dataModel xmlns:dgm="http://schemas.openxmlformats.org/drawingml/2006/diagram" xmlns:a="http://schemas.openxmlformats.org/drawingml/2006/main">
-  <dgm:ptLst>
-    <dgm:pt modelId="{1F8C6969-57BC-422B-A7D8-CEB736D20A22}" type="doc">
-      <dgm:prSet loTypeId="urn:microsoft.com/office/officeart/2005/8/layout/process4" loCatId="list" qsTypeId="urn:microsoft.com/office/officeart/2005/8/quickstyle/simple1" qsCatId="simple" csTypeId="urn:microsoft.com/office/officeart/2005/8/colors/accent1_2" csCatId="accent1" phldr="1"/>
-      <dgm:spPr/>
-      <dgm:t>
-        <a:bodyPr/>
-        <a:lstStyle/>
-        <a:p>
-          <a:endParaRPr lang="en-US"/>
-        </a:p>
-      </dgm:t>
-    </dgm:pt>
-    <dgm:pt modelId="{B5777570-94A7-4320-B723-D6A66C313179}">
-      <dgm:prSet phldrT="[Text]"/>
-      <dgm:spPr/>
-      <dgm:t>
-        <a:bodyPr/>
-        <a:lstStyle/>
-        <a:p>
-          <a:r>
-            <a:rPr lang="en-US" dirty="0" smtClean="0"/>
-            <a:t>User Id</a:t>
-          </a:r>
-          <a:endParaRPr lang="en-US" dirty="0"/>
-        </a:p>
-      </dgm:t>
-    </dgm:pt>
-    <dgm:pt modelId="{B9F1CB2A-7DCC-459F-86B0-4E34DD104B92}" type="parTrans" cxnId="{D559203D-4470-4F22-831F-CC50AFA8D35B}">
-      <dgm:prSet/>
-      <dgm:spPr/>
-      <dgm:t>
-        <a:bodyPr/>
-        <a:lstStyle/>
-        <a:p>
-          <a:endParaRPr lang="en-US"/>
-        </a:p>
-      </dgm:t>
-    </dgm:pt>
-    <dgm:pt modelId="{3058B941-7B65-4F0E-A84D-2774EB2CD7C4}" type="sibTrans" cxnId="{D559203D-4470-4F22-831F-CC50AFA8D35B}">
-      <dgm:prSet/>
-      <dgm:spPr/>
-      <dgm:t>
-        <a:bodyPr/>
-        <a:lstStyle/>
-        <a:p>
-          <a:endParaRPr lang="en-US"/>
-        </a:p>
-      </dgm:t>
-    </dgm:pt>
-    <dgm:pt modelId="{84380697-93A1-4717-937D-A583453B6A3A}">
-      <dgm:prSet phldrT="[Text]"/>
-      <dgm:spPr/>
-      <dgm:t>
-        <a:bodyPr/>
-        <a:lstStyle/>
-        <a:p>
-          <a:r>
-            <a:rPr lang="en-US" dirty="0" smtClean="0"/>
-            <a:t>Security Stamp</a:t>
-          </a:r>
-        </a:p>
-      </dgm:t>
-    </dgm:pt>
-    <dgm:pt modelId="{C9BAA796-0BEA-4615-AA5E-2BE19FDBE6A2}" type="parTrans" cxnId="{B0BEBB14-4FA9-4D62-948B-0BA3F59D42C5}">
-      <dgm:prSet/>
-      <dgm:spPr/>
-      <dgm:t>
-        <a:bodyPr/>
-        <a:lstStyle/>
-        <a:p>
-          <a:endParaRPr lang="en-US"/>
-        </a:p>
-      </dgm:t>
-    </dgm:pt>
-    <dgm:pt modelId="{4A909D9C-235E-4B5F-9214-778AACB66D6F}" type="sibTrans" cxnId="{B0BEBB14-4FA9-4D62-948B-0BA3F59D42C5}">
-      <dgm:prSet/>
-      <dgm:spPr/>
-      <dgm:t>
-        <a:bodyPr/>
-        <a:lstStyle/>
-        <a:p>
-          <a:endParaRPr lang="en-US"/>
-        </a:p>
-      </dgm:t>
-    </dgm:pt>
-    <dgm:pt modelId="{53E479E8-975F-4705-83A5-4755CEAB668E}">
-      <dgm:prSet phldrT="[Text]"/>
-      <dgm:spPr/>
-      <dgm:t>
-        <a:bodyPr/>
-        <a:lstStyle/>
-        <a:p>
-          <a:r>
-            <a:rPr lang="en-US" dirty="0" smtClean="0"/>
-            <a:t>Purpose</a:t>
-          </a:r>
-        </a:p>
-      </dgm:t>
-    </dgm:pt>
-    <dgm:pt modelId="{94A7142F-E62F-4C8D-87C6-97A92D059A94}" type="parTrans" cxnId="{39079DED-A848-4F98-B223-0886EF93E3FA}">
-      <dgm:prSet/>
-      <dgm:spPr/>
-      <dgm:t>
-        <a:bodyPr/>
-        <a:lstStyle/>
-        <a:p>
-          <a:endParaRPr lang="en-US"/>
-        </a:p>
-      </dgm:t>
-    </dgm:pt>
-    <dgm:pt modelId="{1ED6F0FB-2C58-4525-8AD7-FA2CACFC61EB}" type="sibTrans" cxnId="{39079DED-A848-4F98-B223-0886EF93E3FA}">
-      <dgm:prSet/>
-      <dgm:spPr/>
-      <dgm:t>
-        <a:bodyPr/>
-        <a:lstStyle/>
-        <a:p>
-          <a:endParaRPr lang="en-US"/>
-        </a:p>
-      </dgm:t>
-    </dgm:pt>
-    <dgm:pt modelId="{7E829DBF-11EB-4D72-AD4A-9FFEFE4340A9}">
-      <dgm:prSet phldrT="[Text]"/>
-      <dgm:spPr/>
-      <dgm:t>
-        <a:bodyPr/>
-        <a:lstStyle/>
-        <a:p>
-          <a:r>
-            <a:rPr lang="en-US" dirty="0" smtClean="0"/>
-            <a:t>Token</a:t>
-          </a:r>
-          <a:endParaRPr lang="en-US" dirty="0"/>
-        </a:p>
-      </dgm:t>
-    </dgm:pt>
-    <dgm:pt modelId="{48762A67-82F8-401B-A9A5-4615EBFB853F}" type="sibTrans" cxnId="{A13A4508-9D1D-4EA7-92B5-7D7B353A0321}">
-      <dgm:prSet/>
-      <dgm:spPr/>
-      <dgm:t>
-        <a:bodyPr/>
-        <a:lstStyle/>
-        <a:p>
-          <a:endParaRPr lang="en-US"/>
-        </a:p>
-      </dgm:t>
-    </dgm:pt>
-    <dgm:pt modelId="{B79A9084-4702-49D3-9B1F-C522F5B6A9D5}" type="parTrans" cxnId="{A13A4508-9D1D-4EA7-92B5-7D7B353A0321}">
-      <dgm:prSet/>
-      <dgm:spPr/>
-      <dgm:t>
-        <a:bodyPr/>
-        <a:lstStyle/>
-        <a:p>
-          <a:endParaRPr lang="en-US"/>
-        </a:p>
-      </dgm:t>
-    </dgm:pt>
-    <dgm:pt modelId="{190BD860-8DD3-474B-98D0-B37BA6B8475C}" type="pres">
-      <dgm:prSet presAssocID="{1F8C6969-57BC-422B-A7D8-CEB736D20A22}" presName="Name0" presStyleCnt="0">
-        <dgm:presLayoutVars>
-          <dgm:dir/>
-          <dgm:animLvl val="lvl"/>
-          <dgm:resizeHandles val="exact"/>
-        </dgm:presLayoutVars>
-      </dgm:prSet>
-      <dgm:spPr/>
-      <dgm:t>
-        <a:bodyPr/>
-        <a:lstStyle/>
-        <a:p>
-          <a:endParaRPr lang="en-US"/>
-        </a:p>
-      </dgm:t>
-    </dgm:pt>
-    <dgm:pt modelId="{A8C224A2-AA2C-4437-94AF-8BB1AD7BFE17}" type="pres">
-      <dgm:prSet presAssocID="{7E829DBF-11EB-4D72-AD4A-9FFEFE4340A9}" presName="boxAndChildren" presStyleCnt="0"/>
-      <dgm:spPr/>
-    </dgm:pt>
-    <dgm:pt modelId="{4C771A66-447A-40E9-AFD2-909B3A45C9E6}" type="pres">
-      <dgm:prSet presAssocID="{7E829DBF-11EB-4D72-AD4A-9FFEFE4340A9}" presName="parentTextBox" presStyleLbl="node1" presStyleIdx="0" presStyleCnt="1"/>
-      <dgm:spPr/>
-      <dgm:t>
-        <a:bodyPr/>
-        <a:lstStyle/>
-        <a:p>
-          <a:endParaRPr lang="en-US"/>
-        </a:p>
-      </dgm:t>
-    </dgm:pt>
-    <dgm:pt modelId="{082C1469-7809-41E5-B99E-9BA48C43295F}" type="pres">
-      <dgm:prSet presAssocID="{7E829DBF-11EB-4D72-AD4A-9FFEFE4340A9}" presName="entireBox" presStyleLbl="node1" presStyleIdx="0" presStyleCnt="1" custLinFactNeighborY="4514"/>
-      <dgm:spPr/>
-      <dgm:t>
-        <a:bodyPr/>
-        <a:lstStyle/>
-        <a:p>
-          <a:endParaRPr lang="en-US"/>
-        </a:p>
-      </dgm:t>
-    </dgm:pt>
-    <dgm:pt modelId="{20630852-F7AC-4C9B-BACB-E5CA7A64DD6A}" type="pres">
-      <dgm:prSet presAssocID="{7E829DBF-11EB-4D72-AD4A-9FFEFE4340A9}" presName="descendantBox" presStyleCnt="0"/>
-      <dgm:spPr/>
-    </dgm:pt>
-    <dgm:pt modelId="{9CD6F3CA-B3FC-45CD-AFE8-83034A1E12CA}" type="pres">
-      <dgm:prSet presAssocID="{B5777570-94A7-4320-B723-D6A66C313179}" presName="childTextBox" presStyleLbl="fgAccFollowNode1" presStyleIdx="0" presStyleCnt="3">
-        <dgm:presLayoutVars>
-          <dgm:bulletEnabled val="1"/>
-        </dgm:presLayoutVars>
-      </dgm:prSet>
-      <dgm:spPr/>
-      <dgm:t>
-        <a:bodyPr/>
-        <a:lstStyle/>
-        <a:p>
-          <a:endParaRPr lang="en-US"/>
-        </a:p>
-      </dgm:t>
-    </dgm:pt>
-    <dgm:pt modelId="{1F7BECB4-76D7-4619-97E8-90E69CEEB64A}" type="pres">
-      <dgm:prSet presAssocID="{84380697-93A1-4717-937D-A583453B6A3A}" presName="childTextBox" presStyleLbl="fgAccFollowNode1" presStyleIdx="1" presStyleCnt="3">
-        <dgm:presLayoutVars>
-          <dgm:bulletEnabled val="1"/>
-        </dgm:presLayoutVars>
-      </dgm:prSet>
-      <dgm:spPr/>
-      <dgm:t>
-        <a:bodyPr/>
-        <a:lstStyle/>
-        <a:p>
-          <a:endParaRPr lang="en-US"/>
-        </a:p>
-      </dgm:t>
-    </dgm:pt>
-    <dgm:pt modelId="{15CB6101-9D66-43DB-9447-0F2A9C6FB0A0}" type="pres">
-      <dgm:prSet presAssocID="{53E479E8-975F-4705-83A5-4755CEAB668E}" presName="childTextBox" presStyleLbl="fgAccFollowNode1" presStyleIdx="2" presStyleCnt="3">
-        <dgm:presLayoutVars>
-          <dgm:bulletEnabled val="1"/>
-        </dgm:presLayoutVars>
-      </dgm:prSet>
-      <dgm:spPr/>
-      <dgm:t>
-        <a:bodyPr/>
-        <a:lstStyle/>
-        <a:p>
-          <a:endParaRPr lang="en-US"/>
-        </a:p>
-      </dgm:t>
-    </dgm:pt>
-  </dgm:ptLst>
-  <dgm:cxnLst>
-    <dgm:cxn modelId="{8B8E72D8-7AEF-4ACB-8D22-FE2E5C8E62E9}" type="presOf" srcId="{7E829DBF-11EB-4D72-AD4A-9FFEFE4340A9}" destId="{082C1469-7809-41E5-B99E-9BA48C43295F}" srcOrd="1" destOrd="0" presId="urn:microsoft.com/office/officeart/2005/8/layout/process4"/>
-    <dgm:cxn modelId="{D559203D-4470-4F22-831F-CC50AFA8D35B}" srcId="{7E829DBF-11EB-4D72-AD4A-9FFEFE4340A9}" destId="{B5777570-94A7-4320-B723-D6A66C313179}" srcOrd="0" destOrd="0" parTransId="{B9F1CB2A-7DCC-459F-86B0-4E34DD104B92}" sibTransId="{3058B941-7B65-4F0E-A84D-2774EB2CD7C4}"/>
-    <dgm:cxn modelId="{A13A4508-9D1D-4EA7-92B5-7D7B353A0321}" srcId="{1F8C6969-57BC-422B-A7D8-CEB736D20A22}" destId="{7E829DBF-11EB-4D72-AD4A-9FFEFE4340A9}" srcOrd="0" destOrd="0" parTransId="{B79A9084-4702-49D3-9B1F-C522F5B6A9D5}" sibTransId="{48762A67-82F8-401B-A9A5-4615EBFB853F}"/>
-    <dgm:cxn modelId="{39079DED-A848-4F98-B223-0886EF93E3FA}" srcId="{7E829DBF-11EB-4D72-AD4A-9FFEFE4340A9}" destId="{53E479E8-975F-4705-83A5-4755CEAB668E}" srcOrd="2" destOrd="0" parTransId="{94A7142F-E62F-4C8D-87C6-97A92D059A94}" sibTransId="{1ED6F0FB-2C58-4525-8AD7-FA2CACFC61EB}"/>
-    <dgm:cxn modelId="{0704520A-B650-46FD-AD8E-C03245BEEEA0}" type="presOf" srcId="{84380697-93A1-4717-937D-A583453B6A3A}" destId="{1F7BECB4-76D7-4619-97E8-90E69CEEB64A}" srcOrd="0" destOrd="0" presId="urn:microsoft.com/office/officeart/2005/8/layout/process4"/>
-    <dgm:cxn modelId="{B0BEBB14-4FA9-4D62-948B-0BA3F59D42C5}" srcId="{7E829DBF-11EB-4D72-AD4A-9FFEFE4340A9}" destId="{84380697-93A1-4717-937D-A583453B6A3A}" srcOrd="1" destOrd="0" parTransId="{C9BAA796-0BEA-4615-AA5E-2BE19FDBE6A2}" sibTransId="{4A909D9C-235E-4B5F-9214-778AACB66D6F}"/>
-    <dgm:cxn modelId="{9101CE81-3BB7-4A12-8E55-C5D95FF3782B}" type="presOf" srcId="{53E479E8-975F-4705-83A5-4755CEAB668E}" destId="{15CB6101-9D66-43DB-9447-0F2A9C6FB0A0}" srcOrd="0" destOrd="0" presId="urn:microsoft.com/office/officeart/2005/8/layout/process4"/>
-    <dgm:cxn modelId="{0336211B-0DBD-410D-B83A-91B84C43FDFC}" type="presOf" srcId="{B5777570-94A7-4320-B723-D6A66C313179}" destId="{9CD6F3CA-B3FC-45CD-AFE8-83034A1E12CA}" srcOrd="0" destOrd="0" presId="urn:microsoft.com/office/officeart/2005/8/layout/process4"/>
-    <dgm:cxn modelId="{FFC2533C-B2D6-4785-8F75-5D35FF4E33B2}" type="presOf" srcId="{1F8C6969-57BC-422B-A7D8-CEB736D20A22}" destId="{190BD860-8DD3-474B-98D0-B37BA6B8475C}" srcOrd="0" destOrd="0" presId="urn:microsoft.com/office/officeart/2005/8/layout/process4"/>
-    <dgm:cxn modelId="{24E1803F-F6F5-4E87-B20B-B9B8706D82A6}" type="presOf" srcId="{7E829DBF-11EB-4D72-AD4A-9FFEFE4340A9}" destId="{4C771A66-447A-40E9-AFD2-909B3A45C9E6}" srcOrd="0" destOrd="0" presId="urn:microsoft.com/office/officeart/2005/8/layout/process4"/>
-    <dgm:cxn modelId="{CC84E07D-7C87-4E36-AFE5-489F708A55F6}" type="presParOf" srcId="{190BD860-8DD3-474B-98D0-B37BA6B8475C}" destId="{A8C224A2-AA2C-4437-94AF-8BB1AD7BFE17}" srcOrd="0" destOrd="0" presId="urn:microsoft.com/office/officeart/2005/8/layout/process4"/>
-    <dgm:cxn modelId="{B28DD094-28FA-4450-A065-60079FC2D473}" type="presParOf" srcId="{A8C224A2-AA2C-4437-94AF-8BB1AD7BFE17}" destId="{4C771A66-447A-40E9-AFD2-909B3A45C9E6}" srcOrd="0" destOrd="0" presId="urn:microsoft.com/office/officeart/2005/8/layout/process4"/>
-    <dgm:cxn modelId="{1617CFB8-D703-4E57-9605-D15A2A7E85E6}" type="presParOf" srcId="{A8C224A2-AA2C-4437-94AF-8BB1AD7BFE17}" destId="{082C1469-7809-41E5-B99E-9BA48C43295F}" srcOrd="1" destOrd="0" presId="urn:microsoft.com/office/officeart/2005/8/layout/process4"/>
-    <dgm:cxn modelId="{F32E904B-E294-480B-B94C-638078B21FB2}" type="presParOf" srcId="{A8C224A2-AA2C-4437-94AF-8BB1AD7BFE17}" destId="{20630852-F7AC-4C9B-BACB-E5CA7A64DD6A}" srcOrd="2" destOrd="0" presId="urn:microsoft.com/office/officeart/2005/8/layout/process4"/>
-    <dgm:cxn modelId="{ECCC993E-DEE2-4028-9F03-01022FD418F6}" type="presParOf" srcId="{20630852-F7AC-4C9B-BACB-E5CA7A64DD6A}" destId="{9CD6F3CA-B3FC-45CD-AFE8-83034A1E12CA}" srcOrd="0" destOrd="0" presId="urn:microsoft.com/office/officeart/2005/8/layout/process4"/>
-    <dgm:cxn modelId="{4878F707-CE6F-4C9E-B519-39F7D67D2C3E}" type="presParOf" srcId="{20630852-F7AC-4C9B-BACB-E5CA7A64DD6A}" destId="{1F7BECB4-76D7-4619-97E8-90E69CEEB64A}" srcOrd="1" destOrd="0" presId="urn:microsoft.com/office/officeart/2005/8/layout/process4"/>
-    <dgm:cxn modelId="{381111EE-C51D-4E0C-A0CF-F5F147928C7F}" type="presParOf" srcId="{20630852-F7AC-4C9B-BACB-E5CA7A64DD6A}" destId="{15CB6101-9D66-43DB-9447-0F2A9C6FB0A0}" srcOrd="2" destOrd="0" presId="urn:microsoft.com/office/officeart/2005/8/layout/process4"/>
-  </dgm:cxnLst>
-  <dgm:bg/>
-  <dgm:whole/>
-  <dgm:extLst>
-    <a:ext uri="http://schemas.microsoft.com/office/drawing/2008/diagram">
-      <dsp:dataModelExt xmlns:dsp="http://schemas.microsoft.com/office/drawing/2008/diagram" relId="rId7" minVer="http://schemas.openxmlformats.org/drawingml/2006/diagram"/>
-    </a:ext>
-  </dgm:extLst>
-</dgm:dataModel>
-</file>
-
-<file path=ppt/diagrams/data2.xml><?xml version="1.0" encoding="utf-8"?>
-<dgm:dataModel xmlns:dgm="http://schemas.openxmlformats.org/drawingml/2006/diagram" xmlns:a="http://schemas.openxmlformats.org/drawingml/2006/main">
-  <dgm:ptLst>
-    <dgm:pt modelId="{1F8C6969-57BC-422B-A7D8-CEB736D20A22}" type="doc">
-      <dgm:prSet loTypeId="urn:microsoft.com/office/officeart/2005/8/layout/process4" loCatId="list" qsTypeId="urn:microsoft.com/office/officeart/2005/8/quickstyle/simple1" qsCatId="simple" csTypeId="urn:microsoft.com/office/officeart/2005/8/colors/accent1_2" csCatId="accent1" phldr="1"/>
-      <dgm:spPr/>
-      <dgm:t>
-        <a:bodyPr/>
-        <a:lstStyle/>
-        <a:p>
-          <a:endParaRPr lang="en-US"/>
-        </a:p>
-      </dgm:t>
-    </dgm:pt>
-    <dgm:pt modelId="{B5777570-94A7-4320-B723-D6A66C313179}">
-      <dgm:prSet phldrT="[Text]"/>
-      <dgm:spPr/>
-      <dgm:t>
-        <a:bodyPr/>
-        <a:lstStyle/>
-        <a:p>
-          <a:r>
-            <a:rPr lang="en-US" dirty="0" smtClean="0"/>
-            <a:t>507062dd-a4e0-4c96-aa32-3d03ca747f64</a:t>
-          </a:r>
-          <a:endParaRPr lang="en-US" dirty="0"/>
-        </a:p>
-      </dgm:t>
-    </dgm:pt>
-    <dgm:pt modelId="{B9F1CB2A-7DCC-459F-86B0-4E34DD104B92}" type="parTrans" cxnId="{D559203D-4470-4F22-831F-CC50AFA8D35B}">
-      <dgm:prSet/>
-      <dgm:spPr/>
-      <dgm:t>
-        <a:bodyPr/>
-        <a:lstStyle/>
-        <a:p>
-          <a:endParaRPr lang="en-US"/>
-        </a:p>
-      </dgm:t>
-    </dgm:pt>
-    <dgm:pt modelId="{3058B941-7B65-4F0E-A84D-2774EB2CD7C4}" type="sibTrans" cxnId="{D559203D-4470-4F22-831F-CC50AFA8D35B}">
-      <dgm:prSet/>
-      <dgm:spPr/>
-      <dgm:t>
-        <a:bodyPr/>
-        <a:lstStyle/>
-        <a:p>
-          <a:endParaRPr lang="en-US"/>
-        </a:p>
-      </dgm:t>
-    </dgm:pt>
-    <dgm:pt modelId="{84380697-93A1-4717-937D-A583453B6A3A}">
-      <dgm:prSet phldrT="[Text]"/>
-      <dgm:spPr/>
-      <dgm:t>
-        <a:bodyPr/>
-        <a:lstStyle/>
-        <a:p>
-          <a:r>
-            <a:rPr lang="en-US" dirty="0" smtClean="0"/>
-            <a:t>b9a00ac2-78f2-4551-82ba-bb87d5dfff43</a:t>
-          </a:r>
-        </a:p>
-      </dgm:t>
-    </dgm:pt>
-    <dgm:pt modelId="{C9BAA796-0BEA-4615-AA5E-2BE19FDBE6A2}" type="parTrans" cxnId="{B0BEBB14-4FA9-4D62-948B-0BA3F59D42C5}">
-      <dgm:prSet/>
-      <dgm:spPr/>
-      <dgm:t>
-        <a:bodyPr/>
-        <a:lstStyle/>
-        <a:p>
-          <a:endParaRPr lang="en-US"/>
-        </a:p>
-      </dgm:t>
-    </dgm:pt>
-    <dgm:pt modelId="{4A909D9C-235E-4B5F-9214-778AACB66D6F}" type="sibTrans" cxnId="{B0BEBB14-4FA9-4D62-948B-0BA3F59D42C5}">
-      <dgm:prSet/>
-      <dgm:spPr/>
-      <dgm:t>
-        <a:bodyPr/>
-        <a:lstStyle/>
-        <a:p>
-          <a:endParaRPr lang="en-US"/>
-        </a:p>
-      </dgm:t>
-    </dgm:pt>
-    <dgm:pt modelId="{53E479E8-975F-4705-83A5-4755CEAB668E}">
-      <dgm:prSet phldrT="[Text]"/>
-      <dgm:spPr/>
-      <dgm:t>
-        <a:bodyPr/>
-        <a:lstStyle/>
-        <a:p>
-          <a:r>
-            <a:rPr lang="en-US" dirty="0" smtClean="0"/>
-            <a:t>Confirmation</a:t>
-          </a:r>
-        </a:p>
-      </dgm:t>
-    </dgm:pt>
-    <dgm:pt modelId="{94A7142F-E62F-4C8D-87C6-97A92D059A94}" type="parTrans" cxnId="{39079DED-A848-4F98-B223-0886EF93E3FA}">
-      <dgm:prSet/>
-      <dgm:spPr/>
-      <dgm:t>
-        <a:bodyPr/>
-        <a:lstStyle/>
-        <a:p>
-          <a:endParaRPr lang="en-US"/>
-        </a:p>
-      </dgm:t>
-    </dgm:pt>
-    <dgm:pt modelId="{1ED6F0FB-2C58-4525-8AD7-FA2CACFC61EB}" type="sibTrans" cxnId="{39079DED-A848-4F98-B223-0886EF93E3FA}">
-      <dgm:prSet/>
-      <dgm:spPr/>
-      <dgm:t>
-        <a:bodyPr/>
-        <a:lstStyle/>
-        <a:p>
-          <a:endParaRPr lang="en-US"/>
-        </a:p>
-      </dgm:t>
-    </dgm:pt>
-    <dgm:pt modelId="{7E829DBF-11EB-4D72-AD4A-9FFEFE4340A9}">
-      <dgm:prSet phldrT="[Text]"/>
-      <dgm:spPr/>
-      <dgm:t>
-        <a:bodyPr/>
-        <a:lstStyle/>
-        <a:p>
-          <a:r>
-            <a:rPr lang="en-US" dirty="0" smtClean="0"/>
-            <a:t>Token</a:t>
-          </a:r>
-          <a:endParaRPr lang="en-US" dirty="0"/>
-        </a:p>
-      </dgm:t>
-    </dgm:pt>
-    <dgm:pt modelId="{48762A67-82F8-401B-A9A5-4615EBFB853F}" type="sibTrans" cxnId="{A13A4508-9D1D-4EA7-92B5-7D7B353A0321}">
-      <dgm:prSet/>
-      <dgm:spPr/>
-      <dgm:t>
-        <a:bodyPr/>
-        <a:lstStyle/>
-        <a:p>
-          <a:endParaRPr lang="en-US"/>
-        </a:p>
-      </dgm:t>
-    </dgm:pt>
-    <dgm:pt modelId="{B79A9084-4702-49D3-9B1F-C522F5B6A9D5}" type="parTrans" cxnId="{A13A4508-9D1D-4EA7-92B5-7D7B353A0321}">
-      <dgm:prSet/>
-      <dgm:spPr/>
-      <dgm:t>
-        <a:bodyPr/>
-        <a:lstStyle/>
-        <a:p>
-          <a:endParaRPr lang="en-US"/>
-        </a:p>
-      </dgm:t>
-    </dgm:pt>
-    <dgm:pt modelId="{190BD860-8DD3-474B-98D0-B37BA6B8475C}" type="pres">
-      <dgm:prSet presAssocID="{1F8C6969-57BC-422B-A7D8-CEB736D20A22}" presName="Name0" presStyleCnt="0">
-        <dgm:presLayoutVars>
-          <dgm:dir/>
-          <dgm:animLvl val="lvl"/>
-          <dgm:resizeHandles val="exact"/>
-        </dgm:presLayoutVars>
-      </dgm:prSet>
-      <dgm:spPr/>
-      <dgm:t>
-        <a:bodyPr/>
-        <a:lstStyle/>
-        <a:p>
-          <a:endParaRPr lang="en-US"/>
-        </a:p>
-      </dgm:t>
-    </dgm:pt>
-    <dgm:pt modelId="{A8C224A2-AA2C-4437-94AF-8BB1AD7BFE17}" type="pres">
-      <dgm:prSet presAssocID="{7E829DBF-11EB-4D72-AD4A-9FFEFE4340A9}" presName="boxAndChildren" presStyleCnt="0"/>
-      <dgm:spPr/>
-    </dgm:pt>
-    <dgm:pt modelId="{4C771A66-447A-40E9-AFD2-909B3A45C9E6}" type="pres">
-      <dgm:prSet presAssocID="{7E829DBF-11EB-4D72-AD4A-9FFEFE4340A9}" presName="parentTextBox" presStyleLbl="node1" presStyleIdx="0" presStyleCnt="1"/>
-      <dgm:spPr/>
-      <dgm:t>
-        <a:bodyPr/>
-        <a:lstStyle/>
-        <a:p>
-          <a:endParaRPr lang="en-US"/>
-        </a:p>
-      </dgm:t>
-    </dgm:pt>
-    <dgm:pt modelId="{082C1469-7809-41E5-B99E-9BA48C43295F}" type="pres">
-      <dgm:prSet presAssocID="{7E829DBF-11EB-4D72-AD4A-9FFEFE4340A9}" presName="entireBox" presStyleLbl="node1" presStyleIdx="0" presStyleCnt="1" custLinFactNeighborY="22569"/>
-      <dgm:spPr/>
-      <dgm:t>
-        <a:bodyPr/>
-        <a:lstStyle/>
-        <a:p>
-          <a:endParaRPr lang="en-US"/>
-        </a:p>
-      </dgm:t>
-    </dgm:pt>
-    <dgm:pt modelId="{20630852-F7AC-4C9B-BACB-E5CA7A64DD6A}" type="pres">
-      <dgm:prSet presAssocID="{7E829DBF-11EB-4D72-AD4A-9FFEFE4340A9}" presName="descendantBox" presStyleCnt="0"/>
-      <dgm:spPr/>
-    </dgm:pt>
-    <dgm:pt modelId="{9CD6F3CA-B3FC-45CD-AFE8-83034A1E12CA}" type="pres">
-      <dgm:prSet presAssocID="{B5777570-94A7-4320-B723-D6A66C313179}" presName="childTextBox" presStyleLbl="fgAccFollowNode1" presStyleIdx="0" presStyleCnt="3">
-        <dgm:presLayoutVars>
-          <dgm:bulletEnabled val="1"/>
-        </dgm:presLayoutVars>
-      </dgm:prSet>
-      <dgm:spPr/>
-      <dgm:t>
-        <a:bodyPr/>
-        <a:lstStyle/>
-        <a:p>
-          <a:endParaRPr lang="en-US"/>
-        </a:p>
-      </dgm:t>
-    </dgm:pt>
-    <dgm:pt modelId="{1F7BECB4-76D7-4619-97E8-90E69CEEB64A}" type="pres">
-      <dgm:prSet presAssocID="{84380697-93A1-4717-937D-A583453B6A3A}" presName="childTextBox" presStyleLbl="fgAccFollowNode1" presStyleIdx="1" presStyleCnt="3">
-        <dgm:presLayoutVars>
-          <dgm:bulletEnabled val="1"/>
-        </dgm:presLayoutVars>
-      </dgm:prSet>
-      <dgm:spPr/>
-      <dgm:t>
-        <a:bodyPr/>
-        <a:lstStyle/>
-        <a:p>
-          <a:endParaRPr lang="en-US"/>
-        </a:p>
-      </dgm:t>
-    </dgm:pt>
-    <dgm:pt modelId="{15CB6101-9D66-43DB-9447-0F2A9C6FB0A0}" type="pres">
-      <dgm:prSet presAssocID="{53E479E8-975F-4705-83A5-4755CEAB668E}" presName="childTextBox" presStyleLbl="fgAccFollowNode1" presStyleIdx="2" presStyleCnt="3">
-        <dgm:presLayoutVars>
-          <dgm:bulletEnabled val="1"/>
-        </dgm:presLayoutVars>
-      </dgm:prSet>
-      <dgm:spPr/>
-      <dgm:t>
-        <a:bodyPr/>
-        <a:lstStyle/>
-        <a:p>
-          <a:endParaRPr lang="en-US"/>
-        </a:p>
-      </dgm:t>
-    </dgm:pt>
-  </dgm:ptLst>
-  <dgm:cxnLst>
-    <dgm:cxn modelId="{9B7B8921-7410-4C62-8DAA-269C0C374F3C}" type="presOf" srcId="{7E829DBF-11EB-4D72-AD4A-9FFEFE4340A9}" destId="{082C1469-7809-41E5-B99E-9BA48C43295F}" srcOrd="1" destOrd="0" presId="urn:microsoft.com/office/officeart/2005/8/layout/process4"/>
-    <dgm:cxn modelId="{21E463F7-2988-4744-8BF5-100254C3ED9B}" type="presOf" srcId="{B5777570-94A7-4320-B723-D6A66C313179}" destId="{9CD6F3CA-B3FC-45CD-AFE8-83034A1E12CA}" srcOrd="0" destOrd="0" presId="urn:microsoft.com/office/officeart/2005/8/layout/process4"/>
-    <dgm:cxn modelId="{39079DED-A848-4F98-B223-0886EF93E3FA}" srcId="{7E829DBF-11EB-4D72-AD4A-9FFEFE4340A9}" destId="{53E479E8-975F-4705-83A5-4755CEAB668E}" srcOrd="2" destOrd="0" parTransId="{94A7142F-E62F-4C8D-87C6-97A92D059A94}" sibTransId="{1ED6F0FB-2C58-4525-8AD7-FA2CACFC61EB}"/>
-    <dgm:cxn modelId="{F78B8920-9381-42BC-844A-E10AD8758C5E}" type="presOf" srcId="{84380697-93A1-4717-937D-A583453B6A3A}" destId="{1F7BECB4-76D7-4619-97E8-90E69CEEB64A}" srcOrd="0" destOrd="0" presId="urn:microsoft.com/office/officeart/2005/8/layout/process4"/>
-    <dgm:cxn modelId="{A13A4508-9D1D-4EA7-92B5-7D7B353A0321}" srcId="{1F8C6969-57BC-422B-A7D8-CEB736D20A22}" destId="{7E829DBF-11EB-4D72-AD4A-9FFEFE4340A9}" srcOrd="0" destOrd="0" parTransId="{B79A9084-4702-49D3-9B1F-C522F5B6A9D5}" sibTransId="{48762A67-82F8-401B-A9A5-4615EBFB853F}"/>
-    <dgm:cxn modelId="{ED5B629C-BFEB-481A-88CF-AE67724110B3}" type="presOf" srcId="{1F8C6969-57BC-422B-A7D8-CEB736D20A22}" destId="{190BD860-8DD3-474B-98D0-B37BA6B8475C}" srcOrd="0" destOrd="0" presId="urn:microsoft.com/office/officeart/2005/8/layout/process4"/>
-    <dgm:cxn modelId="{D559203D-4470-4F22-831F-CC50AFA8D35B}" srcId="{7E829DBF-11EB-4D72-AD4A-9FFEFE4340A9}" destId="{B5777570-94A7-4320-B723-D6A66C313179}" srcOrd="0" destOrd="0" parTransId="{B9F1CB2A-7DCC-459F-86B0-4E34DD104B92}" sibTransId="{3058B941-7B65-4F0E-A84D-2774EB2CD7C4}"/>
-    <dgm:cxn modelId="{B0BEBB14-4FA9-4D62-948B-0BA3F59D42C5}" srcId="{7E829DBF-11EB-4D72-AD4A-9FFEFE4340A9}" destId="{84380697-93A1-4717-937D-A583453B6A3A}" srcOrd="1" destOrd="0" parTransId="{C9BAA796-0BEA-4615-AA5E-2BE19FDBE6A2}" sibTransId="{4A909D9C-235E-4B5F-9214-778AACB66D6F}"/>
-    <dgm:cxn modelId="{A0201973-C65B-460F-B065-DF2D4F790025}" type="presOf" srcId="{7E829DBF-11EB-4D72-AD4A-9FFEFE4340A9}" destId="{4C771A66-447A-40E9-AFD2-909B3A45C9E6}" srcOrd="0" destOrd="0" presId="urn:microsoft.com/office/officeart/2005/8/layout/process4"/>
-    <dgm:cxn modelId="{CBB3B794-E977-477D-B580-1E6BE35CAD6F}" type="presOf" srcId="{53E479E8-975F-4705-83A5-4755CEAB668E}" destId="{15CB6101-9D66-43DB-9447-0F2A9C6FB0A0}" srcOrd="0" destOrd="0" presId="urn:microsoft.com/office/officeart/2005/8/layout/process4"/>
-    <dgm:cxn modelId="{A5346EA6-C808-49B1-8BB9-F3B7363843DD}" type="presParOf" srcId="{190BD860-8DD3-474B-98D0-B37BA6B8475C}" destId="{A8C224A2-AA2C-4437-94AF-8BB1AD7BFE17}" srcOrd="0" destOrd="0" presId="urn:microsoft.com/office/officeart/2005/8/layout/process4"/>
-    <dgm:cxn modelId="{DD0FE561-EA9C-4F30-B2A8-D7EF727F7328}" type="presParOf" srcId="{A8C224A2-AA2C-4437-94AF-8BB1AD7BFE17}" destId="{4C771A66-447A-40E9-AFD2-909B3A45C9E6}" srcOrd="0" destOrd="0" presId="urn:microsoft.com/office/officeart/2005/8/layout/process4"/>
-    <dgm:cxn modelId="{82219311-91E6-42E5-88E6-76D1B74E8D42}" type="presParOf" srcId="{A8C224A2-AA2C-4437-94AF-8BB1AD7BFE17}" destId="{082C1469-7809-41E5-B99E-9BA48C43295F}" srcOrd="1" destOrd="0" presId="urn:microsoft.com/office/officeart/2005/8/layout/process4"/>
-    <dgm:cxn modelId="{795F321E-EF28-4A43-9DB8-30DD670436E8}" type="presParOf" srcId="{A8C224A2-AA2C-4437-94AF-8BB1AD7BFE17}" destId="{20630852-F7AC-4C9B-BACB-E5CA7A64DD6A}" srcOrd="2" destOrd="0" presId="urn:microsoft.com/office/officeart/2005/8/layout/process4"/>
-    <dgm:cxn modelId="{97B7C2B0-3047-45D8-BB9C-F564D78AA16C}" type="presParOf" srcId="{20630852-F7AC-4C9B-BACB-E5CA7A64DD6A}" destId="{9CD6F3CA-B3FC-45CD-AFE8-83034A1E12CA}" srcOrd="0" destOrd="0" presId="urn:microsoft.com/office/officeart/2005/8/layout/process4"/>
-    <dgm:cxn modelId="{7738C890-C70C-4134-ACBF-6BDAE0935D15}" type="presParOf" srcId="{20630852-F7AC-4C9B-BACB-E5CA7A64DD6A}" destId="{1F7BECB4-76D7-4619-97E8-90E69CEEB64A}" srcOrd="1" destOrd="0" presId="urn:microsoft.com/office/officeart/2005/8/layout/process4"/>
-    <dgm:cxn modelId="{610E233E-BC15-4DF1-A721-5F3D5902D7F4}" type="presParOf" srcId="{20630852-F7AC-4C9B-BACB-E5CA7A64DD6A}" destId="{15CB6101-9D66-43DB-9447-0F2A9C6FB0A0}" srcOrd="2" destOrd="0" presId="urn:microsoft.com/office/officeart/2005/8/layout/process4"/>
-  </dgm:cxnLst>
-  <dgm:bg/>
-  <dgm:whole/>
-  <dgm:extLst>
-    <a:ext uri="http://schemas.microsoft.com/office/drawing/2008/diagram">
-      <dsp:dataModelExt xmlns:dsp="http://schemas.microsoft.com/office/drawing/2008/diagram" relId="rId12" minVer="http://schemas.openxmlformats.org/drawingml/2006/diagram"/>
-    </a:ext>
-  </dgm:extLst>
-</dgm:dataModel>
-</file>
-
-<file path=ppt/diagrams/drawing1.xml><?xml version="1.0" encoding="utf-8"?>
-<dsp:drawing xmlns:dgm="http://schemas.openxmlformats.org/drawingml/2006/diagram" xmlns:dsp="http://schemas.microsoft.com/office/drawing/2008/diagram" xmlns:a="http://schemas.openxmlformats.org/drawingml/2006/main">
-  <dsp:spTree>
-    <dsp:nvGrpSpPr>
-      <dsp:cNvPr id="0" name=""/>
-      <dsp:cNvGrpSpPr/>
-    </dsp:nvGrpSpPr>
-    <dsp:grpSpPr/>
-    <dsp:sp modelId="{082C1469-7809-41E5-B99E-9BA48C43295F}">
-      <dsp:nvSpPr>
-        <dsp:cNvPr id="0" name=""/>
-        <dsp:cNvSpPr/>
-      </dsp:nvSpPr>
-      <dsp:spPr>
-        <a:xfrm>
-          <a:off x="0" y="0"/>
-          <a:ext cx="3240360" cy="1595254"/>
-        </a:xfrm>
-        <a:prstGeom prst="rect">
-          <a:avLst/>
-        </a:prstGeom>
-        <a:solidFill>
-          <a:schemeClr val="accent1">
-            <a:hueOff val="0"/>
-            <a:satOff val="0"/>
-            <a:lumOff val="0"/>
-            <a:alphaOff val="0"/>
-          </a:schemeClr>
-        </a:solidFill>
-        <a:ln w="25400" cap="flat" cmpd="sng" algn="ctr">
-          <a:solidFill>
-            <a:schemeClr val="lt1">
-              <a:hueOff val="0"/>
-              <a:satOff val="0"/>
-              <a:lumOff val="0"/>
-              <a:alphaOff val="0"/>
-            </a:schemeClr>
-          </a:solidFill>
-          <a:prstDash val="solid"/>
-        </a:ln>
-        <a:effectLst/>
-      </dsp:spPr>
-      <dsp:style>
-        <a:lnRef idx="2">
-          <a:scrgbClr r="0" g="0" b="0"/>
-        </a:lnRef>
-        <a:fillRef idx="1">
-          <a:scrgbClr r="0" g="0" b="0"/>
-        </a:fillRef>
-        <a:effectRef idx="0">
-          <a:scrgbClr r="0" g="0" b="0"/>
-        </a:effectRef>
-        <a:fontRef idx="minor">
-          <a:schemeClr val="lt1"/>
-        </a:fontRef>
-      </dsp:style>
-      <dsp:txBody>
-        <a:bodyPr spcFirstLastPara="0" vert="horz" wrap="square" lIns="213360" tIns="213360" rIns="213360" bIns="213360" numCol="1" spcCol="1270" anchor="ctr" anchorCtr="0">
-          <a:noAutofit/>
-        </a:bodyPr>
-        <a:lstStyle/>
-        <a:p>
-          <a:pPr lvl="0" algn="ctr" defTabSz="1333500">
-            <a:lnSpc>
-              <a:spcPct val="90000"/>
-            </a:lnSpc>
-            <a:spcBef>
-              <a:spcPct val="0"/>
-            </a:spcBef>
-            <a:spcAft>
-              <a:spcPct val="35000"/>
-            </a:spcAft>
-          </a:pPr>
-          <a:r>
-            <a:rPr lang="en-US" sz="3000" kern="1200" dirty="0" smtClean="0"/>
-            <a:t>Token</a:t>
-          </a:r>
-          <a:endParaRPr lang="en-US" sz="3000" kern="1200" dirty="0"/>
-        </a:p>
-      </dsp:txBody>
-      <dsp:txXfrm>
-        <a:off x="0" y="0"/>
-        <a:ext cx="3240360" cy="861437"/>
-      </dsp:txXfrm>
-    </dsp:sp>
-    <dsp:sp modelId="{9CD6F3CA-B3FC-45CD-AFE8-83034A1E12CA}">
-      <dsp:nvSpPr>
-        <dsp:cNvPr id="0" name=""/>
-        <dsp:cNvSpPr/>
-      </dsp:nvSpPr>
-      <dsp:spPr>
-        <a:xfrm>
-          <a:off x="1582" y="829532"/>
-          <a:ext cx="1079065" cy="733816"/>
-        </a:xfrm>
-        <a:prstGeom prst="rect">
-          <a:avLst/>
-        </a:prstGeom>
-        <a:solidFill>
-          <a:schemeClr val="accent1">
-            <a:alpha val="90000"/>
-            <a:tint val="40000"/>
-            <a:hueOff val="0"/>
-            <a:satOff val="0"/>
-            <a:lumOff val="0"/>
-            <a:alphaOff val="0"/>
-          </a:schemeClr>
-        </a:solidFill>
-        <a:ln w="25400" cap="flat" cmpd="sng" algn="ctr">
-          <a:solidFill>
-            <a:schemeClr val="accent1">
-              <a:alpha val="90000"/>
-              <a:tint val="40000"/>
-              <a:hueOff val="0"/>
-              <a:satOff val="0"/>
-              <a:lumOff val="0"/>
-              <a:alphaOff val="0"/>
-            </a:schemeClr>
-          </a:solidFill>
-          <a:prstDash val="solid"/>
-        </a:ln>
-        <a:effectLst/>
-      </dsp:spPr>
-      <dsp:style>
-        <a:lnRef idx="2">
-          <a:scrgbClr r="0" g="0" b="0"/>
-        </a:lnRef>
-        <a:fillRef idx="1">
-          <a:scrgbClr r="0" g="0" b="0"/>
-        </a:fillRef>
-        <a:effectRef idx="0">
-          <a:scrgbClr r="0" g="0" b="0"/>
-        </a:effectRef>
-        <a:fontRef idx="minor"/>
-      </dsp:style>
-      <dsp:txBody>
-        <a:bodyPr spcFirstLastPara="0" vert="horz" wrap="square" lIns="135128" tIns="24130" rIns="135128" bIns="24130" numCol="1" spcCol="1270" anchor="ctr" anchorCtr="0">
-          <a:noAutofit/>
-        </a:bodyPr>
-        <a:lstStyle/>
-        <a:p>
-          <a:pPr lvl="0" algn="ctr" defTabSz="844550">
-            <a:lnSpc>
-              <a:spcPct val="90000"/>
-            </a:lnSpc>
-            <a:spcBef>
-              <a:spcPct val="0"/>
-            </a:spcBef>
-            <a:spcAft>
-              <a:spcPct val="35000"/>
-            </a:spcAft>
-          </a:pPr>
-          <a:r>
-            <a:rPr lang="en-US" sz="1900" kern="1200" dirty="0" smtClean="0"/>
-            <a:t>User Id</a:t>
-          </a:r>
-          <a:endParaRPr lang="en-US" sz="1900" kern="1200" dirty="0"/>
-        </a:p>
-      </dsp:txBody>
-      <dsp:txXfrm>
-        <a:off x="1582" y="829532"/>
-        <a:ext cx="1079065" cy="733816"/>
-      </dsp:txXfrm>
-    </dsp:sp>
-    <dsp:sp modelId="{1F7BECB4-76D7-4619-97E8-90E69CEEB64A}">
-      <dsp:nvSpPr>
-        <dsp:cNvPr id="0" name=""/>
-        <dsp:cNvSpPr/>
-      </dsp:nvSpPr>
-      <dsp:spPr>
-        <a:xfrm>
-          <a:off x="1080647" y="829532"/>
-          <a:ext cx="1079065" cy="733816"/>
-        </a:xfrm>
-        <a:prstGeom prst="rect">
-          <a:avLst/>
-        </a:prstGeom>
-        <a:solidFill>
-          <a:schemeClr val="accent1">
-            <a:alpha val="90000"/>
-            <a:tint val="40000"/>
-            <a:hueOff val="0"/>
-            <a:satOff val="0"/>
-            <a:lumOff val="0"/>
-            <a:alphaOff val="0"/>
-          </a:schemeClr>
-        </a:solidFill>
-        <a:ln w="25400" cap="flat" cmpd="sng" algn="ctr">
-          <a:solidFill>
-            <a:schemeClr val="accent1">
-              <a:alpha val="90000"/>
-              <a:tint val="40000"/>
-              <a:hueOff val="0"/>
-              <a:satOff val="0"/>
-              <a:lumOff val="0"/>
-              <a:alphaOff val="0"/>
-            </a:schemeClr>
-          </a:solidFill>
-          <a:prstDash val="solid"/>
-        </a:ln>
-        <a:effectLst/>
-      </dsp:spPr>
-      <dsp:style>
-        <a:lnRef idx="2">
-          <a:scrgbClr r="0" g="0" b="0"/>
-        </a:lnRef>
-        <a:fillRef idx="1">
-          <a:scrgbClr r="0" g="0" b="0"/>
-        </a:fillRef>
-        <a:effectRef idx="0">
-          <a:scrgbClr r="0" g="0" b="0"/>
-        </a:effectRef>
-        <a:fontRef idx="minor"/>
-      </dsp:style>
-      <dsp:txBody>
-        <a:bodyPr spcFirstLastPara="0" vert="horz" wrap="square" lIns="135128" tIns="24130" rIns="135128" bIns="24130" numCol="1" spcCol="1270" anchor="ctr" anchorCtr="0">
-          <a:noAutofit/>
-        </a:bodyPr>
-        <a:lstStyle/>
-        <a:p>
-          <a:pPr lvl="0" algn="ctr" defTabSz="844550">
-            <a:lnSpc>
-              <a:spcPct val="90000"/>
-            </a:lnSpc>
-            <a:spcBef>
-              <a:spcPct val="0"/>
-            </a:spcBef>
-            <a:spcAft>
-              <a:spcPct val="35000"/>
-            </a:spcAft>
-          </a:pPr>
-          <a:r>
-            <a:rPr lang="en-US" sz="1900" kern="1200" dirty="0" smtClean="0"/>
-            <a:t>Security Stamp</a:t>
-          </a:r>
-        </a:p>
-      </dsp:txBody>
-      <dsp:txXfrm>
-        <a:off x="1080647" y="829532"/>
-        <a:ext cx="1079065" cy="733816"/>
-      </dsp:txXfrm>
-    </dsp:sp>
-    <dsp:sp modelId="{15CB6101-9D66-43DB-9447-0F2A9C6FB0A0}">
-      <dsp:nvSpPr>
-        <dsp:cNvPr id="0" name=""/>
-        <dsp:cNvSpPr/>
-      </dsp:nvSpPr>
-      <dsp:spPr>
-        <a:xfrm>
-          <a:off x="2159712" y="829532"/>
-          <a:ext cx="1079065" cy="733816"/>
-        </a:xfrm>
-        <a:prstGeom prst="rect">
-          <a:avLst/>
-        </a:prstGeom>
-        <a:solidFill>
-          <a:schemeClr val="accent1">
-            <a:alpha val="90000"/>
-            <a:tint val="40000"/>
-            <a:hueOff val="0"/>
-            <a:satOff val="0"/>
-            <a:lumOff val="0"/>
-            <a:alphaOff val="0"/>
-          </a:schemeClr>
-        </a:solidFill>
-        <a:ln w="25400" cap="flat" cmpd="sng" algn="ctr">
-          <a:solidFill>
-            <a:schemeClr val="accent1">
-              <a:alpha val="90000"/>
-              <a:tint val="40000"/>
-              <a:hueOff val="0"/>
-              <a:satOff val="0"/>
-              <a:lumOff val="0"/>
-              <a:alphaOff val="0"/>
-            </a:schemeClr>
-          </a:solidFill>
-          <a:prstDash val="solid"/>
-        </a:ln>
-        <a:effectLst/>
-      </dsp:spPr>
-      <dsp:style>
-        <a:lnRef idx="2">
-          <a:scrgbClr r="0" g="0" b="0"/>
-        </a:lnRef>
-        <a:fillRef idx="1">
-          <a:scrgbClr r="0" g="0" b="0"/>
-        </a:fillRef>
-        <a:effectRef idx="0">
-          <a:scrgbClr r="0" g="0" b="0"/>
-        </a:effectRef>
-        <a:fontRef idx="minor"/>
-      </dsp:style>
-      <dsp:txBody>
-        <a:bodyPr spcFirstLastPara="0" vert="horz" wrap="square" lIns="135128" tIns="24130" rIns="135128" bIns="24130" numCol="1" spcCol="1270" anchor="ctr" anchorCtr="0">
-          <a:noAutofit/>
-        </a:bodyPr>
-        <a:lstStyle/>
-        <a:p>
-          <a:pPr lvl="0" algn="ctr" defTabSz="844550">
-            <a:lnSpc>
-              <a:spcPct val="90000"/>
-            </a:lnSpc>
-            <a:spcBef>
-              <a:spcPct val="0"/>
-            </a:spcBef>
-            <a:spcAft>
-              <a:spcPct val="35000"/>
-            </a:spcAft>
-          </a:pPr>
-          <a:r>
-            <a:rPr lang="en-US" sz="1900" kern="1200" dirty="0" smtClean="0"/>
-            <a:t>Purpose</a:t>
-          </a:r>
-        </a:p>
-      </dsp:txBody>
-      <dsp:txXfrm>
-        <a:off x="2159712" y="829532"/>
-        <a:ext cx="1079065" cy="733816"/>
-      </dsp:txXfrm>
-    </dsp:sp>
-  </dsp:spTree>
-</dsp:drawing>
-</file>
-
-<file path=ppt/diagrams/drawing2.xml><?xml version="1.0" encoding="utf-8"?>
-<dsp:drawing xmlns:dgm="http://schemas.openxmlformats.org/drawingml/2006/diagram" xmlns:dsp="http://schemas.microsoft.com/office/drawing/2008/diagram" xmlns:a="http://schemas.openxmlformats.org/drawingml/2006/main">
-  <dsp:spTree>
-    <dsp:nvGrpSpPr>
-      <dsp:cNvPr id="0" name=""/>
-      <dsp:cNvGrpSpPr/>
-    </dsp:nvGrpSpPr>
-    <dsp:grpSpPr/>
-    <dsp:sp modelId="{082C1469-7809-41E5-B99E-9BA48C43295F}">
-      <dsp:nvSpPr>
-        <dsp:cNvPr id="0" name=""/>
-        <dsp:cNvSpPr/>
-      </dsp:nvSpPr>
-      <dsp:spPr>
-        <a:xfrm>
-          <a:off x="0" y="0"/>
-          <a:ext cx="3240360" cy="1595254"/>
-        </a:xfrm>
-        <a:prstGeom prst="rect">
-          <a:avLst/>
-        </a:prstGeom>
-        <a:solidFill>
-          <a:schemeClr val="accent1">
-            <a:hueOff val="0"/>
-            <a:satOff val="0"/>
-            <a:lumOff val="0"/>
-            <a:alphaOff val="0"/>
-          </a:schemeClr>
-        </a:solidFill>
-        <a:ln w="25400" cap="flat" cmpd="sng" algn="ctr">
-          <a:solidFill>
-            <a:schemeClr val="lt1">
-              <a:hueOff val="0"/>
-              <a:satOff val="0"/>
-              <a:lumOff val="0"/>
-              <a:alphaOff val="0"/>
-            </a:schemeClr>
-          </a:solidFill>
-          <a:prstDash val="solid"/>
-        </a:ln>
-        <a:effectLst/>
-      </dsp:spPr>
-      <dsp:style>
-        <a:lnRef idx="2">
-          <a:scrgbClr r="0" g="0" b="0"/>
-        </a:lnRef>
-        <a:fillRef idx="1">
-          <a:scrgbClr r="0" g="0" b="0"/>
-        </a:fillRef>
-        <a:effectRef idx="0">
-          <a:scrgbClr r="0" g="0" b="0"/>
-        </a:effectRef>
-        <a:fontRef idx="minor">
-          <a:schemeClr val="lt1"/>
-        </a:fontRef>
-      </dsp:style>
-      <dsp:txBody>
-        <a:bodyPr spcFirstLastPara="0" vert="horz" wrap="square" lIns="213360" tIns="213360" rIns="213360" bIns="213360" numCol="1" spcCol="1270" anchor="ctr" anchorCtr="0">
-          <a:noAutofit/>
-        </a:bodyPr>
-        <a:lstStyle/>
-        <a:p>
-          <a:pPr lvl="0" algn="ctr" defTabSz="1333500">
-            <a:lnSpc>
-              <a:spcPct val="90000"/>
-            </a:lnSpc>
-            <a:spcBef>
-              <a:spcPct val="0"/>
-            </a:spcBef>
-            <a:spcAft>
-              <a:spcPct val="35000"/>
-            </a:spcAft>
-          </a:pPr>
-          <a:r>
-            <a:rPr lang="en-US" sz="3000" kern="1200" dirty="0" smtClean="0"/>
-            <a:t>Token</a:t>
-          </a:r>
-          <a:endParaRPr lang="en-US" sz="3000" kern="1200" dirty="0"/>
-        </a:p>
-      </dsp:txBody>
-      <dsp:txXfrm>
-        <a:off x="0" y="0"/>
-        <a:ext cx="3240360" cy="861437"/>
-      </dsp:txXfrm>
-    </dsp:sp>
-    <dsp:sp modelId="{9CD6F3CA-B3FC-45CD-AFE8-83034A1E12CA}">
-      <dsp:nvSpPr>
-        <dsp:cNvPr id="0" name=""/>
-        <dsp:cNvSpPr/>
-      </dsp:nvSpPr>
-      <dsp:spPr>
-        <a:xfrm>
-          <a:off x="1582" y="829532"/>
-          <a:ext cx="1079065" cy="733816"/>
-        </a:xfrm>
-        <a:prstGeom prst="rect">
-          <a:avLst/>
-        </a:prstGeom>
-        <a:solidFill>
-          <a:schemeClr val="accent1">
-            <a:alpha val="90000"/>
-            <a:tint val="40000"/>
-            <a:hueOff val="0"/>
-            <a:satOff val="0"/>
-            <a:lumOff val="0"/>
-            <a:alphaOff val="0"/>
-          </a:schemeClr>
-        </a:solidFill>
-        <a:ln w="25400" cap="flat" cmpd="sng" algn="ctr">
-          <a:solidFill>
-            <a:schemeClr val="accent1">
-              <a:alpha val="90000"/>
-              <a:tint val="40000"/>
-              <a:hueOff val="0"/>
-              <a:satOff val="0"/>
-              <a:lumOff val="0"/>
-              <a:alphaOff val="0"/>
-            </a:schemeClr>
-          </a:solidFill>
-          <a:prstDash val="solid"/>
-        </a:ln>
-        <a:effectLst/>
-      </dsp:spPr>
-      <dsp:style>
-        <a:lnRef idx="2">
-          <a:scrgbClr r="0" g="0" b="0"/>
-        </a:lnRef>
-        <a:fillRef idx="1">
-          <a:scrgbClr r="0" g="0" b="0"/>
-        </a:fillRef>
-        <a:effectRef idx="0">
-          <a:scrgbClr r="0" g="0" b="0"/>
-        </a:effectRef>
-        <a:fontRef idx="minor"/>
-      </dsp:style>
-      <dsp:txBody>
-        <a:bodyPr spcFirstLastPara="0" vert="horz" wrap="square" lIns="85344" tIns="15240" rIns="85344" bIns="15240" numCol="1" spcCol="1270" anchor="ctr" anchorCtr="0">
-          <a:noAutofit/>
-        </a:bodyPr>
-        <a:lstStyle/>
-        <a:p>
-          <a:pPr lvl="0" algn="ctr" defTabSz="533400">
-            <a:lnSpc>
-              <a:spcPct val="90000"/>
-            </a:lnSpc>
-            <a:spcBef>
-              <a:spcPct val="0"/>
-            </a:spcBef>
-            <a:spcAft>
-              <a:spcPct val="35000"/>
-            </a:spcAft>
-          </a:pPr>
-          <a:r>
-            <a:rPr lang="en-US" sz="1200" kern="1200" dirty="0" smtClean="0"/>
-            <a:t>507062dd-a4e0-4c96-aa32-3d03ca747f64</a:t>
-          </a:r>
-          <a:endParaRPr lang="en-US" sz="1200" kern="1200" dirty="0"/>
-        </a:p>
-      </dsp:txBody>
-      <dsp:txXfrm>
-        <a:off x="1582" y="829532"/>
-        <a:ext cx="1079065" cy="733816"/>
-      </dsp:txXfrm>
-    </dsp:sp>
-    <dsp:sp modelId="{1F7BECB4-76D7-4619-97E8-90E69CEEB64A}">
-      <dsp:nvSpPr>
-        <dsp:cNvPr id="0" name=""/>
-        <dsp:cNvSpPr/>
-      </dsp:nvSpPr>
-      <dsp:spPr>
-        <a:xfrm>
-          <a:off x="1080647" y="829532"/>
-          <a:ext cx="1079065" cy="733816"/>
-        </a:xfrm>
-        <a:prstGeom prst="rect">
-          <a:avLst/>
-        </a:prstGeom>
-        <a:solidFill>
-          <a:schemeClr val="accent1">
-            <a:alpha val="90000"/>
-            <a:tint val="40000"/>
-            <a:hueOff val="0"/>
-            <a:satOff val="0"/>
-            <a:lumOff val="0"/>
-            <a:alphaOff val="0"/>
-          </a:schemeClr>
-        </a:solidFill>
-        <a:ln w="25400" cap="flat" cmpd="sng" algn="ctr">
-          <a:solidFill>
-            <a:schemeClr val="accent1">
-              <a:alpha val="90000"/>
-              <a:tint val="40000"/>
-              <a:hueOff val="0"/>
-              <a:satOff val="0"/>
-              <a:lumOff val="0"/>
-              <a:alphaOff val="0"/>
-            </a:schemeClr>
-          </a:solidFill>
-          <a:prstDash val="solid"/>
-        </a:ln>
-        <a:effectLst/>
-      </dsp:spPr>
-      <dsp:style>
-        <a:lnRef idx="2">
-          <a:scrgbClr r="0" g="0" b="0"/>
-        </a:lnRef>
-        <a:fillRef idx="1">
-          <a:scrgbClr r="0" g="0" b="0"/>
-        </a:fillRef>
-        <a:effectRef idx="0">
-          <a:scrgbClr r="0" g="0" b="0"/>
-        </a:effectRef>
-        <a:fontRef idx="minor"/>
-      </dsp:style>
-      <dsp:txBody>
-        <a:bodyPr spcFirstLastPara="0" vert="horz" wrap="square" lIns="85344" tIns="15240" rIns="85344" bIns="15240" numCol="1" spcCol="1270" anchor="ctr" anchorCtr="0">
-          <a:noAutofit/>
-        </a:bodyPr>
-        <a:lstStyle/>
-        <a:p>
-          <a:pPr lvl="0" algn="ctr" defTabSz="533400">
-            <a:lnSpc>
-              <a:spcPct val="90000"/>
-            </a:lnSpc>
-            <a:spcBef>
-              <a:spcPct val="0"/>
-            </a:spcBef>
-            <a:spcAft>
-              <a:spcPct val="35000"/>
-            </a:spcAft>
-          </a:pPr>
-          <a:r>
-            <a:rPr lang="en-US" sz="1200" kern="1200" dirty="0" smtClean="0"/>
-            <a:t>b9a00ac2-78f2-4551-82ba-bb87d5dfff43</a:t>
-          </a:r>
-        </a:p>
-      </dsp:txBody>
-      <dsp:txXfrm>
-        <a:off x="1080647" y="829532"/>
-        <a:ext cx="1079065" cy="733816"/>
-      </dsp:txXfrm>
-    </dsp:sp>
-    <dsp:sp modelId="{15CB6101-9D66-43DB-9447-0F2A9C6FB0A0}">
-      <dsp:nvSpPr>
-        <dsp:cNvPr id="0" name=""/>
-        <dsp:cNvSpPr/>
-      </dsp:nvSpPr>
-      <dsp:spPr>
-        <a:xfrm>
-          <a:off x="2159712" y="829532"/>
-          <a:ext cx="1079065" cy="733816"/>
-        </a:xfrm>
-        <a:prstGeom prst="rect">
-          <a:avLst/>
-        </a:prstGeom>
-        <a:solidFill>
-          <a:schemeClr val="accent1">
-            <a:alpha val="90000"/>
-            <a:tint val="40000"/>
-            <a:hueOff val="0"/>
-            <a:satOff val="0"/>
-            <a:lumOff val="0"/>
-            <a:alphaOff val="0"/>
-          </a:schemeClr>
-        </a:solidFill>
-        <a:ln w="25400" cap="flat" cmpd="sng" algn="ctr">
-          <a:solidFill>
-            <a:schemeClr val="accent1">
-              <a:alpha val="90000"/>
-              <a:tint val="40000"/>
-              <a:hueOff val="0"/>
-              <a:satOff val="0"/>
-              <a:lumOff val="0"/>
-              <a:alphaOff val="0"/>
-            </a:schemeClr>
-          </a:solidFill>
-          <a:prstDash val="solid"/>
-        </a:ln>
-        <a:effectLst/>
-      </dsp:spPr>
-      <dsp:style>
-        <a:lnRef idx="2">
-          <a:scrgbClr r="0" g="0" b="0"/>
-        </a:lnRef>
-        <a:fillRef idx="1">
-          <a:scrgbClr r="0" g="0" b="0"/>
-        </a:fillRef>
-        <a:effectRef idx="0">
-          <a:scrgbClr r="0" g="0" b="0"/>
-        </a:effectRef>
-        <a:fontRef idx="minor"/>
-      </dsp:style>
-      <dsp:txBody>
-        <a:bodyPr spcFirstLastPara="0" vert="horz" wrap="square" lIns="85344" tIns="15240" rIns="85344" bIns="15240" numCol="1" spcCol="1270" anchor="ctr" anchorCtr="0">
-          <a:noAutofit/>
-        </a:bodyPr>
-        <a:lstStyle/>
-        <a:p>
-          <a:pPr lvl="0" algn="ctr" defTabSz="533400">
-            <a:lnSpc>
-              <a:spcPct val="90000"/>
-            </a:lnSpc>
-            <a:spcBef>
-              <a:spcPct val="0"/>
-            </a:spcBef>
-            <a:spcAft>
-              <a:spcPct val="35000"/>
-            </a:spcAft>
-          </a:pPr>
-          <a:r>
-            <a:rPr lang="en-US" sz="1200" kern="1200" dirty="0" smtClean="0"/>
-            <a:t>Confirmation</a:t>
-          </a:r>
-        </a:p>
-      </dsp:txBody>
-      <dsp:txXfrm>
-        <a:off x="2159712" y="829532"/>
-        <a:ext cx="1079065" cy="733816"/>
-      </dsp:txXfrm>
-    </dsp:sp>
-  </dsp:spTree>
-</dsp:drawing>
-</file>
-
-<file path=ppt/diagrams/layout1.xml><?xml version="1.0" encoding="utf-8"?>
-<dgm:layoutDef xmlns:dgm="http://schemas.openxmlformats.org/drawingml/2006/diagram" xmlns:a="http://schemas.openxmlformats.org/drawingml/2006/main" uniqueId="urn:microsoft.com/office/officeart/2005/8/layout/process4">
-  <dgm:title val=""/>
-  <dgm:desc val=""/>
-  <dgm:catLst>
-    <dgm:cat type="process" pri="16000"/>
-    <dgm:cat type="list" pri="20000"/>
-  </dgm:catLst>
-  <dgm:sampData>
-    <dgm:dataModel>
-      <dgm:ptLst>
-        <dgm:pt modelId="0" type="doc"/>
-        <dgm:pt modelId="1">
-          <dgm:prSet phldr="1"/>
-        </dgm:pt>
-        <dgm:pt modelId="11">
-          <dgm:prSet phldr="1"/>
-        </dgm:pt>
-        <dgm:pt modelId="12">
-          <dgm:prSet phldr="1"/>
-        </dgm:pt>
-        <dgm:pt modelId="2">
-          <dgm:prSet phldr="1"/>
-        </dgm:pt>
-        <dgm:pt modelId="21">
-          <dgm:prSet phldr="1"/>
-        </dgm:pt>
-        <dgm:pt modelId="22">
-          <dgm:prSet phldr="1"/>
-        </dgm:pt>
-        <dgm:pt modelId="3">
-          <dgm:prSet phldr="1"/>
-        </dgm:pt>
-        <dgm:pt modelId="31">
-          <dgm:prSet phldr="1"/>
-        </dgm:pt>
-        <dgm:pt modelId="32">
-          <dgm:prSet phldr="1"/>
-        </dgm:pt>
-      </dgm:ptLst>
-      <dgm:cxnLst>
-        <dgm:cxn modelId="4" srcId="0" destId="1" srcOrd="0" destOrd="0"/>
-        <dgm:cxn modelId="5" srcId="0" destId="2" srcOrd="1" destOrd="0"/>
-        <dgm:cxn modelId="6" srcId="0" destId="3" srcOrd="2" destOrd="0"/>
-        <dgm:cxn modelId="13" srcId="1" destId="11" srcOrd="0" destOrd="0"/>
-        <dgm:cxn modelId="14" srcId="1" destId="12" srcOrd="1" destOrd="0"/>
-        <dgm:cxn modelId="23" srcId="2" destId="21" srcOrd="0" destOrd="0"/>
-        <dgm:cxn modelId="24" srcId="2" destId="22" srcOrd="1" destOrd="0"/>
-        <dgm:cxn modelId="33" srcId="3" destId="31" srcOrd="0" destOrd="0"/>
-        <dgm:cxn modelId="34" srcId="3" destId="32" srcOrd="1" destOrd="0"/>
-      </dgm:cxnLst>
-      <dgm:bg/>
-      <dgm:whole/>
-    </dgm:dataModel>
-  </dgm:sampData>
-  <dgm:styleData>
-    <dgm:dataModel>
-      <dgm:ptLst>
-        <dgm:pt modelId="0" type="doc"/>
-        <dgm:pt modelId="1"/>
-        <dgm:pt modelId="11"/>
-        <dgm:pt modelId="2"/>
-        <dgm:pt modelId="21"/>
-      </dgm:ptLst>
-      <dgm:cxnLst>
-        <dgm:cxn modelId="4" srcId="0" destId="1" srcOrd="0" destOrd="0"/>
-        <dgm:cxn modelId="5" srcId="0" destId="2" srcOrd="1" destOrd="0"/>
-        <dgm:cxn modelId="13" srcId="1" destId="11" srcOrd="0" destOrd="0"/>
-        <dgm:cxn modelId="23" srcId="2" destId="21" srcOrd="0" destOrd="0"/>
-      </dgm:cxnLst>
-      <dgm:bg/>
-      <dgm:whole/>
-    </dgm:dataModel>
-  </dgm:styleData>
-  <dgm:clrData>
-    <dgm:dataModel>
-      <dgm:ptLst>
-        <dgm:pt modelId="0" type="doc"/>
-        <dgm:pt modelId="1"/>
-        <dgm:pt modelId="11"/>
-        <dgm:pt modelId="2"/>
-        <dgm:pt modelId="21"/>
-        <dgm:pt modelId="3"/>
-        <dgm:pt modelId="31"/>
-        <dgm:pt modelId="4"/>
-        <dgm:pt modelId="41"/>
-      </dgm:ptLst>
-      <dgm:cxnLst>
-        <dgm:cxn modelId="5" srcId="0" destId="1" srcOrd="0" destOrd="0"/>
-        <dgm:cxn modelId="6" srcId="0" destId="2" srcOrd="1" destOrd="0"/>
-        <dgm:cxn modelId="7" srcId="0" destId="3" srcOrd="2" destOrd="0"/>
-        <dgm:cxn modelId="8" srcId="0" destId="4" srcOrd="3" destOrd="0"/>
-        <dgm:cxn modelId="13" srcId="1" destId="11" srcOrd="0" destOrd="0"/>
-        <dgm:cxn modelId="23" srcId="2" destId="21" srcOrd="0" destOrd="0"/>
-        <dgm:cxn modelId="33" srcId="3" destId="31" srcOrd="0" destOrd="0"/>
-        <dgm:cxn modelId="43" srcId="4" destId="41" srcOrd="0" destOrd="0"/>
-      </dgm:cxnLst>
-      <dgm:bg/>
-      <dgm:whole/>
-    </dgm:dataModel>
-  </dgm:clrData>
-  <dgm:layoutNode name="Name0">
-    <dgm:varLst>
-      <dgm:dir/>
-      <dgm:animLvl val="lvl"/>
-      <dgm:resizeHandles val="exact"/>
-    </dgm:varLst>
-    <dgm:alg type="lin">
-      <dgm:param type="linDir" val="fromB"/>
-    </dgm:alg>
-    <dgm:shape xmlns:r="http://schemas.openxmlformats.org/officeDocument/2006/relationships" r:blip="">
-      <dgm:adjLst/>
-    </dgm:shape>
-    <dgm:presOf/>
-    <dgm:constrLst>
-      <dgm:constr type="h" for="ch" forName="boxAndChildren" refType="h"/>
-      <dgm:constr type="h" for="ch" forName="arrowAndChildren" refType="h" refFor="ch" refForName="boxAndChildren" op="equ" fact="1.538"/>
-      <dgm:constr type="w" for="ch" forName="arrowAndChildren" refType="w"/>
-      <dgm:constr type="w" for="ch" forName="boxAndChildren" refType="w"/>
-      <dgm:constr type="h" for="ch" forName="sp" refType="h" fact="-0.015"/>
-      <dgm:constr type="primFontSz" for="des" forName="parentTextBox" val="65"/>
-      <dgm:constr type="primFontSz" for="des" forName="parentTextArrow" refType="primFontSz" refFor="des" refForName="parentTextBox" op="equ"/>
-      <dgm:constr type="primFontSz" for="des" forName="childTextArrow" val="65"/>
-      <dgm:constr type="primFontSz" for="des" forName="childTextBox" refType="primFontSz" refFor="des" refForName="childTextArrow" op="equ"/>
-    </dgm:constrLst>
-    <dgm:ruleLst/>
-    <dgm:forEach name="Name1" axis="ch" ptType="node" st="-1" step="-1">
-      <dgm:choose name="Name2">
-        <dgm:if name="Name3" axis="self" ptType="node" func="revPos" op="equ" val="1">
-          <dgm:layoutNode name="boxAndChildren">
-            <dgm:alg type="composite"/>
-            <dgm:shape xmlns:r="http://schemas.openxmlformats.org/officeDocument/2006/relationships" r:blip="">
-              <dgm:adjLst/>
-            </dgm:shape>
-            <dgm:presOf/>
-            <dgm:choose name="Name4">
-              <dgm:if name="Name5" axis="ch" ptType="node" func="cnt" op="gte" val="1">
-                <dgm:constrLst>
-                  <dgm:constr type="w" for="ch" forName="parentTextBox" refType="w"/>
-                  <dgm:constr type="h" for="ch" forName="parentTextBox" refType="h" fact="0.54"/>
-                  <dgm:constr type="t" for="ch" forName="parentTextBox"/>
-                  <dgm:constr type="w" for="ch" forName="entireBox" refType="w"/>
-                  <dgm:constr type="h" for="ch" forName="entireBox" refType="h"/>
-                  <dgm:constr type="w" for="ch" forName="descendantBox" refType="w"/>
-                  <dgm:constr type="b" for="ch" forName="descendantBox" refType="h" fact="0.98"/>
-                  <dgm:constr type="h" for="ch" forName="descendantBox" refType="h" fact="0.46"/>
-                </dgm:constrLst>
-              </dgm:if>
-              <dgm:else name="Name6">
-                <dgm:constrLst>
-                  <dgm:constr type="w" for="ch" forName="parentTextBox" refType="w"/>
-                  <dgm:constr type="h" for="ch" forName="parentTextBox" refType="h"/>
-                </dgm:constrLst>
-              </dgm:else>
-            </dgm:choose>
-            <dgm:ruleLst/>
-            <dgm:layoutNode name="parentTextBox">
-              <dgm:alg type="tx"/>
-              <dgm:choose name="Name7">
-                <dgm:if name="Name8" axis="ch" ptType="node" func="cnt" op="gte" val="1">
-                  <dgm:shape xmlns:r="http://schemas.openxmlformats.org/officeDocument/2006/relationships" type="rect" r:blip="" zOrderOff="1" hideGeom="1">
-                    <dgm:adjLst/>
-                  </dgm:shape>
-                </dgm:if>
-                <dgm:else name="Name9">
-                  <dgm:shape xmlns:r="http://schemas.openxmlformats.org/officeDocument/2006/relationships" type="rect" r:blip="">
-                    <dgm:adjLst/>
-                  </dgm:shape>
-                </dgm:else>
-              </dgm:choose>
-              <dgm:presOf axis="self"/>
-              <dgm:constrLst/>
-              <dgm:ruleLst>
-                <dgm:rule type="primFontSz" val="5" fact="NaN" max="NaN"/>
-              </dgm:ruleLst>
-            </dgm:layoutNode>
-            <dgm:choose name="Name10">
-              <dgm:if name="Name11" axis="ch" ptType="node" func="cnt" op="gte" val="1">
-                <dgm:layoutNode name="entireBox">
-                  <dgm:alg type="sp"/>
-                  <dgm:shape xmlns:r="http://schemas.openxmlformats.org/officeDocument/2006/relationships" type="rect" r:blip="">
-                    <dgm:adjLst/>
-                  </dgm:shape>
-                  <dgm:presOf axis="self"/>
-                  <dgm:constrLst/>
-                  <dgm:ruleLst/>
-                </dgm:layoutNode>
-                <dgm:layoutNode name="descendantBox" styleLbl="fgAccFollowNode1">
-                  <dgm:choose name="Name12">
-                    <dgm:if name="Name13" func="var" arg="dir" op="equ" val="norm">
-                      <dgm:alg type="lin"/>
-                    </dgm:if>
-                    <dgm:else name="Name14">
-                      <dgm:alg type="lin">
-                        <dgm:param type="linDir" val="fromR"/>
-                      </dgm:alg>
-                    </dgm:else>
-                  </dgm:choose>
-                  <dgm:shape xmlns:r="http://schemas.openxmlformats.org/officeDocument/2006/relationships" r:blip="">
-                    <dgm:adjLst/>
-                  </dgm:shape>
-                  <dgm:presOf/>
-                  <dgm:constrLst>
-                    <dgm:constr type="w" for="ch" forName="childTextBox" refType="w"/>
-                    <dgm:constr type="h" for="ch" forName="childTextBox" refType="h"/>
-                  </dgm:constrLst>
-                  <dgm:ruleLst/>
-                  <dgm:forEach name="Name15" axis="ch" ptType="node">
-                    <dgm:layoutNode name="childTextBox" styleLbl="fgAccFollowNode1">
-                      <dgm:varLst>
-                        <dgm:bulletEnabled val="1"/>
-                      </dgm:varLst>
-                      <dgm:alg type="tx"/>
-                      <dgm:shape xmlns:r="http://schemas.openxmlformats.org/officeDocument/2006/relationships" type="rect" r:blip="">
-                        <dgm:adjLst/>
-                      </dgm:shape>
-                      <dgm:presOf axis="desOrSelf" ptType="node"/>
-                      <dgm:constrLst>
-                        <dgm:constr type="tMarg" refType="primFontSz" fact="0.1"/>
-                        <dgm:constr type="bMarg" refType="primFontSz" fact="0.1"/>
-                      </dgm:constrLst>
-                      <dgm:ruleLst>
-                        <dgm:rule type="primFontSz" val="5" fact="NaN" max="NaN"/>
-                      </dgm:ruleLst>
-                    </dgm:layoutNode>
-                  </dgm:forEach>
-                </dgm:layoutNode>
-              </dgm:if>
-              <dgm:else name="Name16"/>
-            </dgm:choose>
-          </dgm:layoutNode>
-        </dgm:if>
-        <dgm:else name="Name17">
-          <dgm:layoutNode name="arrowAndChildren">
-            <dgm:alg type="composite"/>
-            <dgm:shape xmlns:r="http://schemas.openxmlformats.org/officeDocument/2006/relationships" r:blip="">
-              <dgm:adjLst/>
-            </dgm:shape>
-            <dgm:presOf/>
-            <dgm:choose name="Name18">
-              <dgm:if name="Name19" axis="ch" ptType="node" func="cnt" op="gte" val="1">
-                <dgm:constrLst>
-                  <dgm:constr type="w" for="ch" forName="parentTextArrow" refType="w"/>
-                  <dgm:constr type="t" for="ch" forName="parentTextArrow"/>
-                  <dgm:constr type="h" for="ch" forName="parentTextArrow" refType="h" fact="0.351"/>
-                  <dgm:constr type="w" for="ch" forName="arrow" refType="w"/>
-                  <dgm:constr type="h" for="ch" forName="arrow" refType="h"/>
-                  <dgm:constr type="w" for="ch" forName="descendantArrow" refType="w"/>
-                  <dgm:constr type="b" for="ch" forName="descendantArrow" refType="h" fact="0.65"/>
-                  <dgm:constr type="h" for="ch" forName="descendantArrow" refType="h" fact="0.299"/>
-                </dgm:constrLst>
-              </dgm:if>
-              <dgm:else name="Name20">
-                <dgm:constrLst>
-                  <dgm:constr type="w" for="ch" forName="parentTextArrow" refType="w"/>
-                  <dgm:constr type="h" for="ch" forName="parentTextArrow" refType="h"/>
-                </dgm:constrLst>
-              </dgm:else>
-            </dgm:choose>
-            <dgm:ruleLst/>
-            <dgm:layoutNode name="parentTextArrow">
-              <dgm:alg type="tx"/>
-              <dgm:choose name="Name21">
-                <dgm:if name="Name22" axis="ch" ptType="node" func="cnt" op="gte" val="1">
-                  <dgm:shape xmlns:r="http://schemas.openxmlformats.org/officeDocument/2006/relationships" type="rect" r:blip="" zOrderOff="1" hideGeom="1">
-                    <dgm:adjLst/>
-                  </dgm:shape>
-                </dgm:if>
-                <dgm:else name="Name23">
-                  <dgm:shape xmlns:r="http://schemas.openxmlformats.org/officeDocument/2006/relationships" rot="180" type="upArrowCallout" r:blip="">
-                    <dgm:adjLst/>
-                  </dgm:shape>
-                </dgm:else>
-              </dgm:choose>
-              <dgm:presOf axis="self"/>
-              <dgm:constrLst/>
-              <dgm:ruleLst>
-                <dgm:rule type="primFontSz" val="5" fact="NaN" max="NaN"/>
-              </dgm:ruleLst>
-            </dgm:layoutNode>
-            <dgm:choose name="Name24">
-              <dgm:if name="Name25" axis="ch" ptType="node" func="cnt" op="gte" val="1">
-                <dgm:layoutNode name="arrow">
-                  <dgm:alg type="sp"/>
-                  <dgm:shape xmlns:r="http://schemas.openxmlformats.org/officeDocument/2006/relationships" rot="180" type="upArrowCallout" r:blip="">
-                    <dgm:adjLst/>
-                  </dgm:shape>
-                  <dgm:presOf axis="self"/>
-                  <dgm:constrLst/>
-                  <dgm:ruleLst/>
-                </dgm:layoutNode>
-                <dgm:layoutNode name="descendantArrow">
-                  <dgm:choose name="Name26">
-                    <dgm:if name="Name27" func="var" arg="dir" op="equ" val="norm">
-                      <dgm:alg type="lin"/>
-                    </dgm:if>
-                    <dgm:else name="Name28">
-                      <dgm:alg type="lin">
-                        <dgm:param type="linDir" val="fromR"/>
-                      </dgm:alg>
-                    </dgm:else>
-                  </dgm:choose>
-                  <dgm:shape xmlns:r="http://schemas.openxmlformats.org/officeDocument/2006/relationships" r:blip="">
-                    <dgm:adjLst/>
-                  </dgm:shape>
-                  <dgm:presOf/>
-                  <dgm:constrLst>
-                    <dgm:constr type="w" for="ch" forName="childTextArrow" refType="w"/>
-                    <dgm:constr type="h" for="ch" forName="childTextArrow" refType="h"/>
-                  </dgm:constrLst>
-                  <dgm:ruleLst/>
-                  <dgm:forEach name="Name29" axis="ch" ptType="node">
-                    <dgm:layoutNode name="childTextArrow" styleLbl="fgAccFollowNode1">
-                      <dgm:varLst>
-                        <dgm:bulletEnabled val="1"/>
-                      </dgm:varLst>
-                      <dgm:alg type="tx"/>
-                      <dgm:shape xmlns:r="http://schemas.openxmlformats.org/officeDocument/2006/relationships" type="rect" r:blip="">
-                        <dgm:adjLst/>
-                      </dgm:shape>
-                      <dgm:presOf axis="desOrSelf" ptType="node"/>
-                      <dgm:constrLst>
-                        <dgm:constr type="tMarg" refType="primFontSz" fact="0.1"/>
-                        <dgm:constr type="bMarg" refType="primFontSz" fact="0.1"/>
-                      </dgm:constrLst>
-                      <dgm:ruleLst>
-                        <dgm:rule type="primFontSz" val="5" fact="NaN" max="NaN"/>
-                      </dgm:ruleLst>
-                    </dgm:layoutNode>
-                  </dgm:forEach>
-                </dgm:layoutNode>
-              </dgm:if>
-              <dgm:else name="Name30"/>
-            </dgm:choose>
-          </dgm:layoutNode>
-        </dgm:else>
-      </dgm:choose>
-      <dgm:forEach name="Name31" axis="precedSib" ptType="sibTrans" st="-1" cnt="1">
-        <dgm:layoutNode name="sp">
-          <dgm:alg type="sp"/>
-          <dgm:shape xmlns:r="http://schemas.openxmlformats.org/officeDocument/2006/relationships" r:blip="">
-            <dgm:adjLst/>
-          </dgm:shape>
-          <dgm:presOf axis="self"/>
-          <dgm:constrLst/>
-          <dgm:ruleLst/>
-        </dgm:layoutNode>
-      </dgm:forEach>
-    </dgm:forEach>
-  </dgm:layoutNode>
-</dgm:layoutDef>
-</file>
-
-<file path=ppt/diagrams/layout2.xml><?xml version="1.0" encoding="utf-8"?>
-<dgm:layoutDef xmlns:dgm="http://schemas.openxmlformats.org/drawingml/2006/diagram" xmlns:a="http://schemas.openxmlformats.org/drawingml/2006/main" uniqueId="urn:microsoft.com/office/officeart/2005/8/layout/process4">
-  <dgm:title val=""/>
-  <dgm:desc val=""/>
-  <dgm:catLst>
-    <dgm:cat type="process" pri="16000"/>
-    <dgm:cat type="list" pri="20000"/>
-  </dgm:catLst>
-  <dgm:sampData>
-    <dgm:dataModel>
-      <dgm:ptLst>
-        <dgm:pt modelId="0" type="doc"/>
-        <dgm:pt modelId="1">
-          <dgm:prSet phldr="1"/>
-        </dgm:pt>
-        <dgm:pt modelId="11">
-          <dgm:prSet phldr="1"/>
-        </dgm:pt>
-        <dgm:pt modelId="12">
-          <dgm:prSet phldr="1"/>
-        </dgm:pt>
-        <dgm:pt modelId="2">
-          <dgm:prSet phldr="1"/>
-        </dgm:pt>
-        <dgm:pt modelId="21">
-          <dgm:prSet phldr="1"/>
-        </dgm:pt>
-        <dgm:pt modelId="22">
-          <dgm:prSet phldr="1"/>
-        </dgm:pt>
-        <dgm:pt modelId="3">
-          <dgm:prSet phldr="1"/>
-        </dgm:pt>
-        <dgm:pt modelId="31">
-          <dgm:prSet phldr="1"/>
-        </dgm:pt>
-        <dgm:pt modelId="32">
-          <dgm:prSet phldr="1"/>
-        </dgm:pt>
-      </dgm:ptLst>
-      <dgm:cxnLst>
-        <dgm:cxn modelId="4" srcId="0" destId="1" srcOrd="0" destOrd="0"/>
-        <dgm:cxn modelId="5" srcId="0" destId="2" srcOrd="1" destOrd="0"/>
-        <dgm:cxn modelId="6" srcId="0" destId="3" srcOrd="2" destOrd="0"/>
-        <dgm:cxn modelId="13" srcId="1" destId="11" srcOrd="0" destOrd="0"/>
-        <dgm:cxn modelId="14" srcId="1" destId="12" srcOrd="1" destOrd="0"/>
-        <dgm:cxn modelId="23" srcId="2" destId="21" srcOrd="0" destOrd="0"/>
-        <dgm:cxn modelId="24" srcId="2" destId="22" srcOrd="1" destOrd="0"/>
-        <dgm:cxn modelId="33" srcId="3" destId="31" srcOrd="0" destOrd="0"/>
-        <dgm:cxn modelId="34" srcId="3" destId="32" srcOrd="1" destOrd="0"/>
-      </dgm:cxnLst>
-      <dgm:bg/>
-      <dgm:whole/>
-    </dgm:dataModel>
-  </dgm:sampData>
-  <dgm:styleData>
-    <dgm:dataModel>
-      <dgm:ptLst>
-        <dgm:pt modelId="0" type="doc"/>
-        <dgm:pt modelId="1"/>
-        <dgm:pt modelId="11"/>
-        <dgm:pt modelId="2"/>
-        <dgm:pt modelId="21"/>
-      </dgm:ptLst>
-      <dgm:cxnLst>
-        <dgm:cxn modelId="4" srcId="0" destId="1" srcOrd="0" destOrd="0"/>
-        <dgm:cxn modelId="5" srcId="0" destId="2" srcOrd="1" destOrd="0"/>
-        <dgm:cxn modelId="13" srcId="1" destId="11" srcOrd="0" destOrd="0"/>
-        <dgm:cxn modelId="23" srcId="2" destId="21" srcOrd="0" destOrd="0"/>
-      </dgm:cxnLst>
-      <dgm:bg/>
-      <dgm:whole/>
-    </dgm:dataModel>
-  </dgm:styleData>
-  <dgm:clrData>
-    <dgm:dataModel>
-      <dgm:ptLst>
-        <dgm:pt modelId="0" type="doc"/>
-        <dgm:pt modelId="1"/>
-        <dgm:pt modelId="11"/>
-        <dgm:pt modelId="2"/>
-        <dgm:pt modelId="21"/>
-        <dgm:pt modelId="3"/>
-        <dgm:pt modelId="31"/>
-        <dgm:pt modelId="4"/>
-        <dgm:pt modelId="41"/>
-      </dgm:ptLst>
-      <dgm:cxnLst>
-        <dgm:cxn modelId="5" srcId="0" destId="1" srcOrd="0" destOrd="0"/>
-        <dgm:cxn modelId="6" srcId="0" destId="2" srcOrd="1" destOrd="0"/>
-        <dgm:cxn modelId="7" srcId="0" destId="3" srcOrd="2" destOrd="0"/>
-        <dgm:cxn modelId="8" srcId="0" destId="4" srcOrd="3" destOrd="0"/>
-        <dgm:cxn modelId="13" srcId="1" destId="11" srcOrd="0" destOrd="0"/>
-        <dgm:cxn modelId="23" srcId="2" destId="21" srcOrd="0" destOrd="0"/>
-        <dgm:cxn modelId="33" srcId="3" destId="31" srcOrd="0" destOrd="0"/>
-        <dgm:cxn modelId="43" srcId="4" destId="41" srcOrd="0" destOrd="0"/>
-      </dgm:cxnLst>
-      <dgm:bg/>
-      <dgm:whole/>
-    </dgm:dataModel>
-  </dgm:clrData>
-  <dgm:layoutNode name="Name0">
-    <dgm:varLst>
-      <dgm:dir/>
-      <dgm:animLvl val="lvl"/>
-      <dgm:resizeHandles val="exact"/>
-    </dgm:varLst>
-    <dgm:alg type="lin">
-      <dgm:param type="linDir" val="fromB"/>
-    </dgm:alg>
-    <dgm:shape xmlns:r="http://schemas.openxmlformats.org/officeDocument/2006/relationships" r:blip="">
-      <dgm:adjLst/>
-    </dgm:shape>
-    <dgm:presOf/>
-    <dgm:constrLst>
-      <dgm:constr type="h" for="ch" forName="boxAndChildren" refType="h"/>
-      <dgm:constr type="h" for="ch" forName="arrowAndChildren" refType="h" refFor="ch" refForName="boxAndChildren" op="equ" fact="1.538"/>
-      <dgm:constr type="w" for="ch" forName="arrowAndChildren" refType="w"/>
-      <dgm:constr type="w" for="ch" forName="boxAndChildren" refType="w"/>
-      <dgm:constr type="h" for="ch" forName="sp" refType="h" fact="-0.015"/>
-      <dgm:constr type="primFontSz" for="des" forName="parentTextBox" val="65"/>
-      <dgm:constr type="primFontSz" for="des" forName="parentTextArrow" refType="primFontSz" refFor="des" refForName="parentTextBox" op="equ"/>
-      <dgm:constr type="primFontSz" for="des" forName="childTextArrow" val="65"/>
-      <dgm:constr type="primFontSz" for="des" forName="childTextBox" refType="primFontSz" refFor="des" refForName="childTextArrow" op="equ"/>
-    </dgm:constrLst>
-    <dgm:ruleLst/>
-    <dgm:forEach name="Name1" axis="ch" ptType="node" st="-1" step="-1">
-      <dgm:choose name="Name2">
-        <dgm:if name="Name3" axis="self" ptType="node" func="revPos" op="equ" val="1">
-          <dgm:layoutNode name="boxAndChildren">
-            <dgm:alg type="composite"/>
-            <dgm:shape xmlns:r="http://schemas.openxmlformats.org/officeDocument/2006/relationships" r:blip="">
-              <dgm:adjLst/>
-            </dgm:shape>
-            <dgm:presOf/>
-            <dgm:choose name="Name4">
-              <dgm:if name="Name5" axis="ch" ptType="node" func="cnt" op="gte" val="1">
-                <dgm:constrLst>
-                  <dgm:constr type="w" for="ch" forName="parentTextBox" refType="w"/>
-                  <dgm:constr type="h" for="ch" forName="parentTextBox" refType="h" fact="0.54"/>
-                  <dgm:constr type="t" for="ch" forName="parentTextBox"/>
-                  <dgm:constr type="w" for="ch" forName="entireBox" refType="w"/>
-                  <dgm:constr type="h" for="ch" forName="entireBox" refType="h"/>
-                  <dgm:constr type="w" for="ch" forName="descendantBox" refType="w"/>
-                  <dgm:constr type="b" for="ch" forName="descendantBox" refType="h" fact="0.98"/>
-                  <dgm:constr type="h" for="ch" forName="descendantBox" refType="h" fact="0.46"/>
-                </dgm:constrLst>
-              </dgm:if>
-              <dgm:else name="Name6">
-                <dgm:constrLst>
-                  <dgm:constr type="w" for="ch" forName="parentTextBox" refType="w"/>
-                  <dgm:constr type="h" for="ch" forName="parentTextBox" refType="h"/>
-                </dgm:constrLst>
-              </dgm:else>
-            </dgm:choose>
-            <dgm:ruleLst/>
-            <dgm:layoutNode name="parentTextBox">
-              <dgm:alg type="tx"/>
-              <dgm:choose name="Name7">
-                <dgm:if name="Name8" axis="ch" ptType="node" func="cnt" op="gte" val="1">
-                  <dgm:shape xmlns:r="http://schemas.openxmlformats.org/officeDocument/2006/relationships" type="rect" r:blip="" zOrderOff="1" hideGeom="1">
-                    <dgm:adjLst/>
-                  </dgm:shape>
-                </dgm:if>
-                <dgm:else name="Name9">
-                  <dgm:shape xmlns:r="http://schemas.openxmlformats.org/officeDocument/2006/relationships" type="rect" r:blip="">
-                    <dgm:adjLst/>
-                  </dgm:shape>
-                </dgm:else>
-              </dgm:choose>
-              <dgm:presOf axis="self"/>
-              <dgm:constrLst/>
-              <dgm:ruleLst>
-                <dgm:rule type="primFontSz" val="5" fact="NaN" max="NaN"/>
-              </dgm:ruleLst>
-            </dgm:layoutNode>
-            <dgm:choose name="Name10">
-              <dgm:if name="Name11" axis="ch" ptType="node" func="cnt" op="gte" val="1">
-                <dgm:layoutNode name="entireBox">
-                  <dgm:alg type="sp"/>
-                  <dgm:shape xmlns:r="http://schemas.openxmlformats.org/officeDocument/2006/relationships" type="rect" r:blip="">
-                    <dgm:adjLst/>
-                  </dgm:shape>
-                  <dgm:presOf axis="self"/>
-                  <dgm:constrLst/>
-                  <dgm:ruleLst/>
-                </dgm:layoutNode>
-                <dgm:layoutNode name="descendantBox" styleLbl="fgAccFollowNode1">
-                  <dgm:choose name="Name12">
-                    <dgm:if name="Name13" func="var" arg="dir" op="equ" val="norm">
-                      <dgm:alg type="lin"/>
-                    </dgm:if>
-                    <dgm:else name="Name14">
-                      <dgm:alg type="lin">
-                        <dgm:param type="linDir" val="fromR"/>
-                      </dgm:alg>
-                    </dgm:else>
-                  </dgm:choose>
-                  <dgm:shape xmlns:r="http://schemas.openxmlformats.org/officeDocument/2006/relationships" r:blip="">
-                    <dgm:adjLst/>
-                  </dgm:shape>
-                  <dgm:presOf/>
-                  <dgm:constrLst>
-                    <dgm:constr type="w" for="ch" forName="childTextBox" refType="w"/>
-                    <dgm:constr type="h" for="ch" forName="childTextBox" refType="h"/>
-                  </dgm:constrLst>
-                  <dgm:ruleLst/>
-                  <dgm:forEach name="Name15" axis="ch" ptType="node">
-                    <dgm:layoutNode name="childTextBox" styleLbl="fgAccFollowNode1">
-                      <dgm:varLst>
-                        <dgm:bulletEnabled val="1"/>
-                      </dgm:varLst>
-                      <dgm:alg type="tx"/>
-                      <dgm:shape xmlns:r="http://schemas.openxmlformats.org/officeDocument/2006/relationships" type="rect" r:blip="">
-                        <dgm:adjLst/>
-                      </dgm:shape>
-                      <dgm:presOf axis="desOrSelf" ptType="node"/>
-                      <dgm:constrLst>
-                        <dgm:constr type="tMarg" refType="primFontSz" fact="0.1"/>
-                        <dgm:constr type="bMarg" refType="primFontSz" fact="0.1"/>
-                      </dgm:constrLst>
-                      <dgm:ruleLst>
-                        <dgm:rule type="primFontSz" val="5" fact="NaN" max="NaN"/>
-                      </dgm:ruleLst>
-                    </dgm:layoutNode>
-                  </dgm:forEach>
-                </dgm:layoutNode>
-              </dgm:if>
-              <dgm:else name="Name16"/>
-            </dgm:choose>
-          </dgm:layoutNode>
-        </dgm:if>
-        <dgm:else name="Name17">
-          <dgm:layoutNode name="arrowAndChildren">
-            <dgm:alg type="composite"/>
-            <dgm:shape xmlns:r="http://schemas.openxmlformats.org/officeDocument/2006/relationships" r:blip="">
-              <dgm:adjLst/>
-            </dgm:shape>
-            <dgm:presOf/>
-            <dgm:choose name="Name18">
-              <dgm:if name="Name19" axis="ch" ptType="node" func="cnt" op="gte" val="1">
-                <dgm:constrLst>
-                  <dgm:constr type="w" for="ch" forName="parentTextArrow" refType="w"/>
-                  <dgm:constr type="t" for="ch" forName="parentTextArrow"/>
-                  <dgm:constr type="h" for="ch" forName="parentTextArrow" refType="h" fact="0.351"/>
-                  <dgm:constr type="w" for="ch" forName="arrow" refType="w"/>
-                  <dgm:constr type="h" for="ch" forName="arrow" refType="h"/>
-                  <dgm:constr type="w" for="ch" forName="descendantArrow" refType="w"/>
-                  <dgm:constr type="b" for="ch" forName="descendantArrow" refType="h" fact="0.65"/>
-                  <dgm:constr type="h" for="ch" forName="descendantArrow" refType="h" fact="0.299"/>
-                </dgm:constrLst>
-              </dgm:if>
-              <dgm:else name="Name20">
-                <dgm:constrLst>
-                  <dgm:constr type="w" for="ch" forName="parentTextArrow" refType="w"/>
-                  <dgm:constr type="h" for="ch" forName="parentTextArrow" refType="h"/>
-                </dgm:constrLst>
-              </dgm:else>
-            </dgm:choose>
-            <dgm:ruleLst/>
-            <dgm:layoutNode name="parentTextArrow">
-              <dgm:alg type="tx"/>
-              <dgm:choose name="Name21">
-                <dgm:if name="Name22" axis="ch" ptType="node" func="cnt" op="gte" val="1">
-                  <dgm:shape xmlns:r="http://schemas.openxmlformats.org/officeDocument/2006/relationships" type="rect" r:blip="" zOrderOff="1" hideGeom="1">
-                    <dgm:adjLst/>
-                  </dgm:shape>
-                </dgm:if>
-                <dgm:else name="Name23">
-                  <dgm:shape xmlns:r="http://schemas.openxmlformats.org/officeDocument/2006/relationships" rot="180" type="upArrowCallout" r:blip="">
-                    <dgm:adjLst/>
-                  </dgm:shape>
-                </dgm:else>
-              </dgm:choose>
-              <dgm:presOf axis="self"/>
-              <dgm:constrLst/>
-              <dgm:ruleLst>
-                <dgm:rule type="primFontSz" val="5" fact="NaN" max="NaN"/>
-              </dgm:ruleLst>
-            </dgm:layoutNode>
-            <dgm:choose name="Name24">
-              <dgm:if name="Name25" axis="ch" ptType="node" func="cnt" op="gte" val="1">
-                <dgm:layoutNode name="arrow">
-                  <dgm:alg type="sp"/>
-                  <dgm:shape xmlns:r="http://schemas.openxmlformats.org/officeDocument/2006/relationships" rot="180" type="upArrowCallout" r:blip="">
-                    <dgm:adjLst/>
-                  </dgm:shape>
-                  <dgm:presOf axis="self"/>
-                  <dgm:constrLst/>
-                  <dgm:ruleLst/>
-                </dgm:layoutNode>
-                <dgm:layoutNode name="descendantArrow">
-                  <dgm:choose name="Name26">
-                    <dgm:if name="Name27" func="var" arg="dir" op="equ" val="norm">
-                      <dgm:alg type="lin"/>
-                    </dgm:if>
-                    <dgm:else name="Name28">
-                      <dgm:alg type="lin">
-                        <dgm:param type="linDir" val="fromR"/>
-                      </dgm:alg>
-                    </dgm:else>
-                  </dgm:choose>
-                  <dgm:shape xmlns:r="http://schemas.openxmlformats.org/officeDocument/2006/relationships" r:blip="">
-                    <dgm:adjLst/>
-                  </dgm:shape>
-                  <dgm:presOf/>
-                  <dgm:constrLst>
-                    <dgm:constr type="w" for="ch" forName="childTextArrow" refType="w"/>
-                    <dgm:constr type="h" for="ch" forName="childTextArrow" refType="h"/>
-                  </dgm:constrLst>
-                  <dgm:ruleLst/>
-                  <dgm:forEach name="Name29" axis="ch" ptType="node">
-                    <dgm:layoutNode name="childTextArrow" styleLbl="fgAccFollowNode1">
-                      <dgm:varLst>
-                        <dgm:bulletEnabled val="1"/>
-                      </dgm:varLst>
-                      <dgm:alg type="tx"/>
-                      <dgm:shape xmlns:r="http://schemas.openxmlformats.org/officeDocument/2006/relationships" type="rect" r:blip="">
-                        <dgm:adjLst/>
-                      </dgm:shape>
-                      <dgm:presOf axis="desOrSelf" ptType="node"/>
-                      <dgm:constrLst>
-                        <dgm:constr type="tMarg" refType="primFontSz" fact="0.1"/>
-                        <dgm:constr type="bMarg" refType="primFontSz" fact="0.1"/>
-                      </dgm:constrLst>
-                      <dgm:ruleLst>
-                        <dgm:rule type="primFontSz" val="5" fact="NaN" max="NaN"/>
-                      </dgm:ruleLst>
-                    </dgm:layoutNode>
-                  </dgm:forEach>
-                </dgm:layoutNode>
-              </dgm:if>
-              <dgm:else name="Name30"/>
-            </dgm:choose>
-          </dgm:layoutNode>
-        </dgm:else>
-      </dgm:choose>
-      <dgm:forEach name="Name31" axis="precedSib" ptType="sibTrans" st="-1" cnt="1">
-        <dgm:layoutNode name="sp">
-          <dgm:alg type="sp"/>
-          <dgm:shape xmlns:r="http://schemas.openxmlformats.org/officeDocument/2006/relationships" r:blip="">
-            <dgm:adjLst/>
-          </dgm:shape>
-          <dgm:presOf axis="self"/>
-          <dgm:constrLst/>
-          <dgm:ruleLst/>
-        </dgm:layoutNode>
-      </dgm:forEach>
-    </dgm:forEach>
-  </dgm:layoutNode>
-</dgm:layoutDef>
-</file>
-
-<file path=ppt/diagrams/quickStyle1.xml><?xml version="1.0" encoding="utf-8"?>
-<dgm:styleDef xmlns:dgm="http://schemas.openxmlformats.org/drawingml/2006/diagram" xmlns:a="http://schemas.openxmlformats.org/drawingml/2006/main" uniqueId="urn:microsoft.com/office/officeart/2005/8/quickstyle/simple1">
-  <dgm:title val=""/>
-  <dgm:desc val=""/>
-  <dgm:catLst>
-    <dgm:cat type="simple" pri="10100"/>
-  </dgm:catLst>
-  <dgm:scene3d>
-    <a:camera prst="orthographicFront"/>
-    <a:lightRig rig="threePt" dir="t"/>
-  </dgm:scene3d>
-  <dgm:styleLbl name="node0">
-    <dgm:scene3d>
-      <a:camera prst="orthographicFront"/>
-      <a:lightRig rig="threePt" dir="t"/>
-    </dgm:scene3d>
-    <dgm:sp3d/>
-    <dgm:txPr/>
-    <dgm:style>
-      <a:lnRef idx="2">
-        <a:scrgbClr r="0" g="0" b="0"/>
-      </a:lnRef>
-      <a:fillRef idx="1">
-        <a:scrgbClr r="0" g="0" b="0"/>
-      </a:fillRef>
-      <a:effectRef idx="0">
-        <a:scrgbClr r="0" g="0" b="0"/>
-      </a:effectRef>
-      <a:fontRef idx="minor">
-        <a:schemeClr val="lt1"/>
-      </a:fontRef>
-    </dgm:style>
-  </dgm:styleLbl>
-  <dgm:styleLbl name="lnNode1">
-    <dgm:scene3d>
-      <a:camera prst="orthographicFront"/>
-      <a:lightRig rig="threePt" dir="t"/>
-    </dgm:scene3d>
-    <dgm:sp3d/>
-    <dgm:txPr/>
-    <dgm:style>
-      <a:lnRef idx="2">
-        <a:scrgbClr r="0" g="0" b="0"/>
-      </a:lnRef>
-      <a:fillRef idx="1">
-        <a:scrgbClr r="0" g="0" b="0"/>
-      </a:fillRef>
-      <a:effectRef idx="0">
-        <a:scrgbClr r="0" g="0" b="0"/>
-      </a:effectRef>
-      <a:fontRef idx="minor">
-        <a:schemeClr val="lt1"/>
-      </a:fontRef>
-    </dgm:style>
-  </dgm:styleLbl>
-  <dgm:styleLbl name="vennNode1">
-    <dgm:scene3d>
-      <a:camera prst="orthographicFront"/>
-      <a:lightRig rig="threePt" dir="t"/>
-    </dgm:scene3d>
-    <dgm:sp3d/>
-    <dgm:txPr/>
-    <dgm:style>
-      <a:lnRef idx="2">
-        <a:scrgbClr r="0" g="0" b="0"/>
-      </a:lnRef>
-      <a:fillRef idx="1">
-        <a:scrgbClr r="0" g="0" b="0"/>
-      </a:fillRef>
-      <a:effectRef idx="0">
-        <a:scrgbClr r="0" g="0" b="0"/>
-      </a:effectRef>
-      <a:fontRef idx="minor">
-        <a:schemeClr val="tx1"/>
-      </a:fontRef>
-    </dgm:style>
-  </dgm:styleLbl>
-  <dgm:styleLbl name="alignNode1">
-    <dgm:scene3d>
-      <a:camera prst="orthographicFront"/>
-      <a:lightRig rig="threePt" dir="t"/>
-    </dgm:scene3d>
-    <dgm:sp3d/>
-    <dgm:txPr/>
-    <dgm:style>
-      <a:lnRef idx="2">
-        <a:scrgbClr r="0" g="0" b="0"/>
-      </a:lnRef>
-      <a:fillRef idx="1">
-        <a:scrgbClr r="0" g="0" b="0"/>
-      </a:fillRef>
-      <a:effectRef idx="0">
-        <a:scrgbClr r="0" g="0" b="0"/>
-      </a:effectRef>
-      <a:fontRef idx="minor">
-        <a:schemeClr val="lt1"/>
-      </a:fontRef>
-    </dgm:style>
-  </dgm:styleLbl>
-  <dgm:styleLbl name="node1">
-    <dgm:scene3d>
-      <a:camera prst="orthographicFront"/>
-      <a:lightRig rig="threePt" dir="t"/>
-    </dgm:scene3d>
-    <dgm:sp3d/>
-    <dgm:txPr/>
-    <dgm:style>
-      <a:lnRef idx="2">
-        <a:scrgbClr r="0" g="0" b="0"/>
-      </a:lnRef>
-      <a:fillRef idx="1">
-        <a:scrgbClr r="0" g="0" b="0"/>
-      </a:fillRef>
-      <a:effectRef idx="0">
-        <a:scrgbClr r="0" g="0" b="0"/>
-      </a:effectRef>
-      <a:fontRef idx="minor">
-        <a:schemeClr val="lt1"/>
-      </a:fontRef>
-    </dgm:style>
-  </dgm:styleLbl>
-  <dgm:styleLbl name="node2">
-    <dgm:scene3d>
-      <a:camera prst="orthographicFront"/>
-      <a:lightRig rig="threePt" dir="t"/>
-    </dgm:scene3d>
-    <dgm:sp3d/>
-    <dgm:txPr/>
-    <dgm:style>
-      <a:lnRef idx="2">
-        <a:scrgbClr r="0" g="0" b="0"/>
-      </a:lnRef>
-      <a:fillRef idx="1">
-        <a:scrgbClr r="0" g="0" b="0"/>
-      </a:fillRef>
-      <a:effectRef idx="0">
-        <a:scrgbClr r="0" g="0" b="0"/>
-      </a:effectRef>
-      <a:fontRef idx="minor">
-        <a:schemeClr val="lt1"/>
-      </a:fontRef>
-    </dgm:style>
-  </dgm:styleLbl>
-  <dgm:styleLbl name="node3">
-    <dgm:scene3d>
-      <a:camera prst="orthographicFront"/>
-      <a:lightRig rig="threePt" dir="t"/>
-    </dgm:scene3d>
-    <dgm:sp3d/>
-    <dgm:txPr/>
-    <dgm:style>
-      <a:lnRef idx="2">
-        <a:scrgbClr r="0" g="0" b="0"/>
-      </a:lnRef>
-      <a:fillRef idx="1">
-        <a:scrgbClr r="0" g="0" b="0"/>
-      </a:fillRef>
-      <a:effectRef idx="0">
-        <a:scrgbClr r="0" g="0" b="0"/>
-      </a:effectRef>
-      <a:fontRef idx="minor">
-        <a:schemeClr val="lt1"/>
-      </a:fontRef>
-    </dgm:style>
-  </dgm:styleLbl>
-  <dgm:styleLbl name="node4">
-    <dgm:scene3d>
-      <a:camera prst="orthographicFront"/>
-      <a:lightRig rig="threePt" dir="t"/>
-    </dgm:scene3d>
-    <dgm:sp3d/>
-    <dgm:txPr/>
-    <dgm:style>
-      <a:lnRef idx="2">
-        <a:scrgbClr r="0" g="0" b="0"/>
-      </a:lnRef>
-      <a:fillRef idx="1">
-        <a:scrgbClr r="0" g="0" b="0"/>
-      </a:fillRef>
-      <a:effectRef idx="0">
-        <a:scrgbClr r="0" g="0" b="0"/>
-      </a:effectRef>
-      <a:fontRef idx="minor">
-        <a:schemeClr val="lt1"/>
-      </a:fontRef>
-    </dgm:style>
-  </dgm:styleLbl>
-  <dgm:styleLbl name="fgImgPlace1">
-    <dgm:scene3d>
-      <a:camera prst="orthographicFront"/>
-      <a:lightRig rig="threePt" dir="t"/>
-    </dgm:scene3d>
-    <dgm:sp3d/>
-    <dgm:txPr/>
-    <dgm:style>
-      <a:lnRef idx="2">
-        <a:scrgbClr r="0" g="0" b="0"/>
-      </a:lnRef>
-      <a:fillRef idx="1">
-        <a:scrgbClr r="0" g="0" b="0"/>
-      </a:fillRef>
-      <a:effectRef idx="0">
-        <a:scrgbClr r="0" g="0" b="0"/>
-      </a:effectRef>
-      <a:fontRef idx="minor"/>
-    </dgm:style>
-  </dgm:styleLbl>
-  <dgm:styleLbl name="alignImgPlace1">
-    <dgm:scene3d>
-      <a:camera prst="orthographicFront"/>
-      <a:lightRig rig="threePt" dir="t"/>
-    </dgm:scene3d>
-    <dgm:sp3d/>
-    <dgm:txPr/>
-    <dgm:style>
-      <a:lnRef idx="2">
-        <a:scrgbClr r="0" g="0" b="0"/>
-      </a:lnRef>
-      <a:fillRef idx="1">
-        <a:scrgbClr r="0" g="0" b="0"/>
-      </a:fillRef>
-      <a:effectRef idx="0">
-        <a:scrgbClr r="0" g="0" b="0"/>
-      </a:effectRef>
-      <a:fontRef idx="minor"/>
-    </dgm:style>
-  </dgm:styleLbl>
-  <dgm:styleLbl name="bgImgPlace1">
-    <dgm:scene3d>
-      <a:camera prst="orthographicFront"/>
-      <a:lightRig rig="threePt" dir="t"/>
-    </dgm:scene3d>
-    <dgm:sp3d/>
-    <dgm:txPr/>
-    <dgm:style>
-      <a:lnRef idx="2">
-        <a:scrgbClr r="0" g="0" b="0"/>
-      </a:lnRef>
-      <a:fillRef idx="1">
-        <a:scrgbClr r="0" g="0" b="0"/>
-      </a:fillRef>
-      <a:effectRef idx="0">
-        <a:scrgbClr r="0" g="0" b="0"/>
-      </a:effectRef>
-      <a:fontRef idx="minor"/>
-    </dgm:style>
-  </dgm:styleLbl>
-  <dgm:styleLbl name="sibTrans2D1">
-    <dgm:scene3d>
-      <a:camera prst="orthographicFront"/>
-      <a:lightRig rig="threePt" dir="t"/>
-    </dgm:scene3d>
-    <dgm:sp3d/>
-    <dgm:txPr/>
-    <dgm:style>
-      <a:lnRef idx="0">
-        <a:scrgbClr r="0" g="0" b="0"/>
-      </a:lnRef>
-      <a:fillRef idx="1">
-        <a:scrgbClr r="0" g="0" b="0"/>
-      </a:fillRef>
-      <a:effectRef idx="0">
-        <a:scrgbClr r="0" g="0" b="0"/>
-      </a:effectRef>
-      <a:fontRef idx="minor">
-        <a:schemeClr val="lt1"/>
-      </a:fontRef>
-    </dgm:style>
-  </dgm:styleLbl>
-  <dgm:styleLbl name="fgSibTrans2D1">
-    <dgm:scene3d>
-      <a:camera prst="orthographicFront"/>
-      <a:lightRig rig="threePt" dir="t"/>
-    </dgm:scene3d>
-    <dgm:sp3d/>
-    <dgm:txPr/>
-    <dgm:style>
-      <a:lnRef idx="0">
-        <a:scrgbClr r="0" g="0" b="0"/>
-      </a:lnRef>
-      <a:fillRef idx="1">
-        <a:scrgbClr r="0" g="0" b="0"/>
-      </a:fillRef>
-      <a:effectRef idx="0">
-        <a:scrgbClr r="0" g="0" b="0"/>
-      </a:effectRef>
-      <a:fontRef idx="minor">
-        <a:schemeClr val="lt1"/>
-      </a:fontRef>
-    </dgm:style>
-  </dgm:styleLbl>
-  <dgm:styleLbl name="bgSibTrans2D1">
-    <dgm:scene3d>
-      <a:camera prst="orthographicFront"/>
-      <a:lightRig rig="threePt" dir="t"/>
-    </dgm:scene3d>
-    <dgm:sp3d/>
-    <dgm:txPr/>
-    <dgm:style>
-      <a:lnRef idx="0">
-        <a:scrgbClr r="0" g="0" b="0"/>
-      </a:lnRef>
-      <a:fillRef idx="1">
-        <a:scrgbClr r="0" g="0" b="0"/>
-      </a:fillRef>
-      <a:effectRef idx="0">
-        <a:scrgbClr r="0" g="0" b="0"/>
-      </a:effectRef>
-      <a:fontRef idx="minor">
-        <a:schemeClr val="lt1"/>
-      </a:fontRef>
-    </dgm:style>
-  </dgm:styleLbl>
-  <dgm:styleLbl name="sibTrans1D1">
-    <dgm:scene3d>
-      <a:camera prst="orthographicFront"/>
-      <a:lightRig rig="threePt" dir="t"/>
-    </dgm:scene3d>
-    <dgm:sp3d/>
-    <dgm:txPr/>
-    <dgm:style>
-      <a:lnRef idx="1">
-        <a:scrgbClr r="0" g="0" b="0"/>
-      </a:lnRef>
-      <a:fillRef idx="0">
-        <a:scrgbClr r="0" g="0" b="0"/>
-      </a:fillRef>
-      <a:effectRef idx="0">
-        <a:scrgbClr r="0" g="0" b="0"/>
-      </a:effectRef>
-      <a:fontRef idx="minor"/>
-    </dgm:style>
-  </dgm:styleLbl>
-  <dgm:styleLbl name="callout">
-    <dgm:scene3d>
-      <a:camera prst="orthographicFront"/>
-      <a:lightRig rig="threePt" dir="t"/>
-    </dgm:scene3d>
-    <dgm:sp3d/>
-    <dgm:txPr/>
-    <dgm:style>
-      <a:lnRef idx="2">
-        <a:scrgbClr r="0" g="0" b="0"/>
-      </a:lnRef>
-      <a:fillRef idx="1">
-        <a:scrgbClr r="0" g="0" b="0"/>
-      </a:fillRef>
-      <a:effectRef idx="0">
-        <a:scrgbClr r="0" g="0" b="0"/>
-      </a:effectRef>
-      <a:fontRef idx="minor"/>
-    </dgm:style>
-  </dgm:styleLbl>
-  <dgm:styleLbl name="asst0">
-    <dgm:scene3d>
-      <a:camera prst="orthographicFront"/>
-      <a:lightRig rig="threePt" dir="t"/>
-    </dgm:scene3d>
-    <dgm:sp3d/>
-    <dgm:txPr/>
-    <dgm:style>
-      <a:lnRef idx="2">
-        <a:scrgbClr r="0" g="0" b="0"/>
-      </a:lnRef>
-      <a:fillRef idx="1">
-        <a:scrgbClr r="0" g="0" b="0"/>
-      </a:fillRef>
-      <a:effectRef idx="0">
-        <a:scrgbClr r="0" g="0" b="0"/>
-      </a:effectRef>
-      <a:fontRef idx="minor">
-        <a:schemeClr val="lt1"/>
-      </a:fontRef>
-    </dgm:style>
-  </dgm:styleLbl>
-  <dgm:styleLbl name="asst1">
-    <dgm:scene3d>
-      <a:camera prst="orthographicFront"/>
-      <a:lightRig rig="threePt" dir="t"/>
-    </dgm:scene3d>
-    <dgm:sp3d/>
-    <dgm:txPr/>
-    <dgm:style>
-      <a:lnRef idx="2">
-        <a:scrgbClr r="0" g="0" b="0"/>
-      </a:lnRef>
-      <a:fillRef idx="1">
-        <a:scrgbClr r="0" g="0" b="0"/>
-      </a:fillRef>
-      <a:effectRef idx="0">
-        <a:scrgbClr r="0" g="0" b="0"/>
-      </a:effectRef>
-      <a:fontRef idx="minor">
-        <a:schemeClr val="lt1"/>
-      </a:fontRef>
-    </dgm:style>
-  </dgm:styleLbl>
-  <dgm:styleLbl name="asst2">
-    <dgm:scene3d>
-      <a:camera prst="orthographicFront"/>
-      <a:lightRig rig="threePt" dir="t"/>
-    </dgm:scene3d>
-    <dgm:sp3d/>
-    <dgm:txPr/>
-    <dgm:style>
-      <a:lnRef idx="2">
-        <a:scrgbClr r="0" g="0" b="0"/>
-      </a:lnRef>
-      <a:fillRef idx="1">
-        <a:scrgbClr r="0" g="0" b="0"/>
-      </a:fillRef>
-      <a:effectRef idx="0">
-        <a:scrgbClr r="0" g="0" b="0"/>
-      </a:effectRef>
-      <a:fontRef idx="minor">
-        <a:schemeClr val="lt1"/>
-      </a:fontRef>
-    </dgm:style>
-  </dgm:styleLbl>
-  <dgm:styleLbl name="asst3">
-    <dgm:scene3d>
-      <a:camera prst="orthographicFront"/>
-      <a:lightRig rig="threePt" dir="t"/>
-    </dgm:scene3d>
-    <dgm:sp3d/>
-    <dgm:txPr/>
-    <dgm:style>
-      <a:lnRef idx="2">
-        <a:scrgbClr r="0" g="0" b="0"/>
-      </a:lnRef>
-      <a:fillRef idx="1">
-        <a:scrgbClr r="0" g="0" b="0"/>
-      </a:fillRef>
-      <a:effectRef idx="0">
-        <a:scrgbClr r="0" g="0" b="0"/>
-      </a:effectRef>
-      <a:fontRef idx="minor">
-        <a:schemeClr val="lt1"/>
-      </a:fontRef>
-    </dgm:style>
-  </dgm:styleLbl>
-  <dgm:styleLbl name="asst4">
-    <dgm:scene3d>
-      <a:camera prst="orthographicFront"/>
-      <a:lightRig rig="threePt" dir="t"/>
-    </dgm:scene3d>
-    <dgm:sp3d/>
-    <dgm:txPr/>
-    <dgm:style>
-      <a:lnRef idx="2">
-        <a:scrgbClr r="0" g="0" b="0"/>
-      </a:lnRef>
-      <a:fillRef idx="1">
-        <a:scrgbClr r="0" g="0" b="0"/>
-      </a:fillRef>
-      <a:effectRef idx="0">
-        <a:scrgbClr r="0" g="0" b="0"/>
-      </a:effectRef>
-      <a:fontRef idx="minor">
-        <a:schemeClr val="lt1"/>
-      </a:fontRef>
-    </dgm:style>
-  </dgm:styleLbl>
-  <dgm:styleLbl name="parChTrans2D1">
-    <dgm:scene3d>
-      <a:camera prst="orthographicFront"/>
-      <a:lightRig rig="threePt" dir="t"/>
-    </dgm:scene3d>
-    <dgm:sp3d/>
-    <dgm:txPr/>
-    <dgm:style>
-      <a:lnRef idx="2">
-        <a:scrgbClr r="0" g="0" b="0"/>
-      </a:lnRef>
-      <a:fillRef idx="1">
-        <a:scrgbClr r="0" g="0" b="0"/>
-      </a:fillRef>
-      <a:effectRef idx="0">
-        <a:scrgbClr r="0" g="0" b="0"/>
-      </a:effectRef>
-      <a:fontRef idx="minor">
-        <a:schemeClr val="lt1"/>
-      </a:fontRef>
-    </dgm:style>
-  </dgm:styleLbl>
-  <dgm:styleLbl name="parChTrans2D2">
-    <dgm:scene3d>
-      <a:camera prst="orthographicFront"/>
-      <a:lightRig rig="threePt" dir="t"/>
-    </dgm:scene3d>
-    <dgm:sp3d/>
-    <dgm:txPr/>
-    <dgm:style>
-      <a:lnRef idx="2">
-        <a:scrgbClr r="0" g="0" b="0"/>
-      </a:lnRef>
-      <a:fillRef idx="1">
-        <a:scrgbClr r="0" g="0" b="0"/>
-      </a:fillRef>
-      <a:effectRef idx="0">
-        <a:scrgbClr r="0" g="0" b="0"/>
-      </a:effectRef>
-      <a:fontRef idx="minor">
-        <a:schemeClr val="lt1"/>
-      </a:fontRef>
-    </dgm:style>
-  </dgm:styleLbl>
-  <dgm:styleLbl name="parChTrans2D3">
-    <dgm:scene3d>
-      <a:camera prst="orthographicFront"/>
-      <a:lightRig rig="threePt" dir="t"/>
-    </dgm:scene3d>
-    <dgm:sp3d/>
-    <dgm:txPr/>
-    <dgm:style>
-      <a:lnRef idx="2">
-        <a:scrgbClr r="0" g="0" b="0"/>
-      </a:lnRef>
-      <a:fillRef idx="1">
-        <a:scrgbClr r="0" g="0" b="0"/>
-      </a:fillRef>
-      <a:effectRef idx="0">
-        <a:scrgbClr r="0" g="0" b="0"/>
-      </a:effectRef>
-      <a:fontRef idx="minor">
-        <a:schemeClr val="lt1"/>
-      </a:fontRef>
-    </dgm:style>
-  </dgm:styleLbl>
-  <dgm:styleLbl name="parChTrans2D4">
-    <dgm:scene3d>
-      <a:camera prst="orthographicFront"/>
-      <a:lightRig rig="threePt" dir="t"/>
-    </dgm:scene3d>
-    <dgm:sp3d/>
-    <dgm:txPr/>
-    <dgm:style>
-      <a:lnRef idx="2">
-        <a:scrgbClr r="0" g="0" b="0"/>
-      </a:lnRef>
-      <a:fillRef idx="1">
-        <a:scrgbClr r="0" g="0" b="0"/>
-      </a:fillRef>
-      <a:effectRef idx="0">
-        <a:scrgbClr r="0" g="0" b="0"/>
-      </a:effectRef>
-      <a:fontRef idx="minor">
-        <a:schemeClr val="lt1"/>
-      </a:fontRef>
-    </dgm:style>
-  </dgm:styleLbl>
-  <dgm:styleLbl name="parChTrans1D1">
-    <dgm:scene3d>
-      <a:camera prst="orthographicFront"/>
-      <a:lightRig rig="threePt" dir="t"/>
-    </dgm:scene3d>
-    <dgm:sp3d/>
-    <dgm:txPr/>
-    <dgm:style>
-      <a:lnRef idx="2">
-        <a:scrgbClr r="0" g="0" b="0"/>
-      </a:lnRef>
-      <a:fillRef idx="0">
-        <a:scrgbClr r="0" g="0" b="0"/>
-      </a:fillRef>
-      <a:effectRef idx="0">
-        <a:scrgbClr r="0" g="0" b="0"/>
-      </a:effectRef>
-      <a:fontRef idx="minor"/>
-    </dgm:style>
-  </dgm:styleLbl>
-  <dgm:styleLbl name="parChTrans1D2">
-    <dgm:scene3d>
-      <a:camera prst="orthographicFront"/>
-      <a:lightRig rig="threePt" dir="t"/>
-    </dgm:scene3d>
-    <dgm:sp3d/>
-    <dgm:txPr/>
-    <dgm:style>
-      <a:lnRef idx="2">
-        <a:scrgbClr r="0" g="0" b="0"/>
-      </a:lnRef>
-      <a:fillRef idx="0">
-        <a:scrgbClr r="0" g="0" b="0"/>
-      </a:fillRef>
-      <a:effectRef idx="0">
-        <a:scrgbClr r="0" g="0" b="0"/>
-      </a:effectRef>
-      <a:fontRef idx="minor"/>
-    </dgm:style>
-  </dgm:styleLbl>
-  <dgm:styleLbl name="parChTrans1D3">
-    <dgm:scene3d>
-      <a:camera prst="orthographicFront"/>
-      <a:lightRig rig="threePt" dir="t"/>
-    </dgm:scene3d>
-    <dgm:sp3d/>
-    <dgm:txPr/>
-    <dgm:style>
-      <a:lnRef idx="2">
-        <a:scrgbClr r="0" g="0" b="0"/>
-      </a:lnRef>
-      <a:fillRef idx="0">
-        <a:scrgbClr r="0" g="0" b="0"/>
-      </a:fillRef>
-      <a:effectRef idx="0">
-        <a:scrgbClr r="0" g="0" b="0"/>
-      </a:effectRef>
-      <a:fontRef idx="minor"/>
-    </dgm:style>
-  </dgm:styleLbl>
-  <dgm:styleLbl name="parChTrans1D4">
-    <dgm:scene3d>
-      <a:camera prst="orthographicFront"/>
-      <a:lightRig rig="threePt" dir="t"/>
-    </dgm:scene3d>
-    <dgm:sp3d/>
-    <dgm:txPr/>
-    <dgm:style>
-      <a:lnRef idx="2">
-        <a:scrgbClr r="0" g="0" b="0"/>
-      </a:lnRef>
-      <a:fillRef idx="0">
-        <a:scrgbClr r="0" g="0" b="0"/>
-      </a:fillRef>
-      <a:effectRef idx="0">
-        <a:scrgbClr r="0" g="0" b="0"/>
-      </a:effectRef>
-      <a:fontRef idx="minor"/>
-    </dgm:style>
-  </dgm:styleLbl>
-  <dgm:styleLbl name="fgAcc1">
-    <dgm:scene3d>
-      <a:camera prst="orthographicFront"/>
-      <a:lightRig rig="threePt" dir="t"/>
-    </dgm:scene3d>
-    <dgm:sp3d/>
-    <dgm:txPr/>
-    <dgm:style>
-      <a:lnRef idx="2">
-        <a:scrgbClr r="0" g="0" b="0"/>
-      </a:lnRef>
-      <a:fillRef idx="1">
-        <a:scrgbClr r="0" g="0" b="0"/>
-      </a:fillRef>
-      <a:effectRef idx="0">
-        <a:scrgbClr r="0" g="0" b="0"/>
-      </a:effectRef>
-      <a:fontRef idx="minor"/>
-    </dgm:style>
-  </dgm:styleLbl>
-  <dgm:styleLbl name="conFgAcc1">
-    <dgm:scene3d>
-      <a:camera prst="orthographicFront"/>
-      <a:lightRig rig="threePt" dir="t"/>
-    </dgm:scene3d>
-    <dgm:sp3d/>
-    <dgm:txPr/>
-    <dgm:style>
-      <a:lnRef idx="2">
-        <a:scrgbClr r="0" g="0" b="0"/>
-      </a:lnRef>
-      <a:fillRef idx="1">
-        <a:scrgbClr r="0" g="0" b="0"/>
-      </a:fillRef>
-      <a:effectRef idx="0">
-        <a:scrgbClr r="0" g="0" b="0"/>
-      </a:effectRef>
-      <a:fontRef idx="minor"/>
-    </dgm:style>
-  </dgm:styleLbl>
-  <dgm:styleLbl name="alignAcc1">
-    <dgm:scene3d>
-      <a:camera prst="orthographicFront"/>
-      <a:lightRig rig="threePt" dir="t"/>
-    </dgm:scene3d>
-    <dgm:sp3d/>
-    <dgm:txPr/>
-    <dgm:style>
-      <a:lnRef idx="2">
-        <a:scrgbClr r="0" g="0" b="0"/>
-      </a:lnRef>
-      <a:fillRef idx="1">
-        <a:scrgbClr r="0" g="0" b="0"/>
-      </a:fillRef>
-      <a:effectRef idx="0">
-        <a:scrgbClr r="0" g="0" b="0"/>
-      </a:effectRef>
-      <a:fontRef idx="minor"/>
-    </dgm:style>
-  </dgm:styleLbl>
-  <dgm:styleLbl name="trAlignAcc1">
-    <dgm:scene3d>
-      <a:camera prst="orthographicFront"/>
-      <a:lightRig rig="threePt" dir="t"/>
-    </dgm:scene3d>
-    <dgm:sp3d/>
-    <dgm:txPr/>
-    <dgm:style>
-      <a:lnRef idx="1">
-        <a:scrgbClr r="0" g="0" b="0"/>
-      </a:lnRef>
-      <a:fillRef idx="1">
-        <a:scrgbClr r="0" g="0" b="0"/>
-      </a:fillRef>
-      <a:effectRef idx="0">
-        <a:scrgbClr r="0" g="0" b="0"/>
-      </a:effectRef>
-      <a:fontRef idx="minor"/>
-    </dgm:style>
-  </dgm:styleLbl>
-  <dgm:styleLbl name="bgAcc1">
-    <dgm:scene3d>
-      <a:camera prst="orthographicFront"/>
-      <a:lightRig rig="threePt" dir="t"/>
-    </dgm:scene3d>
-    <dgm:sp3d/>
-    <dgm:txPr/>
-    <dgm:style>
-      <a:lnRef idx="2">
-        <a:scrgbClr r="0" g="0" b="0"/>
-      </a:lnRef>
-      <a:fillRef idx="1">
-        <a:scrgbClr r="0" g="0" b="0"/>
-      </a:fillRef>
-      <a:effectRef idx="0">
-        <a:scrgbClr r="0" g="0" b="0"/>
-      </a:effectRef>
-      <a:fontRef idx="minor"/>
-    </dgm:style>
-  </dgm:styleLbl>
-  <dgm:styleLbl name="solidFgAcc1">
-    <dgm:scene3d>
-      <a:camera prst="orthographicFront"/>
-      <a:lightRig rig="threePt" dir="t"/>
-    </dgm:scene3d>
-    <dgm:sp3d/>
-    <dgm:txPr/>
-    <dgm:style>
-      <a:lnRef idx="2">
-        <a:scrgbClr r="0" g="0" b="0"/>
-      </a:lnRef>
-      <a:fillRef idx="1">
-        <a:scrgbClr r="0" g="0" b="0"/>
-      </a:fillRef>
-      <a:effectRef idx="0">
-        <a:scrgbClr r="0" g="0" b="0"/>
-      </a:effectRef>
-      <a:fontRef idx="minor"/>
-    </dgm:style>
-  </dgm:styleLbl>
-  <dgm:styleLbl name="solidAlignAcc1">
-    <dgm:scene3d>
-      <a:camera prst="orthographicFront"/>
-      <a:lightRig rig="threePt" dir="t"/>
-    </dgm:scene3d>
-    <dgm:sp3d/>
-    <dgm:txPr/>
-    <dgm:style>
-      <a:lnRef idx="2">
-        <a:scrgbClr r="0" g="0" b="0"/>
-      </a:lnRef>
-      <a:fillRef idx="1">
-        <a:scrgbClr r="0" g="0" b="0"/>
-      </a:fillRef>
-      <a:effectRef idx="0">
-        <a:scrgbClr r="0" g="0" b="0"/>
-      </a:effectRef>
-      <a:fontRef idx="minor"/>
-    </dgm:style>
-  </dgm:styleLbl>
-  <dgm:styleLbl name="solidBgAcc1">
-    <dgm:scene3d>
-      <a:camera prst="orthographicFront"/>
-      <a:lightRig rig="threePt" dir="t"/>
-    </dgm:scene3d>
-    <dgm:sp3d/>
-    <dgm:txPr/>
-    <dgm:style>
-      <a:lnRef idx="2">
-        <a:scrgbClr r="0" g="0" b="0"/>
-      </a:lnRef>
-      <a:fillRef idx="1">
-        <a:scrgbClr r="0" g="0" b="0"/>
-      </a:fillRef>
-      <a:effectRef idx="0">
-        <a:scrgbClr r="0" g="0" b="0"/>
-      </a:effectRef>
-      <a:fontRef idx="minor"/>
-    </dgm:style>
-  </dgm:styleLbl>
-  <dgm:styleLbl name="fgAccFollowNode1">
-    <dgm:scene3d>
-      <a:camera prst="orthographicFront"/>
-      <a:lightRig rig="threePt" dir="t"/>
-    </dgm:scene3d>
-    <dgm:sp3d/>
-    <dgm:txPr/>
-    <dgm:style>
-      <a:lnRef idx="2">
-        <a:scrgbClr r="0" g="0" b="0"/>
-      </a:lnRef>
-      <a:fillRef idx="1">
-        <a:scrgbClr r="0" g="0" b="0"/>
-      </a:fillRef>
-      <a:effectRef idx="0">
-        <a:scrgbClr r="0" g="0" b="0"/>
-      </a:effectRef>
-      <a:fontRef idx="minor"/>
-    </dgm:style>
-  </dgm:styleLbl>
-  <dgm:styleLbl name="alignAccFollowNode1">
-    <dgm:scene3d>
-      <a:camera prst="orthographicFront"/>
-      <a:lightRig rig="threePt" dir="t"/>
-    </dgm:scene3d>
-    <dgm:sp3d/>
-    <dgm:txPr/>
-    <dgm:style>
-      <a:lnRef idx="2">
-        <a:scrgbClr r="0" g="0" b="0"/>
-      </a:lnRef>
-      <a:fillRef idx="1">
-        <a:scrgbClr r="0" g="0" b="0"/>
-      </a:fillRef>
-      <a:effectRef idx="0">
-        <a:scrgbClr r="0" g="0" b="0"/>
-      </a:effectRef>
-      <a:fontRef idx="minor"/>
-    </dgm:style>
-  </dgm:styleLbl>
-  <dgm:styleLbl name="bgAccFollowNode1">
-    <dgm:scene3d>
-      <a:camera prst="orthographicFront"/>
-      <a:lightRig rig="threePt" dir="t"/>
-    </dgm:scene3d>
-    <dgm:sp3d/>
-    <dgm:txPr/>
-    <dgm:style>
-      <a:lnRef idx="2">
-        <a:scrgbClr r="0" g="0" b="0"/>
-      </a:lnRef>
-      <a:fillRef idx="1">
-        <a:scrgbClr r="0" g="0" b="0"/>
-      </a:fillRef>
-      <a:effectRef idx="0">
-        <a:scrgbClr r="0" g="0" b="0"/>
-      </a:effectRef>
-      <a:fontRef idx="minor"/>
-    </dgm:style>
-  </dgm:styleLbl>
-  <dgm:styleLbl name="fgAcc0">
-    <dgm:scene3d>
-      <a:camera prst="orthographicFront"/>
-      <a:lightRig rig="threePt" dir="t"/>
-    </dgm:scene3d>
-    <dgm:sp3d/>
-    <dgm:txPr/>
-    <dgm:style>
-      <a:lnRef idx="2">
-        <a:scrgbClr r="0" g="0" b="0"/>
-      </a:lnRef>
-      <a:fillRef idx="1">
-        <a:scrgbClr r="0" g="0" b="0"/>
-      </a:fillRef>
-      <a:effectRef idx="0">
-        <a:scrgbClr r="0" g="0" b="0"/>
-      </a:effectRef>
-      <a:fontRef idx="minor"/>
-    </dgm:style>
-  </dgm:styleLbl>
-  <dgm:styleLbl name="fgAcc2">
-    <dgm:scene3d>
-      <a:camera prst="orthographicFront"/>
-      <a:lightRig rig="threePt" dir="t"/>
-    </dgm:scene3d>
-    <dgm:sp3d/>
-    <dgm:txPr/>
-    <dgm:style>
-      <a:lnRef idx="2">
-        <a:scrgbClr r="0" g="0" b="0"/>
-      </a:lnRef>
-      <a:fillRef idx="1">
-        <a:scrgbClr r="0" g="0" b="0"/>
-      </a:fillRef>
-      <a:effectRef idx="0">
-        <a:scrgbClr r="0" g="0" b="0"/>
-      </a:effectRef>
-      <a:fontRef idx="minor"/>
-    </dgm:style>
-  </dgm:styleLbl>
-  <dgm:styleLbl name="fgAcc3">
-    <dgm:scene3d>
-      <a:camera prst="orthographicFront"/>
-      <a:lightRig rig="threePt" dir="t"/>
-    </dgm:scene3d>
-    <dgm:sp3d/>
-    <dgm:txPr/>
-    <dgm:style>
-      <a:lnRef idx="2">
-        <a:scrgbClr r="0" g="0" b="0"/>
-      </a:lnRef>
-      <a:fillRef idx="1">
-        <a:scrgbClr r="0" g="0" b="0"/>
-      </a:fillRef>
-      <a:effectRef idx="0">
-        <a:scrgbClr r="0" g="0" b="0"/>
-      </a:effectRef>
-      <a:fontRef idx="minor"/>
-    </dgm:style>
-  </dgm:styleLbl>
-  <dgm:styleLbl name="fgAcc4">
-    <dgm:scene3d>
-      <a:camera prst="orthographicFront"/>
-      <a:lightRig rig="threePt" dir="t"/>
-    </dgm:scene3d>
-    <dgm:sp3d/>
-    <dgm:txPr/>
-    <dgm:style>
-      <a:lnRef idx="2">
-        <a:scrgbClr r="0" g="0" b="0"/>
-      </a:lnRef>
-      <a:fillRef idx="1">
-        <a:scrgbClr r="0" g="0" b="0"/>
-      </a:fillRef>
-      <a:effectRef idx="0">
-        <a:scrgbClr r="0" g="0" b="0"/>
-      </a:effectRef>
-      <a:fontRef idx="minor"/>
-    </dgm:style>
-  </dgm:styleLbl>
-  <dgm:styleLbl name="bgShp">
-    <dgm:scene3d>
-      <a:camera prst="orthographicFront"/>
-      <a:lightRig rig="threePt" dir="t"/>
-    </dgm:scene3d>
-    <dgm:sp3d/>
-    <dgm:txPr/>
-    <dgm:style>
-      <a:lnRef idx="0">
-        <a:scrgbClr r="0" g="0" b="0"/>
-      </a:lnRef>
-      <a:fillRef idx="1">
-        <a:scrgbClr r="0" g="0" b="0"/>
-      </a:fillRef>
-      <a:effectRef idx="0">
-        <a:scrgbClr r="0" g="0" b="0"/>
-      </a:effectRef>
-      <a:fontRef idx="minor"/>
-    </dgm:style>
-  </dgm:styleLbl>
-  <dgm:styleLbl name="dkBgShp">
-    <dgm:scene3d>
-      <a:camera prst="orthographicFront"/>
-      <a:lightRig rig="threePt" dir="t"/>
-    </dgm:scene3d>
-    <dgm:sp3d/>
-    <dgm:txPr/>
-    <dgm:style>
-      <a:lnRef idx="0">
-        <a:scrgbClr r="0" g="0" b="0"/>
-      </a:lnRef>
-      <a:fillRef idx="1">
-        <a:scrgbClr r="0" g="0" b="0"/>
-      </a:fillRef>
-      <a:effectRef idx="0">
-        <a:scrgbClr r="0" g="0" b="0"/>
-      </a:effectRef>
-      <a:fontRef idx="minor"/>
-    </dgm:style>
-  </dgm:styleLbl>
-  <dgm:styleLbl name="trBgShp">
-    <dgm:scene3d>
-      <a:camera prst="orthographicFront"/>
-      <a:lightRig rig="threePt" dir="t"/>
-    </dgm:scene3d>
-    <dgm:sp3d/>
-    <dgm:txPr/>
-    <dgm:style>
-      <a:lnRef idx="0">
-        <a:scrgbClr r="0" g="0" b="0"/>
-      </a:lnRef>
-      <a:fillRef idx="1">
-        <a:scrgbClr r="0" g="0" b="0"/>
-      </a:fillRef>
-      <a:effectRef idx="0">
-        <a:scrgbClr r="0" g="0" b="0"/>
-      </a:effectRef>
-      <a:fontRef idx="minor"/>
-    </dgm:style>
-  </dgm:styleLbl>
-  <dgm:styleLbl name="fgShp">
-    <dgm:scene3d>
-      <a:camera prst="orthographicFront"/>
-      <a:lightRig rig="threePt" dir="t"/>
-    </dgm:scene3d>
-    <dgm:sp3d/>
-    <dgm:txPr/>
-    <dgm:style>
-      <a:lnRef idx="2">
-        <a:scrgbClr r="0" g="0" b="0"/>
-      </a:lnRef>
-      <a:fillRef idx="1">
-        <a:scrgbClr r="0" g="0" b="0"/>
-      </a:fillRef>
-      <a:effectRef idx="0">
-        <a:scrgbClr r="0" g="0" b="0"/>
-      </a:effectRef>
-      <a:fontRef idx="minor"/>
-    </dgm:style>
-  </dgm:styleLbl>
-  <dgm:styleLbl name="revTx">
-    <dgm:scene3d>
-      <a:camera prst="orthographicFront"/>
-      <a:lightRig rig="threePt" dir="t"/>
-    </dgm:scene3d>
-    <dgm:sp3d/>
-    <dgm:txPr/>
-    <dgm:style>
-      <a:lnRef idx="0">
-        <a:scrgbClr r="0" g="0" b="0"/>
-      </a:lnRef>
-      <a:fillRef idx="0">
-        <a:scrgbClr r="0" g="0" b="0"/>
-      </a:fillRef>
-      <a:effectRef idx="0">
-        <a:scrgbClr r="0" g="0" b="0"/>
-      </a:effectRef>
-      <a:fontRef idx="minor"/>
-    </dgm:style>
-  </dgm:styleLbl>
-</dgm:styleDef>
-</file>
-
-<file path=ppt/diagrams/quickStyle2.xml><?xml version="1.0" encoding="utf-8"?>
-<dgm:styleDef xmlns:dgm="http://schemas.openxmlformats.org/drawingml/2006/diagram" xmlns:a="http://schemas.openxmlformats.org/drawingml/2006/main" uniqueId="urn:microsoft.com/office/officeart/2005/8/quickstyle/simple1">
-  <dgm:title val=""/>
-  <dgm:desc val=""/>
-  <dgm:catLst>
-    <dgm:cat type="simple" pri="10100"/>
-  </dgm:catLst>
-  <dgm:scene3d>
-    <a:camera prst="orthographicFront"/>
-    <a:lightRig rig="threePt" dir="t"/>
-  </dgm:scene3d>
-  <dgm:styleLbl name="node0">
-    <dgm:scene3d>
-      <a:camera prst="orthographicFront"/>
-      <a:lightRig rig="threePt" dir="t"/>
-    </dgm:scene3d>
-    <dgm:sp3d/>
-    <dgm:txPr/>
-    <dgm:style>
-      <a:lnRef idx="2">
-        <a:scrgbClr r="0" g="0" b="0"/>
-      </a:lnRef>
-      <a:fillRef idx="1">
-        <a:scrgbClr r="0" g="0" b="0"/>
-      </a:fillRef>
-      <a:effectRef idx="0">
-        <a:scrgbClr r="0" g="0" b="0"/>
-      </a:effectRef>
-      <a:fontRef idx="minor">
-        <a:schemeClr val="lt1"/>
-      </a:fontRef>
-    </dgm:style>
-  </dgm:styleLbl>
-  <dgm:styleLbl name="lnNode1">
-    <dgm:scene3d>
-      <a:camera prst="orthographicFront"/>
-      <a:lightRig rig="threePt" dir="t"/>
-    </dgm:scene3d>
-    <dgm:sp3d/>
-    <dgm:txPr/>
-    <dgm:style>
-      <a:lnRef idx="2">
-        <a:scrgbClr r="0" g="0" b="0"/>
-      </a:lnRef>
-      <a:fillRef idx="1">
-        <a:scrgbClr r="0" g="0" b="0"/>
-      </a:fillRef>
-      <a:effectRef idx="0">
-        <a:scrgbClr r="0" g="0" b="0"/>
-      </a:effectRef>
-      <a:fontRef idx="minor">
-        <a:schemeClr val="lt1"/>
-      </a:fontRef>
-    </dgm:style>
-  </dgm:styleLbl>
-  <dgm:styleLbl name="vennNode1">
-    <dgm:scene3d>
-      <a:camera prst="orthographicFront"/>
-      <a:lightRig rig="threePt" dir="t"/>
-    </dgm:scene3d>
-    <dgm:sp3d/>
-    <dgm:txPr/>
-    <dgm:style>
-      <a:lnRef idx="2">
-        <a:scrgbClr r="0" g="0" b="0"/>
-      </a:lnRef>
-      <a:fillRef idx="1">
-        <a:scrgbClr r="0" g="0" b="0"/>
-      </a:fillRef>
-      <a:effectRef idx="0">
-        <a:scrgbClr r="0" g="0" b="0"/>
-      </a:effectRef>
-      <a:fontRef idx="minor">
-        <a:schemeClr val="tx1"/>
-      </a:fontRef>
-    </dgm:style>
-  </dgm:styleLbl>
-  <dgm:styleLbl name="alignNode1">
-    <dgm:scene3d>
-      <a:camera prst="orthographicFront"/>
-      <a:lightRig rig="threePt" dir="t"/>
-    </dgm:scene3d>
-    <dgm:sp3d/>
-    <dgm:txPr/>
-    <dgm:style>
-      <a:lnRef idx="2">
-        <a:scrgbClr r="0" g="0" b="0"/>
-      </a:lnRef>
-      <a:fillRef idx="1">
-        <a:scrgbClr r="0" g="0" b="0"/>
-      </a:fillRef>
-      <a:effectRef idx="0">
-        <a:scrgbClr r="0" g="0" b="0"/>
-      </a:effectRef>
-      <a:fontRef idx="minor">
-        <a:schemeClr val="lt1"/>
-      </a:fontRef>
-    </dgm:style>
-  </dgm:styleLbl>
-  <dgm:styleLbl name="node1">
-    <dgm:scene3d>
-      <a:camera prst="orthographicFront"/>
-      <a:lightRig rig="threePt" dir="t"/>
-    </dgm:scene3d>
-    <dgm:sp3d/>
-    <dgm:txPr/>
-    <dgm:style>
-      <a:lnRef idx="2">
-        <a:scrgbClr r="0" g="0" b="0"/>
-      </a:lnRef>
-      <a:fillRef idx="1">
-        <a:scrgbClr r="0" g="0" b="0"/>
-      </a:fillRef>
-      <a:effectRef idx="0">
-        <a:scrgbClr r="0" g="0" b="0"/>
-      </a:effectRef>
-      <a:fontRef idx="minor">
-        <a:schemeClr val="lt1"/>
-      </a:fontRef>
-    </dgm:style>
-  </dgm:styleLbl>
-  <dgm:styleLbl name="node2">
-    <dgm:scene3d>
-      <a:camera prst="orthographicFront"/>
-      <a:lightRig rig="threePt" dir="t"/>
-    </dgm:scene3d>
-    <dgm:sp3d/>
-    <dgm:txPr/>
-    <dgm:style>
-      <a:lnRef idx="2">
-        <a:scrgbClr r="0" g="0" b="0"/>
-      </a:lnRef>
-      <a:fillRef idx="1">
-        <a:scrgbClr r="0" g="0" b="0"/>
-      </a:fillRef>
-      <a:effectRef idx="0">
-        <a:scrgbClr r="0" g="0" b="0"/>
-      </a:effectRef>
-      <a:fontRef idx="minor">
-        <a:schemeClr val="lt1"/>
-      </a:fontRef>
-    </dgm:style>
-  </dgm:styleLbl>
-  <dgm:styleLbl name="node3">
-    <dgm:scene3d>
-      <a:camera prst="orthographicFront"/>
-      <a:lightRig rig="threePt" dir="t"/>
-    </dgm:scene3d>
-    <dgm:sp3d/>
-    <dgm:txPr/>
-    <dgm:style>
-      <a:lnRef idx="2">
-        <a:scrgbClr r="0" g="0" b="0"/>
-      </a:lnRef>
-      <a:fillRef idx="1">
-        <a:scrgbClr r="0" g="0" b="0"/>
-      </a:fillRef>
-      <a:effectRef idx="0">
-        <a:scrgbClr r="0" g="0" b="0"/>
-      </a:effectRef>
-      <a:fontRef idx="minor">
-        <a:schemeClr val="lt1"/>
-      </a:fontRef>
-    </dgm:style>
-  </dgm:styleLbl>
-  <dgm:styleLbl name="node4">
-    <dgm:scene3d>
-      <a:camera prst="orthographicFront"/>
-      <a:lightRig rig="threePt" dir="t"/>
-    </dgm:scene3d>
-    <dgm:sp3d/>
-    <dgm:txPr/>
-    <dgm:style>
-      <a:lnRef idx="2">
-        <a:scrgbClr r="0" g="0" b="0"/>
-      </a:lnRef>
-      <a:fillRef idx="1">
-        <a:scrgbClr r="0" g="0" b="0"/>
-      </a:fillRef>
-      <a:effectRef idx="0">
-        <a:scrgbClr r="0" g="0" b="0"/>
-      </a:effectRef>
-      <a:fontRef idx="minor">
-        <a:schemeClr val="lt1"/>
-      </a:fontRef>
-    </dgm:style>
-  </dgm:styleLbl>
-  <dgm:styleLbl name="fgImgPlace1">
-    <dgm:scene3d>
-      <a:camera prst="orthographicFront"/>
-      <a:lightRig rig="threePt" dir="t"/>
-    </dgm:scene3d>
-    <dgm:sp3d/>
-    <dgm:txPr/>
-    <dgm:style>
-      <a:lnRef idx="2">
-        <a:scrgbClr r="0" g="0" b="0"/>
-      </a:lnRef>
-      <a:fillRef idx="1">
-        <a:scrgbClr r="0" g="0" b="0"/>
-      </a:fillRef>
-      <a:effectRef idx="0">
-        <a:scrgbClr r="0" g="0" b="0"/>
-      </a:effectRef>
-      <a:fontRef idx="minor"/>
-    </dgm:style>
-  </dgm:styleLbl>
-  <dgm:styleLbl name="alignImgPlace1">
-    <dgm:scene3d>
-      <a:camera prst="orthographicFront"/>
-      <a:lightRig rig="threePt" dir="t"/>
-    </dgm:scene3d>
-    <dgm:sp3d/>
-    <dgm:txPr/>
-    <dgm:style>
-      <a:lnRef idx="2">
-        <a:scrgbClr r="0" g="0" b="0"/>
-      </a:lnRef>
-      <a:fillRef idx="1">
-        <a:scrgbClr r="0" g="0" b="0"/>
-      </a:fillRef>
-      <a:effectRef idx="0">
-        <a:scrgbClr r="0" g="0" b="0"/>
-      </a:effectRef>
-      <a:fontRef idx="minor"/>
-    </dgm:style>
-  </dgm:styleLbl>
-  <dgm:styleLbl name="bgImgPlace1">
-    <dgm:scene3d>
-      <a:camera prst="orthographicFront"/>
-      <a:lightRig rig="threePt" dir="t"/>
-    </dgm:scene3d>
-    <dgm:sp3d/>
-    <dgm:txPr/>
-    <dgm:style>
-      <a:lnRef idx="2">
-        <a:scrgbClr r="0" g="0" b="0"/>
-      </a:lnRef>
-      <a:fillRef idx="1">
-        <a:scrgbClr r="0" g="0" b="0"/>
-      </a:fillRef>
-      <a:effectRef idx="0">
-        <a:scrgbClr r="0" g="0" b="0"/>
-      </a:effectRef>
-      <a:fontRef idx="minor"/>
-    </dgm:style>
-  </dgm:styleLbl>
-  <dgm:styleLbl name="sibTrans2D1">
-    <dgm:scene3d>
-      <a:camera prst="orthographicFront"/>
-      <a:lightRig rig="threePt" dir="t"/>
-    </dgm:scene3d>
-    <dgm:sp3d/>
-    <dgm:txPr/>
-    <dgm:style>
-      <a:lnRef idx="0">
-        <a:scrgbClr r="0" g="0" b="0"/>
-      </a:lnRef>
-      <a:fillRef idx="1">
-        <a:scrgbClr r="0" g="0" b="0"/>
-      </a:fillRef>
-      <a:effectRef idx="0">
-        <a:scrgbClr r="0" g="0" b="0"/>
-      </a:effectRef>
-      <a:fontRef idx="minor">
-        <a:schemeClr val="lt1"/>
-      </a:fontRef>
-    </dgm:style>
-  </dgm:styleLbl>
-  <dgm:styleLbl name="fgSibTrans2D1">
-    <dgm:scene3d>
-      <a:camera prst="orthographicFront"/>
-      <a:lightRig rig="threePt" dir="t"/>
-    </dgm:scene3d>
-    <dgm:sp3d/>
-    <dgm:txPr/>
-    <dgm:style>
-      <a:lnRef idx="0">
-        <a:scrgbClr r="0" g="0" b="0"/>
-      </a:lnRef>
-      <a:fillRef idx="1">
-        <a:scrgbClr r="0" g="0" b="0"/>
-      </a:fillRef>
-      <a:effectRef idx="0">
-        <a:scrgbClr r="0" g="0" b="0"/>
-      </a:effectRef>
-      <a:fontRef idx="minor">
-        <a:schemeClr val="lt1"/>
-      </a:fontRef>
-    </dgm:style>
-  </dgm:styleLbl>
-  <dgm:styleLbl name="bgSibTrans2D1">
-    <dgm:scene3d>
-      <a:camera prst="orthographicFront"/>
-      <a:lightRig rig="threePt" dir="t"/>
-    </dgm:scene3d>
-    <dgm:sp3d/>
-    <dgm:txPr/>
-    <dgm:style>
-      <a:lnRef idx="0">
-        <a:scrgbClr r="0" g="0" b="0"/>
-      </a:lnRef>
-      <a:fillRef idx="1">
-        <a:scrgbClr r="0" g="0" b="0"/>
-      </a:fillRef>
-      <a:effectRef idx="0">
-        <a:scrgbClr r="0" g="0" b="0"/>
-      </a:effectRef>
-      <a:fontRef idx="minor">
-        <a:schemeClr val="lt1"/>
-      </a:fontRef>
-    </dgm:style>
-  </dgm:styleLbl>
-  <dgm:styleLbl name="sibTrans1D1">
-    <dgm:scene3d>
-      <a:camera prst="orthographicFront"/>
-      <a:lightRig rig="threePt" dir="t"/>
-    </dgm:scene3d>
-    <dgm:sp3d/>
-    <dgm:txPr/>
-    <dgm:style>
-      <a:lnRef idx="1">
-        <a:scrgbClr r="0" g="0" b="0"/>
-      </a:lnRef>
-      <a:fillRef idx="0">
-        <a:scrgbClr r="0" g="0" b="0"/>
-      </a:fillRef>
-      <a:effectRef idx="0">
-        <a:scrgbClr r="0" g="0" b="0"/>
-      </a:effectRef>
-      <a:fontRef idx="minor"/>
-    </dgm:style>
-  </dgm:styleLbl>
-  <dgm:styleLbl name="callout">
-    <dgm:scene3d>
-      <a:camera prst="orthographicFront"/>
-      <a:lightRig rig="threePt" dir="t"/>
-    </dgm:scene3d>
-    <dgm:sp3d/>
-    <dgm:txPr/>
-    <dgm:style>
-      <a:lnRef idx="2">
-        <a:scrgbClr r="0" g="0" b="0"/>
-      </a:lnRef>
-      <a:fillRef idx="1">
-        <a:scrgbClr r="0" g="0" b="0"/>
-      </a:fillRef>
-      <a:effectRef idx="0">
-        <a:scrgbClr r="0" g="0" b="0"/>
-      </a:effectRef>
-      <a:fontRef idx="minor"/>
-    </dgm:style>
-  </dgm:styleLbl>
-  <dgm:styleLbl name="asst0">
-    <dgm:scene3d>
-      <a:camera prst="orthographicFront"/>
-      <a:lightRig rig="threePt" dir="t"/>
-    </dgm:scene3d>
-    <dgm:sp3d/>
-    <dgm:txPr/>
-    <dgm:style>
-      <a:lnRef idx="2">
-        <a:scrgbClr r="0" g="0" b="0"/>
-      </a:lnRef>
-      <a:fillRef idx="1">
-        <a:scrgbClr r="0" g="0" b="0"/>
-      </a:fillRef>
-      <a:effectRef idx="0">
-        <a:scrgbClr r="0" g="0" b="0"/>
-      </a:effectRef>
-      <a:fontRef idx="minor">
-        <a:schemeClr val="lt1"/>
-      </a:fontRef>
-    </dgm:style>
-  </dgm:styleLbl>
-  <dgm:styleLbl name="asst1">
-    <dgm:scene3d>
-      <a:camera prst="orthographicFront"/>
-      <a:lightRig rig="threePt" dir="t"/>
-    </dgm:scene3d>
-    <dgm:sp3d/>
-    <dgm:txPr/>
-    <dgm:style>
-      <a:lnRef idx="2">
-        <a:scrgbClr r="0" g="0" b="0"/>
-      </a:lnRef>
-      <a:fillRef idx="1">
-        <a:scrgbClr r="0" g="0" b="0"/>
-      </a:fillRef>
-      <a:effectRef idx="0">
-        <a:scrgbClr r="0" g="0" b="0"/>
-      </a:effectRef>
-      <a:fontRef idx="minor">
-        <a:schemeClr val="lt1"/>
-      </a:fontRef>
-    </dgm:style>
-  </dgm:styleLbl>
-  <dgm:styleLbl name="asst2">
-    <dgm:scene3d>
-      <a:camera prst="orthographicFront"/>
-      <a:lightRig rig="threePt" dir="t"/>
-    </dgm:scene3d>
-    <dgm:sp3d/>
-    <dgm:txPr/>
-    <dgm:style>
-      <a:lnRef idx="2">
-        <a:scrgbClr r="0" g="0" b="0"/>
-      </a:lnRef>
-      <a:fillRef idx="1">
-        <a:scrgbClr r="0" g="0" b="0"/>
-      </a:fillRef>
-      <a:effectRef idx="0">
-        <a:scrgbClr r="0" g="0" b="0"/>
-      </a:effectRef>
-      <a:fontRef idx="minor">
-        <a:schemeClr val="lt1"/>
-      </a:fontRef>
-    </dgm:style>
-  </dgm:styleLbl>
-  <dgm:styleLbl name="asst3">
-    <dgm:scene3d>
-      <a:camera prst="orthographicFront"/>
-      <a:lightRig rig="threePt" dir="t"/>
-    </dgm:scene3d>
-    <dgm:sp3d/>
-    <dgm:txPr/>
-    <dgm:style>
-      <a:lnRef idx="2">
-        <a:scrgbClr r="0" g="0" b="0"/>
-      </a:lnRef>
-      <a:fillRef idx="1">
-        <a:scrgbClr r="0" g="0" b="0"/>
-      </a:fillRef>
-      <a:effectRef idx="0">
-        <a:scrgbClr r="0" g="0" b="0"/>
-      </a:effectRef>
-      <a:fontRef idx="minor">
-        <a:schemeClr val="lt1"/>
-      </a:fontRef>
-    </dgm:style>
-  </dgm:styleLbl>
-  <dgm:styleLbl name="asst4">
-    <dgm:scene3d>
-      <a:camera prst="orthographicFront"/>
-      <a:lightRig rig="threePt" dir="t"/>
-    </dgm:scene3d>
-    <dgm:sp3d/>
-    <dgm:txPr/>
-    <dgm:style>
-      <a:lnRef idx="2">
-        <a:scrgbClr r="0" g="0" b="0"/>
-      </a:lnRef>
-      <a:fillRef idx="1">
-        <a:scrgbClr r="0" g="0" b="0"/>
-      </a:fillRef>
-      <a:effectRef idx="0">
-        <a:scrgbClr r="0" g="0" b="0"/>
-      </a:effectRef>
-      <a:fontRef idx="minor">
-        <a:schemeClr val="lt1"/>
-      </a:fontRef>
-    </dgm:style>
-  </dgm:styleLbl>
-  <dgm:styleLbl name="parChTrans2D1">
-    <dgm:scene3d>
-      <a:camera prst="orthographicFront"/>
-      <a:lightRig rig="threePt" dir="t"/>
-    </dgm:scene3d>
-    <dgm:sp3d/>
-    <dgm:txPr/>
-    <dgm:style>
-      <a:lnRef idx="2">
-        <a:scrgbClr r="0" g="0" b="0"/>
-      </a:lnRef>
-      <a:fillRef idx="1">
-        <a:scrgbClr r="0" g="0" b="0"/>
-      </a:fillRef>
-      <a:effectRef idx="0">
-        <a:scrgbClr r="0" g="0" b="0"/>
-      </a:effectRef>
-      <a:fontRef idx="minor">
-        <a:schemeClr val="lt1"/>
-      </a:fontRef>
-    </dgm:style>
-  </dgm:styleLbl>
-  <dgm:styleLbl name="parChTrans2D2">
-    <dgm:scene3d>
-      <a:camera prst="orthographicFront"/>
-      <a:lightRig rig="threePt" dir="t"/>
-    </dgm:scene3d>
-    <dgm:sp3d/>
-    <dgm:txPr/>
-    <dgm:style>
-      <a:lnRef idx="2">
-        <a:scrgbClr r="0" g="0" b="0"/>
-      </a:lnRef>
-      <a:fillRef idx="1">
-        <a:scrgbClr r="0" g="0" b="0"/>
-      </a:fillRef>
-      <a:effectRef idx="0">
-        <a:scrgbClr r="0" g="0" b="0"/>
-      </a:effectRef>
-      <a:fontRef idx="minor">
-        <a:schemeClr val="lt1"/>
-      </a:fontRef>
-    </dgm:style>
-  </dgm:styleLbl>
-  <dgm:styleLbl name="parChTrans2D3">
-    <dgm:scene3d>
-      <a:camera prst="orthographicFront"/>
-      <a:lightRig rig="threePt" dir="t"/>
-    </dgm:scene3d>
-    <dgm:sp3d/>
-    <dgm:txPr/>
-    <dgm:style>
-      <a:lnRef idx="2">
-        <a:scrgbClr r="0" g="0" b="0"/>
-      </a:lnRef>
-      <a:fillRef idx="1">
-        <a:scrgbClr r="0" g="0" b="0"/>
-      </a:fillRef>
-      <a:effectRef idx="0">
-        <a:scrgbClr r="0" g="0" b="0"/>
-      </a:effectRef>
-      <a:fontRef idx="minor">
-        <a:schemeClr val="lt1"/>
-      </a:fontRef>
-    </dgm:style>
-  </dgm:styleLbl>
-  <dgm:styleLbl name="parChTrans2D4">
-    <dgm:scene3d>
-      <a:camera prst="orthographicFront"/>
-      <a:lightRig rig="threePt" dir="t"/>
-    </dgm:scene3d>
-    <dgm:sp3d/>
-    <dgm:txPr/>
-    <dgm:style>
-      <a:lnRef idx="2">
-        <a:scrgbClr r="0" g="0" b="0"/>
-      </a:lnRef>
-      <a:fillRef idx="1">
-        <a:scrgbClr r="0" g="0" b="0"/>
-      </a:fillRef>
-      <a:effectRef idx="0">
-        <a:scrgbClr r="0" g="0" b="0"/>
-      </a:effectRef>
-      <a:fontRef idx="minor">
-        <a:schemeClr val="lt1"/>
-      </a:fontRef>
-    </dgm:style>
-  </dgm:styleLbl>
-  <dgm:styleLbl name="parChTrans1D1">
-    <dgm:scene3d>
-      <a:camera prst="orthographicFront"/>
-      <a:lightRig rig="threePt" dir="t"/>
-    </dgm:scene3d>
-    <dgm:sp3d/>
-    <dgm:txPr/>
-    <dgm:style>
-      <a:lnRef idx="2">
-        <a:scrgbClr r="0" g="0" b="0"/>
-      </a:lnRef>
-      <a:fillRef idx="0">
-        <a:scrgbClr r="0" g="0" b="0"/>
-      </a:fillRef>
-      <a:effectRef idx="0">
-        <a:scrgbClr r="0" g="0" b="0"/>
-      </a:effectRef>
-      <a:fontRef idx="minor"/>
-    </dgm:style>
-  </dgm:styleLbl>
-  <dgm:styleLbl name="parChTrans1D2">
-    <dgm:scene3d>
-      <a:camera prst="orthographicFront"/>
-      <a:lightRig rig="threePt" dir="t"/>
-    </dgm:scene3d>
-    <dgm:sp3d/>
-    <dgm:txPr/>
-    <dgm:style>
-      <a:lnRef idx="2">
-        <a:scrgbClr r="0" g="0" b="0"/>
-      </a:lnRef>
-      <a:fillRef idx="0">
-        <a:scrgbClr r="0" g="0" b="0"/>
-      </a:fillRef>
-      <a:effectRef idx="0">
-        <a:scrgbClr r="0" g="0" b="0"/>
-      </a:effectRef>
-      <a:fontRef idx="minor"/>
-    </dgm:style>
-  </dgm:styleLbl>
-  <dgm:styleLbl name="parChTrans1D3">
-    <dgm:scene3d>
-      <a:camera prst="orthographicFront"/>
-      <a:lightRig rig="threePt" dir="t"/>
-    </dgm:scene3d>
-    <dgm:sp3d/>
-    <dgm:txPr/>
-    <dgm:style>
-      <a:lnRef idx="2">
-        <a:scrgbClr r="0" g="0" b="0"/>
-      </a:lnRef>
-      <a:fillRef idx="0">
-        <a:scrgbClr r="0" g="0" b="0"/>
-      </a:fillRef>
-      <a:effectRef idx="0">
-        <a:scrgbClr r="0" g="0" b="0"/>
-      </a:effectRef>
-      <a:fontRef idx="minor"/>
-    </dgm:style>
-  </dgm:styleLbl>
-  <dgm:styleLbl name="parChTrans1D4">
-    <dgm:scene3d>
-      <a:camera prst="orthographicFront"/>
-      <a:lightRig rig="threePt" dir="t"/>
-    </dgm:scene3d>
-    <dgm:sp3d/>
-    <dgm:txPr/>
-    <dgm:style>
-      <a:lnRef idx="2">
-        <a:scrgbClr r="0" g="0" b="0"/>
-      </a:lnRef>
-      <a:fillRef idx="0">
-        <a:scrgbClr r="0" g="0" b="0"/>
-      </a:fillRef>
-      <a:effectRef idx="0">
-        <a:scrgbClr r="0" g="0" b="0"/>
-      </a:effectRef>
-      <a:fontRef idx="minor"/>
-    </dgm:style>
-  </dgm:styleLbl>
-  <dgm:styleLbl name="fgAcc1">
-    <dgm:scene3d>
-      <a:camera prst="orthographicFront"/>
-      <a:lightRig rig="threePt" dir="t"/>
-    </dgm:scene3d>
-    <dgm:sp3d/>
-    <dgm:txPr/>
-    <dgm:style>
-      <a:lnRef idx="2">
-        <a:scrgbClr r="0" g="0" b="0"/>
-      </a:lnRef>
-      <a:fillRef idx="1">
-        <a:scrgbClr r="0" g="0" b="0"/>
-      </a:fillRef>
-      <a:effectRef idx="0">
-        <a:scrgbClr r="0" g="0" b="0"/>
-      </a:effectRef>
-      <a:fontRef idx="minor"/>
-    </dgm:style>
-  </dgm:styleLbl>
-  <dgm:styleLbl name="conFgAcc1">
-    <dgm:scene3d>
-      <a:camera prst="orthographicFront"/>
-      <a:lightRig rig="threePt" dir="t"/>
-    </dgm:scene3d>
-    <dgm:sp3d/>
-    <dgm:txPr/>
-    <dgm:style>
-      <a:lnRef idx="2">
-        <a:scrgbClr r="0" g="0" b="0"/>
-      </a:lnRef>
-      <a:fillRef idx="1">
-        <a:scrgbClr r="0" g="0" b="0"/>
-      </a:fillRef>
-      <a:effectRef idx="0">
-        <a:scrgbClr r="0" g="0" b="0"/>
-      </a:effectRef>
-      <a:fontRef idx="minor"/>
-    </dgm:style>
-  </dgm:styleLbl>
-  <dgm:styleLbl name="alignAcc1">
-    <dgm:scene3d>
-      <a:camera prst="orthographicFront"/>
-      <a:lightRig rig="threePt" dir="t"/>
-    </dgm:scene3d>
-    <dgm:sp3d/>
-    <dgm:txPr/>
-    <dgm:style>
-      <a:lnRef idx="2">
-        <a:scrgbClr r="0" g="0" b="0"/>
-      </a:lnRef>
-      <a:fillRef idx="1">
-        <a:scrgbClr r="0" g="0" b="0"/>
-      </a:fillRef>
-      <a:effectRef idx="0">
-        <a:scrgbClr r="0" g="0" b="0"/>
-      </a:effectRef>
-      <a:fontRef idx="minor"/>
-    </dgm:style>
-  </dgm:styleLbl>
-  <dgm:styleLbl name="trAlignAcc1">
-    <dgm:scene3d>
-      <a:camera prst="orthographicFront"/>
-      <a:lightRig rig="threePt" dir="t"/>
-    </dgm:scene3d>
-    <dgm:sp3d/>
-    <dgm:txPr/>
-    <dgm:style>
-      <a:lnRef idx="1">
-        <a:scrgbClr r="0" g="0" b="0"/>
-      </a:lnRef>
-      <a:fillRef idx="1">
-        <a:scrgbClr r="0" g="0" b="0"/>
-      </a:fillRef>
-      <a:effectRef idx="0">
-        <a:scrgbClr r="0" g="0" b="0"/>
-      </a:effectRef>
-      <a:fontRef idx="minor"/>
-    </dgm:style>
-  </dgm:styleLbl>
-  <dgm:styleLbl name="bgAcc1">
-    <dgm:scene3d>
-      <a:camera prst="orthographicFront"/>
-      <a:lightRig rig="threePt" dir="t"/>
-    </dgm:scene3d>
-    <dgm:sp3d/>
-    <dgm:txPr/>
-    <dgm:style>
-      <a:lnRef idx="2">
-        <a:scrgbClr r="0" g="0" b="0"/>
-      </a:lnRef>
-      <a:fillRef idx="1">
-        <a:scrgbClr r="0" g="0" b="0"/>
-      </a:fillRef>
-      <a:effectRef idx="0">
-        <a:scrgbClr r="0" g="0" b="0"/>
-      </a:effectRef>
-      <a:fontRef idx="minor"/>
-    </dgm:style>
-  </dgm:styleLbl>
-  <dgm:styleLbl name="solidFgAcc1">
-    <dgm:scene3d>
-      <a:camera prst="orthographicFront"/>
-      <a:lightRig rig="threePt" dir="t"/>
-    </dgm:scene3d>
-    <dgm:sp3d/>
-    <dgm:txPr/>
-    <dgm:style>
-      <a:lnRef idx="2">
-        <a:scrgbClr r="0" g="0" b="0"/>
-      </a:lnRef>
-      <a:fillRef idx="1">
-        <a:scrgbClr r="0" g="0" b="0"/>
-      </a:fillRef>
-      <a:effectRef idx="0">
-        <a:scrgbClr r="0" g="0" b="0"/>
-      </a:effectRef>
-      <a:fontRef idx="minor"/>
-    </dgm:style>
-  </dgm:styleLbl>
-  <dgm:styleLbl name="solidAlignAcc1">
-    <dgm:scene3d>
-      <a:camera prst="orthographicFront"/>
-      <a:lightRig rig="threePt" dir="t"/>
-    </dgm:scene3d>
-    <dgm:sp3d/>
-    <dgm:txPr/>
-    <dgm:style>
-      <a:lnRef idx="2">
-        <a:scrgbClr r="0" g="0" b="0"/>
-      </a:lnRef>
-      <a:fillRef idx="1">
-        <a:scrgbClr r="0" g="0" b="0"/>
-      </a:fillRef>
-      <a:effectRef idx="0">
-        <a:scrgbClr r="0" g="0" b="0"/>
-      </a:effectRef>
-      <a:fontRef idx="minor"/>
-    </dgm:style>
-  </dgm:styleLbl>
-  <dgm:styleLbl name="solidBgAcc1">
-    <dgm:scene3d>
-      <a:camera prst="orthographicFront"/>
-      <a:lightRig rig="threePt" dir="t"/>
-    </dgm:scene3d>
-    <dgm:sp3d/>
-    <dgm:txPr/>
-    <dgm:style>
-      <a:lnRef idx="2">
-        <a:scrgbClr r="0" g="0" b="0"/>
-      </a:lnRef>
-      <a:fillRef idx="1">
-        <a:scrgbClr r="0" g="0" b="0"/>
-      </a:fillRef>
-      <a:effectRef idx="0">
-        <a:scrgbClr r="0" g="0" b="0"/>
-      </a:effectRef>
-      <a:fontRef idx="minor"/>
-    </dgm:style>
-  </dgm:styleLbl>
-  <dgm:styleLbl name="fgAccFollowNode1">
-    <dgm:scene3d>
-      <a:camera prst="orthographicFront"/>
-      <a:lightRig rig="threePt" dir="t"/>
-    </dgm:scene3d>
-    <dgm:sp3d/>
-    <dgm:txPr/>
-    <dgm:style>
-      <a:lnRef idx="2">
-        <a:scrgbClr r="0" g="0" b="0"/>
-      </a:lnRef>
-      <a:fillRef idx="1">
-        <a:scrgbClr r="0" g="0" b="0"/>
-      </a:fillRef>
-      <a:effectRef idx="0">
-        <a:scrgbClr r="0" g="0" b="0"/>
-      </a:effectRef>
-      <a:fontRef idx="minor"/>
-    </dgm:style>
-  </dgm:styleLbl>
-  <dgm:styleLbl name="alignAccFollowNode1">
-    <dgm:scene3d>
-      <a:camera prst="orthographicFront"/>
-      <a:lightRig rig="threePt" dir="t"/>
-    </dgm:scene3d>
-    <dgm:sp3d/>
-    <dgm:txPr/>
-    <dgm:style>
-      <a:lnRef idx="2">
-        <a:scrgbClr r="0" g="0" b="0"/>
-      </a:lnRef>
-      <a:fillRef idx="1">
-        <a:scrgbClr r="0" g="0" b="0"/>
-      </a:fillRef>
-      <a:effectRef idx="0">
-        <a:scrgbClr r="0" g="0" b="0"/>
-      </a:effectRef>
-      <a:fontRef idx="minor"/>
-    </dgm:style>
-  </dgm:styleLbl>
-  <dgm:styleLbl name="bgAccFollowNode1">
-    <dgm:scene3d>
-      <a:camera prst="orthographicFront"/>
-      <a:lightRig rig="threePt" dir="t"/>
-    </dgm:scene3d>
-    <dgm:sp3d/>
-    <dgm:txPr/>
-    <dgm:style>
-      <a:lnRef idx="2">
-        <a:scrgbClr r="0" g="0" b="0"/>
-      </a:lnRef>
-      <a:fillRef idx="1">
-        <a:scrgbClr r="0" g="0" b="0"/>
-      </a:fillRef>
-      <a:effectRef idx="0">
-        <a:scrgbClr r="0" g="0" b="0"/>
-      </a:effectRef>
-      <a:fontRef idx="minor"/>
-    </dgm:style>
-  </dgm:styleLbl>
-  <dgm:styleLbl name="fgAcc0">
-    <dgm:scene3d>
-      <a:camera prst="orthographicFront"/>
-      <a:lightRig rig="threePt" dir="t"/>
-    </dgm:scene3d>
-    <dgm:sp3d/>
-    <dgm:txPr/>
-    <dgm:style>
-      <a:lnRef idx="2">
-        <a:scrgbClr r="0" g="0" b="0"/>
-      </a:lnRef>
-      <a:fillRef idx="1">
-        <a:scrgbClr r="0" g="0" b="0"/>
-      </a:fillRef>
-      <a:effectRef idx="0">
-        <a:scrgbClr r="0" g="0" b="0"/>
-      </a:effectRef>
-      <a:fontRef idx="minor"/>
-    </dgm:style>
-  </dgm:styleLbl>
-  <dgm:styleLbl name="fgAcc2">
-    <dgm:scene3d>
-      <a:camera prst="orthographicFront"/>
-      <a:lightRig rig="threePt" dir="t"/>
-    </dgm:scene3d>
-    <dgm:sp3d/>
-    <dgm:txPr/>
-    <dgm:style>
-      <a:lnRef idx="2">
-        <a:scrgbClr r="0" g="0" b="0"/>
-      </a:lnRef>
-      <a:fillRef idx="1">
-        <a:scrgbClr r="0" g="0" b="0"/>
-      </a:fillRef>
-      <a:effectRef idx="0">
-        <a:scrgbClr r="0" g="0" b="0"/>
-      </a:effectRef>
-      <a:fontRef idx="minor"/>
-    </dgm:style>
-  </dgm:styleLbl>
-  <dgm:styleLbl name="fgAcc3">
-    <dgm:scene3d>
-      <a:camera prst="orthographicFront"/>
-      <a:lightRig rig="threePt" dir="t"/>
-    </dgm:scene3d>
-    <dgm:sp3d/>
-    <dgm:txPr/>
-    <dgm:style>
-      <a:lnRef idx="2">
-        <a:scrgbClr r="0" g="0" b="0"/>
-      </a:lnRef>
-      <a:fillRef idx="1">
-        <a:scrgbClr r="0" g="0" b="0"/>
-      </a:fillRef>
-      <a:effectRef idx="0">
-        <a:scrgbClr r="0" g="0" b="0"/>
-      </a:effectRef>
-      <a:fontRef idx="minor"/>
-    </dgm:style>
-  </dgm:styleLbl>
-  <dgm:styleLbl name="fgAcc4">
-    <dgm:scene3d>
-      <a:camera prst="orthographicFront"/>
-      <a:lightRig rig="threePt" dir="t"/>
-    </dgm:scene3d>
-    <dgm:sp3d/>
-    <dgm:txPr/>
-    <dgm:style>
-      <a:lnRef idx="2">
-        <a:scrgbClr r="0" g="0" b="0"/>
-      </a:lnRef>
-      <a:fillRef idx="1">
-        <a:scrgbClr r="0" g="0" b="0"/>
-      </a:fillRef>
-      <a:effectRef idx="0">
-        <a:scrgbClr r="0" g="0" b="0"/>
-      </a:effectRef>
-      <a:fontRef idx="minor"/>
-    </dgm:style>
-  </dgm:styleLbl>
-  <dgm:styleLbl name="bgShp">
-    <dgm:scene3d>
-      <a:camera prst="orthographicFront"/>
-      <a:lightRig rig="threePt" dir="t"/>
-    </dgm:scene3d>
-    <dgm:sp3d/>
-    <dgm:txPr/>
-    <dgm:style>
-      <a:lnRef idx="0">
-        <a:scrgbClr r="0" g="0" b="0"/>
-      </a:lnRef>
-      <a:fillRef idx="1">
-        <a:scrgbClr r="0" g="0" b="0"/>
-      </a:fillRef>
-      <a:effectRef idx="0">
-        <a:scrgbClr r="0" g="0" b="0"/>
-      </a:effectRef>
-      <a:fontRef idx="minor"/>
-    </dgm:style>
-  </dgm:styleLbl>
-  <dgm:styleLbl name="dkBgShp">
-    <dgm:scene3d>
-      <a:camera prst="orthographicFront"/>
-      <a:lightRig rig="threePt" dir="t"/>
-    </dgm:scene3d>
-    <dgm:sp3d/>
-    <dgm:txPr/>
-    <dgm:style>
-      <a:lnRef idx="0">
-        <a:scrgbClr r="0" g="0" b="0"/>
-      </a:lnRef>
-      <a:fillRef idx="1">
-        <a:scrgbClr r="0" g="0" b="0"/>
-      </a:fillRef>
-      <a:effectRef idx="0">
-        <a:scrgbClr r="0" g="0" b="0"/>
-      </a:effectRef>
-      <a:fontRef idx="minor"/>
-    </dgm:style>
-  </dgm:styleLbl>
-  <dgm:styleLbl name="trBgShp">
-    <dgm:scene3d>
-      <a:camera prst="orthographicFront"/>
-      <a:lightRig rig="threePt" dir="t"/>
-    </dgm:scene3d>
-    <dgm:sp3d/>
-    <dgm:txPr/>
-    <dgm:style>
-      <a:lnRef idx="0">
-        <a:scrgbClr r="0" g="0" b="0"/>
-      </a:lnRef>
-      <a:fillRef idx="1">
-        <a:scrgbClr r="0" g="0" b="0"/>
-      </a:fillRef>
-      <a:effectRef idx="0">
-        <a:scrgbClr r="0" g="0" b="0"/>
-      </a:effectRef>
-      <a:fontRef idx="minor"/>
-    </dgm:style>
-  </dgm:styleLbl>
-  <dgm:styleLbl name="fgShp">
-    <dgm:scene3d>
-      <a:camera prst="orthographicFront"/>
-      <a:lightRig rig="threePt" dir="t"/>
-    </dgm:scene3d>
-    <dgm:sp3d/>
-    <dgm:txPr/>
-    <dgm:style>
-      <a:lnRef idx="2">
-        <a:scrgbClr r="0" g="0" b="0"/>
-      </a:lnRef>
-      <a:fillRef idx="1">
-        <a:scrgbClr r="0" g="0" b="0"/>
-      </a:fillRef>
-      <a:effectRef idx="0">
-        <a:scrgbClr r="0" g="0" b="0"/>
-      </a:effectRef>
-      <a:fontRef idx="minor"/>
-    </dgm:style>
-  </dgm:styleLbl>
-  <dgm:styleLbl name="revTx">
-    <dgm:scene3d>
-      <a:camera prst="orthographicFront"/>
-      <a:lightRig rig="threePt" dir="t"/>
-    </dgm:scene3d>
-    <dgm:sp3d/>
-    <dgm:txPr/>
-    <dgm:style>
-      <a:lnRef idx="0">
-        <a:scrgbClr r="0" g="0" b="0"/>
-      </a:lnRef>
-      <a:fillRef idx="0">
-        <a:scrgbClr r="0" g="0" b="0"/>
-      </a:fillRef>
-      <a:effectRef idx="0">
-        <a:scrgbClr r="0" g="0" b="0"/>
-      </a:effectRef>
-      <a:fontRef idx="minor"/>
-    </dgm:style>
-  </dgm:styleLbl>
-</dgm:styleDef>
-</file>
-
 <file path=ppt/handoutMasters/handoutMaster1.xml><?xml version="1.0" encoding="utf-8"?>
 <p:handoutMaster xmlns:a="http://schemas.openxmlformats.org/drawingml/2006/main" xmlns:r="http://schemas.openxmlformats.org/officeDocument/2006/relationships" xmlns:p="http://schemas.openxmlformats.org/presentationml/2006/main">
   <p:cSld>
@@ -5710,7 +230,7 @@
           <a:p>
             <a:fld id="{B5922E6D-3451-482A-A64F-C89F139BA51A}" type="datetimeFigureOut">
               <a:rPr lang="en-US" smtClean="0"/>
-              <a:t>11/24/2014</a:t>
+              <a:t>11/27/2014</a:t>
             </a:fld>
             <a:endParaRPr lang="en-US"/>
           </a:p>
@@ -5875,7 +395,7 @@
           <a:p>
             <a:fld id="{05247E74-41DE-40FA-A7A7-A655366ADCFA}" type="datetimeFigureOut">
               <a:rPr lang="sv-SE" smtClean="0"/>
-              <a:t>2014-11-24</a:t>
+              <a:t>2014-11-27</a:t>
             </a:fld>
             <a:endParaRPr lang="sv-SE"/>
           </a:p>
@@ -6777,7 +1297,7 @@
           <a:p>
             <a:fld id="{DB41BBF1-8D56-4061-8DE2-461FDAC177EF}" type="datetimeFigureOut">
               <a:rPr lang="sv-SE" smtClean="0"/>
-              <a:t>2014-11-24</a:t>
+              <a:t>2014-11-27</a:t>
             </a:fld>
             <a:endParaRPr lang="sv-SE"/>
           </a:p>
@@ -7041,7 +1561,7 @@
           <a:p>
             <a:fld id="{DB41BBF1-8D56-4061-8DE2-461FDAC177EF}" type="datetimeFigureOut">
               <a:rPr lang="sv-SE" smtClean="0"/>
-              <a:t>2014-11-24</a:t>
+              <a:t>2014-11-27</a:t>
             </a:fld>
             <a:endParaRPr lang="sv-SE"/>
           </a:p>
@@ -7218,7 +1738,7 @@
           <a:p>
             <a:fld id="{DB41BBF1-8D56-4061-8DE2-461FDAC177EF}" type="datetimeFigureOut">
               <a:rPr lang="sv-SE" smtClean="0"/>
-              <a:t>2014-11-24</a:t>
+              <a:t>2014-11-27</a:t>
             </a:fld>
             <a:endParaRPr lang="sv-SE"/>
           </a:p>
@@ -7405,7 +1925,7 @@
           <a:p>
             <a:fld id="{DB41BBF1-8D56-4061-8DE2-461FDAC177EF}" type="datetimeFigureOut">
               <a:rPr lang="sv-SE" smtClean="0"/>
-              <a:t>2014-11-24</a:t>
+              <a:t>2014-11-27</a:t>
             </a:fld>
             <a:endParaRPr lang="sv-SE"/>
           </a:p>
@@ -7669,7 +2189,7 @@
           <a:p>
             <a:fld id="{DB41BBF1-8D56-4061-8DE2-461FDAC177EF}" type="datetimeFigureOut">
               <a:rPr lang="sv-SE" smtClean="0"/>
-              <a:t>2014-11-24</a:t>
+              <a:t>2014-11-27</a:t>
             </a:fld>
             <a:endParaRPr lang="sv-SE"/>
           </a:p>
@@ -7846,7 +2366,7 @@
           <a:p>
             <a:fld id="{DB41BBF1-8D56-4061-8DE2-461FDAC177EF}" type="datetimeFigureOut">
               <a:rPr lang="sv-SE" smtClean="0"/>
-              <a:t>2014-11-24</a:t>
+              <a:t>2014-11-27</a:t>
             </a:fld>
             <a:endParaRPr lang="sv-SE"/>
           </a:p>
@@ -8099,7 +2619,7 @@
           <a:p>
             <a:fld id="{DB41BBF1-8D56-4061-8DE2-461FDAC177EF}" type="datetimeFigureOut">
               <a:rPr lang="sv-SE" smtClean="0"/>
-              <a:t>2014-11-24</a:t>
+              <a:t>2014-11-27</a:t>
             </a:fld>
             <a:endParaRPr lang="sv-SE"/>
           </a:p>
@@ -8394,7 +2914,7 @@
           <a:p>
             <a:fld id="{DB41BBF1-8D56-4061-8DE2-461FDAC177EF}" type="datetimeFigureOut">
               <a:rPr lang="sv-SE" smtClean="0"/>
-              <a:t>2014-11-24</a:t>
+              <a:t>2014-11-27</a:t>
             </a:fld>
             <a:endParaRPr lang="sv-SE"/>
           </a:p>
@@ -8823,7 +3343,7 @@
           <a:p>
             <a:fld id="{DB41BBF1-8D56-4061-8DE2-461FDAC177EF}" type="datetimeFigureOut">
               <a:rPr lang="sv-SE" smtClean="0"/>
-              <a:t>2014-11-24</a:t>
+              <a:t>2014-11-27</a:t>
             </a:fld>
             <a:endParaRPr lang="sv-SE"/>
           </a:p>
@@ -8948,7 +3468,7 @@
           <a:p>
             <a:fld id="{DB41BBF1-8D56-4061-8DE2-461FDAC177EF}" type="datetimeFigureOut">
               <a:rPr lang="sv-SE" smtClean="0"/>
-              <a:t>2014-11-24</a:t>
+              <a:t>2014-11-27</a:t>
             </a:fld>
             <a:endParaRPr lang="sv-SE"/>
           </a:p>
@@ -9050,7 +3570,7 @@
           <a:p>
             <a:fld id="{DB41BBF1-8D56-4061-8DE2-461FDAC177EF}" type="datetimeFigureOut">
               <a:rPr lang="sv-SE" smtClean="0"/>
-              <a:t>2014-11-24</a:t>
+              <a:t>2014-11-27</a:t>
             </a:fld>
             <a:endParaRPr lang="sv-SE"/>
           </a:p>
@@ -9334,7 +3854,7 @@
           <a:p>
             <a:fld id="{DB41BBF1-8D56-4061-8DE2-461FDAC177EF}" type="datetimeFigureOut">
               <a:rPr lang="sv-SE" smtClean="0"/>
-              <a:t>2014-11-24</a:t>
+              <a:t>2014-11-27</a:t>
             </a:fld>
             <a:endParaRPr lang="sv-SE"/>
           </a:p>
@@ -9562,7 +4082,7 @@
           <a:p>
             <a:fld id="{DB41BBF1-8D56-4061-8DE2-461FDAC177EF}" type="datetimeFigureOut">
               <a:rPr lang="sv-SE" smtClean="0"/>
-              <a:t>2014-11-24</a:t>
+              <a:t>2014-11-27</a:t>
             </a:fld>
             <a:endParaRPr lang="sv-SE"/>
           </a:p>
@@ -10130,8 +4650,8 @@
         </p:nvSpPr>
         <p:spPr>
           <a:xfrm>
-            <a:off x="395536" y="4005064"/>
-            <a:ext cx="8136904" cy="1152128"/>
+            <a:off x="248671" y="4221088"/>
+            <a:ext cx="7995737" cy="1080120"/>
           </a:xfrm>
           <a:prstGeom prst="rect">
             <a:avLst/>
@@ -10194,7 +4714,12 @@
             <p:ph idx="1"/>
           </p:nvPr>
         </p:nvSpPr>
-        <p:spPr/>
+        <p:spPr>
+          <a:xfrm>
+            <a:off x="248670" y="1052736"/>
+            <a:ext cx="8499793" cy="5073427"/>
+          </a:xfrm>
+        </p:spPr>
         <p:txBody>
           <a:bodyPr/>
           <a:lstStyle/>
@@ -10203,13 +4728,43 @@
               <a:buNone/>
             </a:pPr>
             <a:r>
-              <a:rPr lang="en-US" b="1" dirty="0" smtClean="0">
+              <a:rPr lang="en-US" sz="3200" b="1" dirty="0" smtClean="0">
                 <a:solidFill>
                   <a:srgbClr val="77933C"/>
                 </a:solidFill>
               </a:rPr>
-              <a:t>Security Stamp</a:t>
-            </a:r>
+              <a:t>Security </a:t>
+            </a:r>
+            <a:r>
+              <a:rPr lang="en-US" sz="3200" b="1" dirty="0" smtClean="0">
+                <a:solidFill>
+                  <a:srgbClr val="77933C"/>
+                </a:solidFill>
+              </a:rPr>
+              <a:t>Stamp</a:t>
+            </a:r>
+          </a:p>
+          <a:p>
+            <a:pPr marL="0" indent="0">
+              <a:buNone/>
+            </a:pPr>
+            <a:r>
+              <a:rPr lang="en-US" sz="2400" dirty="0" smtClean="0"/>
+              <a:t>We have a field in the database which contains the </a:t>
+            </a:r>
+            <a:r>
+              <a:rPr lang="en-US" sz="2400" b="1" dirty="0" smtClean="0">
+                <a:solidFill>
+                  <a:srgbClr val="77933C"/>
+                </a:solidFill>
+              </a:rPr>
+              <a:t>security stamp</a:t>
+            </a:r>
+            <a:endParaRPr lang="en-US" sz="2400" b="1" dirty="0" smtClean="0">
+              <a:solidFill>
+                <a:srgbClr val="77933C"/>
+              </a:solidFill>
+            </a:endParaRPr>
           </a:p>
           <a:p>
             <a:pPr marL="0" indent="0">
@@ -10230,8 +4785,19 @@
           <a:p>
             <a:r>
               <a:rPr lang="en-US" sz="2000" dirty="0" smtClean="0"/>
-              <a:t>Invalidates existing cookies &amp; tokens if the value is changed</a:t>
-            </a:r>
+              <a:t>Invalidates existing cookies &amp; tokens if the value is </a:t>
+            </a:r>
+            <a:r>
+              <a:rPr lang="en-US" sz="2000" dirty="0" smtClean="0"/>
+              <a:t>changed</a:t>
+            </a:r>
+          </a:p>
+          <a:p>
+            <a:r>
+              <a:rPr lang="en-US" sz="2000" dirty="0" smtClean="0"/>
+              <a:t>Represented as a GUID value in the database</a:t>
+            </a:r>
+            <a:endParaRPr lang="en-US" sz="2000" dirty="0" smtClean="0"/>
           </a:p>
           <a:p>
             <a:endParaRPr lang="en-US" sz="2000" dirty="0"/>
@@ -10249,7 +4815,7 @@
                   <a:schemeClr val="bg1"/>
                 </a:solidFill>
               </a:rPr>
-              <a:t>Ex. The security stamp is changed when the user requests a password reset, invalidating all existing cookies since the security stamp has changed. This would deny an attacker access to a possibly compromised user account.</a:t>
+              <a:t>Ex. The security stamp is changed when the user requests a password reset, invalidating all existing cookies since the security stamp has changed. </a:t>
             </a:r>
             <a:endParaRPr lang="en-US" sz="2000" dirty="0">
               <a:solidFill>
@@ -10413,7 +4979,6 @@
               <a:rPr lang="en-US" dirty="0"/>
               <a:t>ASP.NET Identity – Security Features</a:t>
             </a:r>
-            <a:endParaRPr lang="en-US" dirty="0"/>
           </a:p>
         </p:txBody>
       </p:sp>
@@ -10429,8 +4994,8 @@
         </p:nvSpPr>
         <p:spPr>
           <a:xfrm>
-            <a:off x="323528" y="980728"/>
-            <a:ext cx="8229600" cy="4525963"/>
+            <a:off x="251520" y="980728"/>
+            <a:ext cx="8784976" cy="4525963"/>
           </a:xfrm>
         </p:spPr>
         <p:txBody>
@@ -10443,7 +5008,7 @@
               <a:buNone/>
             </a:pPr>
             <a:r>
-              <a:rPr lang="en-US" b="1" dirty="0" smtClean="0">
+              <a:rPr lang="en-US" sz="3200" b="1" dirty="0" smtClean="0">
                 <a:solidFill>
                   <a:srgbClr val="77933C"/>
                 </a:solidFill>
@@ -10455,16 +5020,19 @@
             <a:pPr marL="0" indent="0">
               <a:buNone/>
             </a:pPr>
-            <a:endParaRPr lang="en-US" dirty="0" smtClean="0"/>
-          </a:p>
-          <a:p>
-            <a:pPr marL="0" indent="0">
-              <a:buNone/>
-            </a:pPr>
-            <a:r>
-              <a:rPr lang="en-US" dirty="0" smtClean="0"/>
-              <a:t>A Security token is a token which is used to authenticate users.</a:t>
-            </a:r>
+            <a:r>
+              <a:rPr lang="en-US" sz="2400" dirty="0" smtClean="0"/>
+              <a:t>A </a:t>
+            </a:r>
+            <a:r>
+              <a:rPr lang="en-US" sz="2400" dirty="0" smtClean="0"/>
+              <a:t>Security token is a token which is used to authenticate </a:t>
+            </a:r>
+            <a:r>
+              <a:rPr lang="en-US" sz="2400" dirty="0" smtClean="0"/>
+              <a:t>users</a:t>
+            </a:r>
+            <a:endParaRPr lang="en-US" sz="2400" dirty="0" smtClean="0"/>
           </a:p>
           <a:p>
             <a:pPr marL="0" indent="0">
@@ -10478,39 +5046,11 @@
             </a:pPr>
             <a:r>
               <a:rPr lang="en-US" dirty="0" smtClean="0"/>
-              <a:t>The security token contains an </a:t>
-            </a:r>
-            <a:r>
-              <a:rPr lang="en-US" b="1" dirty="0" smtClean="0">
-                <a:solidFill>
-                  <a:srgbClr val="77933C"/>
-                </a:solidFill>
-              </a:rPr>
-              <a:t>ID</a:t>
+              <a:t>The security token contains </a:t>
             </a:r>
             <a:r>
               <a:rPr lang="en-US" dirty="0" smtClean="0"/>
-              <a:t>,</a:t>
-            </a:r>
-            <a:r>
-              <a:rPr lang="en-US" b="1" dirty="0" smtClean="0">
-                <a:solidFill>
-                  <a:srgbClr val="77933C"/>
-                </a:solidFill>
-              </a:rPr>
-              <a:t> </a:t>
-            </a:r>
-            <a:r>
-              <a:rPr lang="en-US" b="1" dirty="0" smtClean="0">
-                <a:solidFill>
-                  <a:srgbClr val="77933C"/>
-                </a:solidFill>
-              </a:rPr>
-              <a:t>security key </a:t>
-            </a:r>
-            <a:r>
-              <a:rPr lang="en-US" dirty="0" smtClean="0"/>
-              <a:t>as well as the time from which it is valid &amp; for how long.</a:t>
+              <a:t>the following parts:</a:t>
             </a:r>
             <a:r>
               <a:rPr lang="en-US" sz="2400" dirty="0" smtClean="0"/>
@@ -10537,11 +5077,15 @@
             <a:graphicFrameLocks noGrp="1"/>
           </p:cNvGraphicFramePr>
           <p:nvPr>
-            <p:extLst/>
+            <p:extLst>
+              <p:ext uri="{D42A27DB-BD31-4B8C-83A1-F6EECF244321}">
+                <p14:modId xmlns:p14="http://schemas.microsoft.com/office/powerpoint/2010/main" val="2495923511"/>
+              </p:ext>
+            </p:extLst>
           </p:nvPr>
         </p:nvGraphicFramePr>
         <p:xfrm>
-          <a:off x="443880" y="4561146"/>
+          <a:off x="443880" y="3284984"/>
           <a:ext cx="6864424" cy="1964198"/>
         </p:xfrm>
         <a:graphic>
@@ -10767,7 +5311,6 @@
               <a:rPr lang="en-US" dirty="0"/>
               <a:t>ASP.NET Identity – Security Features</a:t>
             </a:r>
-            <a:endParaRPr lang="en-US" dirty="0"/>
           </a:p>
         </p:txBody>
       </p:sp>
@@ -10806,28 +5349,15 @@
           <a:p>
             <a:r>
               <a:rPr lang="en-US" dirty="0" smtClean="0"/>
-              <a:t>A </a:t>
-            </a:r>
+              <a:t>A STS is a service which provides users with security tokens</a:t>
+            </a:r>
+            <a:endParaRPr lang="en-US" dirty="0"/>
+          </a:p>
+          <a:p>
             <a:r>
               <a:rPr lang="en-US" dirty="0" smtClean="0"/>
-              <a:t>STS is a service which provides users with security </a:t>
-            </a:r>
-            <a:r>
-              <a:rPr lang="en-US" dirty="0" smtClean="0"/>
-              <a:t>tokens</a:t>
-            </a:r>
-            <a:endParaRPr lang="en-US" dirty="0"/>
-          </a:p>
-          <a:p>
-            <a:r>
-              <a:rPr lang="en-US" dirty="0" smtClean="0"/>
-              <a:t>This token is then used to authenticate the user on the </a:t>
-            </a:r>
-            <a:r>
-              <a:rPr lang="en-US" dirty="0" smtClean="0"/>
-              <a:t>web-application</a:t>
-            </a:r>
-            <a:endParaRPr lang="en-US" dirty="0" smtClean="0"/>
+              <a:t>This token is then used to authenticate the user on the web-application</a:t>
+            </a:r>
           </a:p>
         </p:txBody>
       </p:sp>
@@ -10887,7 +5417,6 @@
               <a:rPr lang="en-US" dirty="0"/>
               <a:t>ASP.NET Identity – Security Features</a:t>
             </a:r>
-            <a:endParaRPr lang="en-US" dirty="0"/>
           </a:p>
         </p:txBody>
       </p:sp>
@@ -11042,7 +5571,6 @@
               <a:rPr lang="en-US" dirty="0"/>
               <a:t>ASP.NET Identity – Security Features</a:t>
             </a:r>
-            <a:endParaRPr lang="en-US" dirty="0"/>
           </a:p>
         </p:txBody>
       </p:sp>
@@ -11342,7 +5870,6 @@
               <a:rPr lang="en-US" dirty="0"/>
               <a:t>ASP.NET Identity – Security Features</a:t>
             </a:r>
-            <a:endParaRPr lang="en-US" dirty="0"/>
           </a:p>
         </p:txBody>
       </p:sp>
@@ -11705,7 +6232,6 @@
               <a:rPr lang="en-US" dirty="0"/>
               <a:t>ASP.NET Identity – Security Features</a:t>
             </a:r>
-            <a:endParaRPr lang="en-US" dirty="0"/>
           </a:p>
         </p:txBody>
       </p:sp>
@@ -12139,7 +6665,6 @@
               <a:rPr lang="en-US" dirty="0"/>
               <a:t>ASP.NET Identity – Security Features</a:t>
             </a:r>
-            <a:endParaRPr lang="en-US" dirty="0"/>
           </a:p>
         </p:txBody>
       </p:sp>
@@ -12181,11 +6706,7 @@
             </a:pPr>
             <a:r>
               <a:rPr lang="en-US" dirty="0" smtClean="0"/>
-              <a:t>The user provides the web application with the Security Token received from the </a:t>
-            </a:r>
-            <a:r>
-              <a:rPr lang="en-US" dirty="0" smtClean="0"/>
-              <a:t>STS</a:t>
+              <a:t>The user provides the web application with the Security Token received from the STS</a:t>
             </a:r>
             <a:endParaRPr lang="en-US" dirty="0"/>
           </a:p>
@@ -12634,7 +7155,6 @@
               <a:rPr lang="en-US" dirty="0"/>
               <a:t>ASP.NET Identity – Security Features</a:t>
             </a:r>
-            <a:endParaRPr lang="en-US" dirty="0"/>
           </a:p>
         </p:txBody>
       </p:sp>
@@ -13221,7 +7741,15 @@
             </a:pPr>
             <a:r>
               <a:rPr lang="en-US" dirty="0" smtClean="0"/>
-              <a:t>ASP.NET Identity comes with several modern safety features such as:</a:t>
+              <a:t>ASP.NET Identity comes with several modern </a:t>
+            </a:r>
+            <a:r>
+              <a:rPr lang="en-US" dirty="0" smtClean="0"/>
+              <a:t>security features </a:t>
+            </a:r>
+            <a:r>
+              <a:rPr lang="en-US" dirty="0" smtClean="0"/>
+              <a:t>such as:</a:t>
             </a:r>
           </a:p>
           <a:p>
@@ -13261,23 +7789,14 @@
           <a:p>
             <a:r>
               <a:rPr lang="en-US" dirty="0" smtClean="0"/>
-              <a:t>Security </a:t>
-            </a:r>
+              <a:t>Security Stamp</a:t>
+            </a:r>
+          </a:p>
+          <a:p>
             <a:r>
               <a:rPr lang="en-US" dirty="0" smtClean="0"/>
-              <a:t>Stamp</a:t>
-            </a:r>
-          </a:p>
-          <a:p>
-            <a:r>
-              <a:rPr lang="en-US" dirty="0" smtClean="0"/>
-              <a:t>Security </a:t>
-            </a:r>
-            <a:r>
-              <a:rPr lang="en-US" smtClean="0"/>
-              <a:t>Token Service</a:t>
-            </a:r>
-            <a:endParaRPr lang="en-US" dirty="0" smtClean="0"/>
+              <a:t>Security Token Service</a:t>
+            </a:r>
           </a:p>
         </p:txBody>
       </p:sp>
@@ -13337,7 +7856,6 @@
               <a:rPr lang="en-US" dirty="0"/>
               <a:t>ASP.NET Identity – Security Features</a:t>
             </a:r>
-            <a:endParaRPr lang="en-US" dirty="0"/>
           </a:p>
         </p:txBody>
       </p:sp>
@@ -13385,15 +7903,7 @@
             </a:pPr>
             <a:r>
               <a:rPr lang="en-US" sz="2400" dirty="0" smtClean="0"/>
-              <a:t>If the STS is trusted the web application returns an encrypted cookie to the user for </a:t>
-            </a:r>
-            <a:r>
-              <a:rPr lang="en-US" sz="2400" dirty="0" smtClean="0"/>
-              <a:t>authorization </a:t>
-            </a:r>
-            <a:r>
-              <a:rPr lang="en-US" sz="2400" dirty="0" smtClean="0"/>
-              <a:t>purposes</a:t>
+              <a:t>If the STS is trusted the web application returns an encrypted cookie to the user for authorization purposes</a:t>
             </a:r>
             <a:endParaRPr lang="en-US" sz="2400" dirty="0"/>
           </a:p>
@@ -13984,7 +8494,12 @@
             <p:ph idx="1"/>
           </p:nvPr>
         </p:nvSpPr>
-        <p:spPr/>
+        <p:spPr>
+          <a:xfrm>
+            <a:off x="457200" y="1052736"/>
+            <a:ext cx="8229600" cy="5073427"/>
+          </a:xfrm>
+        </p:spPr>
         <p:txBody>
           <a:bodyPr/>
           <a:lstStyle/>
@@ -13998,8 +8513,26 @@
                   <a:srgbClr val="77933C"/>
                 </a:solidFill>
               </a:rPr>
-              <a:t>Two Factor Authentication</a:t>
-            </a:r>
+              <a:t>Two Factor </a:t>
+            </a:r>
+            <a:r>
+              <a:rPr lang="en-US" b="1" dirty="0" smtClean="0">
+                <a:solidFill>
+                  <a:srgbClr val="77933C"/>
+                </a:solidFill>
+              </a:rPr>
+              <a:t>Authentication</a:t>
+            </a:r>
+          </a:p>
+          <a:p>
+            <a:pPr marL="0" indent="0">
+              <a:buNone/>
+            </a:pPr>
+            <a:endParaRPr lang="en-US" b="1" dirty="0" smtClean="0">
+              <a:solidFill>
+                <a:srgbClr val="77933C"/>
+              </a:solidFill>
+            </a:endParaRPr>
           </a:p>
           <a:p>
             <a:r>
@@ -14020,10 +8553,45 @@
           <a:p>
             <a:r>
               <a:rPr lang="en-US" dirty="0" smtClean="0"/>
-              <a:t>Email/SMS</a:t>
-            </a:r>
-          </a:p>
-          <a:p>
+              <a:t>Often implemented using Email or SMS</a:t>
+            </a:r>
+          </a:p>
+          <a:p>
+            <a:r>
+              <a:rPr lang="en-US" dirty="0" smtClean="0"/>
+              <a:t>Hardware token generators like </a:t>
+            </a:r>
+            <a:r>
+              <a:rPr lang="en-US" b="1" dirty="0" smtClean="0">
+                <a:solidFill>
+                  <a:srgbClr val="77933C"/>
+                </a:solidFill>
+              </a:rPr>
+              <a:t>SmartCard</a:t>
+            </a:r>
+            <a:r>
+              <a:rPr lang="en-US" dirty="0" smtClean="0"/>
+              <a:t>, can be seen as a type of two factor authentication</a:t>
+            </a:r>
+            <a:endParaRPr lang="en-US" dirty="0" smtClean="0"/>
+          </a:p>
+          <a:p>
+            <a:r>
+              <a:rPr lang="en-US" dirty="0">
+                <a:hlinkClick r:id="rId2"/>
+              </a:rPr>
+              <a:t>https://</a:t>
+            </a:r>
+            <a:r>
+              <a:rPr lang="en-US" dirty="0" smtClean="0">
+                <a:hlinkClick r:id="rId2"/>
+              </a:rPr>
+              <a:t>www.yubico.com</a:t>
+            </a:r>
+            <a:r>
+              <a:rPr lang="en-US" dirty="0" smtClean="0"/>
+              <a:t> </a:t>
+            </a:r>
             <a:endParaRPr lang="en-US" dirty="0" smtClean="0"/>
           </a:p>
         </p:txBody>
@@ -14130,8 +8698,13 @@
           <a:p>
             <a:r>
               <a:rPr lang="en-US" sz="2000" dirty="0"/>
-              <a:t>The user presents its credentials to the application</a:t>
-            </a:r>
+              <a:t>The user </a:t>
+            </a:r>
+            <a:r>
+              <a:rPr lang="en-US" sz="2000" dirty="0" smtClean="0"/>
+              <a:t>logins to the service as usual</a:t>
+            </a:r>
+            <a:endParaRPr lang="en-US" sz="2000" dirty="0"/>
           </a:p>
           <a:p>
             <a:r>
@@ -15086,8 +9659,8 @@
         </p:nvSpPr>
         <p:spPr>
           <a:xfrm>
-            <a:off x="179512" y="1600200"/>
-            <a:ext cx="8784976" cy="4525963"/>
+            <a:off x="251520" y="980728"/>
+            <a:ext cx="8712968" cy="5040560"/>
           </a:xfrm>
         </p:spPr>
         <p:txBody>
@@ -15098,12 +9671,29 @@
               <a:buNone/>
             </a:pPr>
             <a:r>
-              <a:rPr lang="en-US" b="1" dirty="0" smtClean="0">
+              <a:rPr lang="en-US" sz="3200" b="1" dirty="0" smtClean="0">
                 <a:solidFill>
                   <a:srgbClr val="77933C"/>
                 </a:solidFill>
               </a:rPr>
-              <a:t>Account Confirmation</a:t>
+              <a:t>Account </a:t>
+            </a:r>
+            <a:r>
+              <a:rPr lang="en-US" sz="3200" b="1" dirty="0" smtClean="0">
+                <a:solidFill>
+                  <a:srgbClr val="77933C"/>
+                </a:solidFill>
+              </a:rPr>
+              <a:t>Confirmation</a:t>
+            </a:r>
+          </a:p>
+          <a:p>
+            <a:pPr marL="0" indent="0">
+              <a:buNone/>
+            </a:pPr>
+            <a:r>
+              <a:rPr lang="en-US" sz="2400" dirty="0"/>
+              <a:t>A way to confirm that the user has access to a second “Secret”</a:t>
             </a:r>
           </a:p>
           <a:p>
@@ -15125,7 +9715,19 @@
           <a:p>
             <a:r>
               <a:rPr lang="en-US" sz="2400" dirty="0" smtClean="0"/>
-              <a:t>Verification link has a one day lifespan per default</a:t>
+              <a:t>Verification link has a </a:t>
+            </a:r>
+            <a:r>
+              <a:rPr lang="en-US" sz="2400" b="1" dirty="0" smtClean="0">
+                <a:solidFill>
+                  <a:srgbClr val="77933C"/>
+                </a:solidFill>
+              </a:rPr>
+              <a:t>one day </a:t>
+            </a:r>
+            <a:r>
+              <a:rPr lang="en-US" sz="2400" dirty="0" smtClean="0"/>
+              <a:t>lifespan per default</a:t>
             </a:r>
           </a:p>
           <a:p>
@@ -15143,7 +9745,11 @@
           <a:p>
             <a:r>
               <a:rPr lang="en-US" sz="2400" dirty="0" smtClean="0"/>
-              <a:t>Uses a SMTP or third party service to send email / SMS</a:t>
+              <a:t>Can use a third </a:t>
+            </a:r>
+            <a:r>
+              <a:rPr lang="en-US" sz="2400" dirty="0" smtClean="0"/>
+              <a:t>party service to send email / SMS</a:t>
             </a:r>
           </a:p>
           <a:p>
@@ -16229,7 +10835,12 @@
             <p:ph idx="1"/>
           </p:nvPr>
         </p:nvSpPr>
-        <p:spPr/>
+        <p:spPr>
+          <a:xfrm>
+            <a:off x="457200" y="1124744"/>
+            <a:ext cx="8229600" cy="5001419"/>
+          </a:xfrm>
+        </p:spPr>
         <p:txBody>
           <a:bodyPr/>
           <a:lstStyle/>
@@ -16238,13 +10849,31 @@
               <a:buNone/>
             </a:pPr>
             <a:r>
-              <a:rPr lang="en-US" b="1" dirty="0" smtClean="0">
+              <a:rPr lang="en-US" sz="3200" b="1" dirty="0" smtClean="0">
                 <a:solidFill>
                   <a:srgbClr val="77933C"/>
                 </a:solidFill>
               </a:rPr>
-              <a:t>Password Reset</a:t>
-            </a:r>
+              <a:t>Password </a:t>
+            </a:r>
+            <a:r>
+              <a:rPr lang="en-US" sz="3200" b="1" dirty="0" smtClean="0">
+                <a:solidFill>
+                  <a:srgbClr val="77933C"/>
+                </a:solidFill>
+              </a:rPr>
+              <a:t>Reset</a:t>
+            </a:r>
+          </a:p>
+          <a:p>
+            <a:pPr marL="0" indent="0">
+              <a:buNone/>
+            </a:pPr>
+            <a:r>
+              <a:rPr lang="en-US" dirty="0" smtClean="0"/>
+              <a:t>A secure way to reset a users password </a:t>
+            </a:r>
+            <a:endParaRPr lang="en-US" dirty="0" smtClean="0"/>
           </a:p>
           <a:p>
             <a:pPr marL="0" indent="0">
@@ -16283,7 +10912,19 @@
             </a:r>
             <a:r>
               <a:rPr lang="en-US" sz="2400" dirty="0"/>
-              <a:t>link has a one day lifespan per default</a:t>
+              <a:t>link </a:t>
+            </a:r>
+            <a:r>
+              <a:rPr lang="en-US" sz="2400" b="1" dirty="0">
+                <a:solidFill>
+                  <a:srgbClr val="77933C"/>
+                </a:solidFill>
+              </a:rPr>
+              <a:t>has a one</a:t>
+            </a:r>
+            <a:r>
+              <a:rPr lang="en-US" sz="2400" dirty="0"/>
+              <a:t> day lifespan per default</a:t>
             </a:r>
           </a:p>
           <a:p>
@@ -16363,7 +11004,12 @@
             <p:ph idx="1"/>
           </p:nvPr>
         </p:nvSpPr>
-        <p:spPr/>
+        <p:spPr>
+          <a:xfrm>
+            <a:off x="457200" y="908720"/>
+            <a:ext cx="8229600" cy="5217443"/>
+          </a:xfrm>
+        </p:spPr>
         <p:txBody>
           <a:bodyPr/>
           <a:lstStyle/>
@@ -16413,50 +11059,6 @@
           </a:p>
         </p:txBody>
       </p:sp>
-      <p:graphicFrame>
-        <p:nvGraphicFramePr>
-          <p:cNvPr id="5" name="Diagram 4"/>
-          <p:cNvGraphicFramePr/>
-          <p:nvPr>
-            <p:extLst>
-              <p:ext uri="{D42A27DB-BD31-4B8C-83A1-F6EECF244321}">
-                <p14:modId xmlns:p14="http://schemas.microsoft.com/office/powerpoint/2010/main" val="1235275635"/>
-              </p:ext>
-            </p:extLst>
-          </p:nvPr>
-        </p:nvGraphicFramePr>
-        <p:xfrm>
-          <a:off x="683568" y="2924944"/>
-          <a:ext cx="3240360" cy="1595254"/>
-        </p:xfrm>
-        <a:graphic>
-          <a:graphicData uri="http://schemas.openxmlformats.org/drawingml/2006/diagram">
-            <dgm:relIds xmlns:dgm="http://schemas.openxmlformats.org/drawingml/2006/diagram" xmlns:r="http://schemas.openxmlformats.org/officeDocument/2006/relationships" r:dm="rId3" r:lo="rId4" r:qs="rId5" r:cs="rId6"/>
-          </a:graphicData>
-        </a:graphic>
-      </p:graphicFrame>
-      <p:graphicFrame>
-        <p:nvGraphicFramePr>
-          <p:cNvPr id="6" name="Diagram 5"/>
-          <p:cNvGraphicFramePr/>
-          <p:nvPr>
-            <p:extLst>
-              <p:ext uri="{D42A27DB-BD31-4B8C-83A1-F6EECF244321}">
-                <p14:modId xmlns:p14="http://schemas.microsoft.com/office/powerpoint/2010/main" val="1958132616"/>
-              </p:ext>
-            </p:extLst>
-          </p:nvPr>
-        </p:nvGraphicFramePr>
-        <p:xfrm>
-          <a:off x="5004048" y="2924944"/>
-          <a:ext cx="3240360" cy="1595254"/>
-        </p:xfrm>
-        <a:graphic>
-          <a:graphicData uri="http://schemas.openxmlformats.org/drawingml/2006/diagram">
-            <dgm:relIds xmlns:dgm="http://schemas.openxmlformats.org/drawingml/2006/diagram" xmlns:r="http://schemas.openxmlformats.org/officeDocument/2006/relationships" r:dm="rId8" r:lo="rId9" r:qs="rId10" r:cs="rId11"/>
-          </a:graphicData>
-        </a:graphic>
-      </p:graphicFrame>
       <p:sp>
         <p:nvSpPr>
           <p:cNvPr id="4" name="Rektangel 3"/>
@@ -16465,7 +11067,7 @@
         </p:nvSpPr>
         <p:spPr>
           <a:xfrm>
-            <a:off x="472716" y="4869160"/>
+            <a:off x="472716" y="5157192"/>
             <a:ext cx="8214084" cy="1080120"/>
           </a:xfrm>
           <a:prstGeom prst="rect">
@@ -16503,7 +11105,7 @@
             <a:pPr algn="ctr"/>
             <a:r>
               <a:rPr lang="en-GB" sz="1400" u="sng" dirty="0">
-                <a:hlinkClick r:id="rId13"/>
+                <a:hlinkClick r:id="rId3"/>
               </a:rPr>
               <a:t>http://localhost:1470/Account/ResetPassword?userId=a8b1389c-df93-4dfc-b463-541507c1a4bc&amp;code=yhUegXIM9SZBpPVbBtv22kg7NO7F96B8MJi9MryAadUY5XYjz8srVkS5UL8Lx%2BLPYTU6a6jhqOrzMUkkMyPbEHPY3Ul6%2B%2F0s0qQvtM%2FLLII3s29FgkcK0OnjX46Bmj9JlFCUx53rOH%2FXMacwnKDzoJ1rbrUyypZiJXloIE50Q6iPuMTUHbX9O%2B3JMZtCVXjhhsHLkTOn9IVoN6uVAOMWNQ%3D%3D</a:t>
             </a:r>
@@ -16511,6 +11113,295 @@
           </a:p>
         </p:txBody>
       </p:sp>
+      <p:graphicFrame>
+        <p:nvGraphicFramePr>
+          <p:cNvPr id="7" name="Tabell 6"/>
+          <p:cNvGraphicFramePr>
+            <a:graphicFrameLocks noGrp="1"/>
+          </p:cNvGraphicFramePr>
+          <p:nvPr>
+            <p:extLst>
+              <p:ext uri="{D42A27DB-BD31-4B8C-83A1-F6EECF244321}">
+                <p14:modId xmlns:p14="http://schemas.microsoft.com/office/powerpoint/2010/main" val="4269561556"/>
+              </p:ext>
+            </p:extLst>
+          </p:nvPr>
+        </p:nvGraphicFramePr>
+        <p:xfrm>
+          <a:off x="1110444" y="2492896"/>
+          <a:ext cx="6923112" cy="2377440"/>
+        </p:xfrm>
+        <a:graphic>
+          <a:graphicData uri="http://schemas.openxmlformats.org/drawingml/2006/table">
+            <a:tbl>
+              <a:tblPr firstRow="1" bandRow="1">
+                <a:tableStyleId>{5C22544A-7EE6-4342-B048-85BDC9FD1C3A}</a:tableStyleId>
+              </a:tblPr>
+              <a:tblGrid>
+                <a:gridCol w="1531994"/>
+                <a:gridCol w="3083414"/>
+                <a:gridCol w="2307704"/>
+              </a:tblGrid>
+              <a:tr h="446152">
+                <a:tc gridSpan="3">
+                  <a:txBody>
+                    <a:bodyPr/>
+                    <a:lstStyle/>
+                    <a:p>
+                      <a:pPr algn="ctr"/>
+                      <a:r>
+                        <a:rPr lang="en-US" sz="2800" dirty="0" smtClean="0"/>
+                        <a:t>Token</a:t>
+                      </a:r>
+                      <a:endParaRPr lang="en-US" sz="2800" dirty="0"/>
+                    </a:p>
+                  </a:txBody>
+                  <a:tcPr/>
+                </a:tc>
+                <a:tc hMerge="1">
+                  <a:txBody>
+                    <a:bodyPr/>
+                    <a:lstStyle/>
+                    <a:p>
+                      <a:endParaRPr lang="en-US" dirty="0"/>
+                    </a:p>
+                  </a:txBody>
+                  <a:tcPr/>
+                </a:tc>
+                <a:tc hMerge="1">
+                  <a:txBody>
+                    <a:bodyPr/>
+                    <a:lstStyle/>
+                    <a:p>
+                      <a:endParaRPr lang="en-US" dirty="0"/>
+                    </a:p>
+                  </a:txBody>
+                  <a:tcPr/>
+                </a:tc>
+              </a:tr>
+              <a:tr h="312852">
+                <a:tc>
+                  <a:txBody>
+                    <a:bodyPr/>
+                    <a:lstStyle/>
+                    <a:p>
+                      <a:r>
+                        <a:rPr lang="en-US" sz="1800" b="1" dirty="0" smtClean="0"/>
+                        <a:t>Type</a:t>
+                      </a:r>
+                      <a:endParaRPr lang="en-US" sz="1800" b="1" dirty="0"/>
+                    </a:p>
+                  </a:txBody>
+                  <a:tcPr/>
+                </a:tc>
+                <a:tc>
+                  <a:txBody>
+                    <a:bodyPr/>
+                    <a:lstStyle/>
+                    <a:p>
+                      <a:r>
+                        <a:rPr lang="en-US" sz="1800" b="1" dirty="0" smtClean="0"/>
+                        <a:t>Description</a:t>
+                      </a:r>
+                      <a:endParaRPr lang="en-US" sz="1800" b="1" dirty="0"/>
+                    </a:p>
+                  </a:txBody>
+                  <a:tcPr/>
+                </a:tc>
+                <a:tc>
+                  <a:txBody>
+                    <a:bodyPr/>
+                    <a:lstStyle/>
+                    <a:p>
+                      <a:r>
+                        <a:rPr lang="en-US" sz="1800" b="1" dirty="0" smtClean="0"/>
+                        <a:t>Sample Value</a:t>
+                      </a:r>
+                      <a:endParaRPr lang="en-US" sz="1800" b="1" dirty="0"/>
+                    </a:p>
+                  </a:txBody>
+                  <a:tcPr/>
+                </a:tc>
+              </a:tr>
+              <a:tr h="521338">
+                <a:tc>
+                  <a:txBody>
+                    <a:bodyPr/>
+                    <a:lstStyle/>
+                    <a:p>
+                      <a:r>
+                        <a:rPr lang="en-US" sz="1600" dirty="0" smtClean="0"/>
+                        <a:t>UserID</a:t>
+                      </a:r>
+                    </a:p>
+                  </a:txBody>
+                  <a:tcPr/>
+                </a:tc>
+                <a:tc>
+                  <a:txBody>
+                    <a:bodyPr/>
+                    <a:lstStyle/>
+                    <a:p>
+                      <a:r>
+                        <a:rPr lang="en-US" sz="1600" dirty="0" smtClean="0"/>
+                        <a:t>The users id (GUID)</a:t>
+                      </a:r>
+                    </a:p>
+                    <a:p>
+                      <a:endParaRPr lang="en-US" sz="1600" dirty="0" smtClean="0"/>
+                    </a:p>
+                  </a:txBody>
+                  <a:tcPr/>
+                </a:tc>
+                <a:tc>
+                  <a:txBody>
+                    <a:bodyPr/>
+                    <a:lstStyle/>
+                    <a:p>
+                      <a:pPr marL="0" marR="0" lvl="0" indent="0" algn="l" defTabSz="914400" rtl="0" eaLnBrk="1" fontAlgn="auto" latinLnBrk="0" hangingPunct="1">
+                        <a:lnSpc>
+                          <a:spcPct val="100000"/>
+                        </a:lnSpc>
+                        <a:spcBef>
+                          <a:spcPts val="0"/>
+                        </a:spcBef>
+                        <a:spcAft>
+                          <a:spcPts val="0"/>
+                        </a:spcAft>
+                        <a:buClrTx/>
+                        <a:buSzTx/>
+                        <a:buFontTx/>
+                        <a:buNone/>
+                        <a:tabLst/>
+                        <a:defRPr/>
+                      </a:pPr>
+                      <a:r>
+                        <a:rPr lang="en-US" sz="1600" dirty="0" smtClean="0"/>
+                        <a:t>507062dd-a4…..</a:t>
+                      </a:r>
+                    </a:p>
+                    <a:p>
+                      <a:endParaRPr lang="en-US" sz="1600" dirty="0"/>
+                    </a:p>
+                  </a:txBody>
+                  <a:tcPr/>
+                </a:tc>
+              </a:tr>
+              <a:tr h="521338">
+                <a:tc>
+                  <a:txBody>
+                    <a:bodyPr/>
+                    <a:lstStyle/>
+                    <a:p>
+                      <a:r>
+                        <a:rPr lang="en-US" sz="1600" dirty="0" smtClean="0"/>
+                        <a:t>Security Stamp</a:t>
+                      </a:r>
+                      <a:endParaRPr lang="en-US" sz="1600" dirty="0"/>
+                    </a:p>
+                  </a:txBody>
+                  <a:tcPr/>
+                </a:tc>
+                <a:tc>
+                  <a:txBody>
+                    <a:bodyPr/>
+                    <a:lstStyle/>
+                    <a:p>
+                      <a:r>
+                        <a:rPr lang="en-US" sz="1600" dirty="0" smtClean="0"/>
+                        <a:t>Generated security stamp (GUID)</a:t>
+                      </a:r>
+                      <a:endParaRPr lang="en-US" sz="1600" dirty="0"/>
+                    </a:p>
+                  </a:txBody>
+                  <a:tcPr/>
+                </a:tc>
+                <a:tc>
+                  <a:txBody>
+                    <a:bodyPr/>
+                    <a:lstStyle/>
+                    <a:p>
+                      <a:pPr marL="0" marR="0" lvl="0" indent="0" algn="l" defTabSz="914400" rtl="0" eaLnBrk="1" fontAlgn="auto" latinLnBrk="0" hangingPunct="1">
+                        <a:lnSpc>
+                          <a:spcPct val="100000"/>
+                        </a:lnSpc>
+                        <a:spcBef>
+                          <a:spcPts val="0"/>
+                        </a:spcBef>
+                        <a:spcAft>
+                          <a:spcPts val="0"/>
+                        </a:spcAft>
+                        <a:buClrTx/>
+                        <a:buSzTx/>
+                        <a:buFontTx/>
+                        <a:buNone/>
+                        <a:tabLst/>
+                        <a:defRPr/>
+                      </a:pPr>
+                      <a:r>
+                        <a:rPr lang="en-US" sz="1600" dirty="0" smtClean="0"/>
+                        <a:t>b9a00ac2-78…..</a:t>
+                      </a:r>
+                    </a:p>
+                    <a:p>
+                      <a:endParaRPr lang="en-US" sz="1600" dirty="0"/>
+                    </a:p>
+                  </a:txBody>
+                  <a:tcPr/>
+                </a:tc>
+              </a:tr>
+              <a:tr h="297907">
+                <a:tc>
+                  <a:txBody>
+                    <a:bodyPr/>
+                    <a:lstStyle/>
+                    <a:p>
+                      <a:r>
+                        <a:rPr lang="en-US" sz="1600" dirty="0" smtClean="0"/>
+                        <a:t>Purpose</a:t>
+                      </a:r>
+                      <a:endParaRPr lang="en-US" sz="1600" dirty="0"/>
+                    </a:p>
+                  </a:txBody>
+                  <a:tcPr/>
+                </a:tc>
+                <a:tc>
+                  <a:txBody>
+                    <a:bodyPr/>
+                    <a:lstStyle/>
+                    <a:p>
+                      <a:r>
+                        <a:rPr lang="en-US" sz="1600" dirty="0" smtClean="0"/>
+                        <a:t>The purpose</a:t>
+                      </a:r>
+                      <a:r>
+                        <a:rPr lang="en-US" sz="1600" baseline="0" dirty="0" smtClean="0"/>
+                        <a:t> of the token</a:t>
+                      </a:r>
+                      <a:endParaRPr lang="en-US" sz="1600" dirty="0"/>
+                    </a:p>
+                  </a:txBody>
+                  <a:tcPr/>
+                </a:tc>
+                <a:tc>
+                  <a:txBody>
+                    <a:bodyPr/>
+                    <a:lstStyle/>
+                    <a:p>
+                      <a:r>
+                        <a:rPr lang="en-US" sz="1600" dirty="0" smtClean="0"/>
+                        <a:t>Confirmation</a:t>
+                      </a:r>
+                      <a:endParaRPr lang="en-US" sz="1600" dirty="0"/>
+                    </a:p>
+                  </a:txBody>
+                  <a:tcPr/>
+                </a:tc>
+              </a:tr>
+            </a:tbl>
+          </a:graphicData>
+        </a:graphic>
+      </p:graphicFrame>
     </p:spTree>
     <p:extLst>
       <p:ext uri="{BB962C8B-B14F-4D97-AF65-F5344CB8AC3E}">
@@ -16582,7 +11473,7 @@
         </p:nvSpPr>
         <p:spPr>
           <a:xfrm>
-            <a:off x="323528" y="1600200"/>
+            <a:off x="359532" y="1166018"/>
             <a:ext cx="8424936" cy="4525963"/>
           </a:xfrm>
         </p:spPr>
@@ -16615,14 +11506,33 @@
           <a:p>
             <a:r>
               <a:rPr lang="en-US" sz="2400" dirty="0" smtClean="0"/>
-              <a:t>Prevents the user from logging in after a number of failed login attempts</a:t>
-            </a:r>
-          </a:p>
-          <a:p>
+              <a:t>Prevents the user from logging in </a:t>
+            </a:r>
             <a:r>
               <a:rPr lang="en-US" sz="2400" dirty="0" smtClean="0"/>
-              <a:t>The lockout time is set to 5 minutes by default</a:t>
-            </a:r>
+              <a:t>after a </a:t>
+            </a:r>
+            <a:r>
+              <a:rPr lang="en-US" sz="2400" dirty="0" smtClean="0"/>
+              <a:t>number of failed login attempts</a:t>
+            </a:r>
+          </a:p>
+          <a:p>
+            <a:r>
+              <a:rPr lang="en-US" sz="2400" dirty="0" smtClean="0"/>
+              <a:t>The lockout time is set to 5 minutes by </a:t>
+            </a:r>
+            <a:r>
+              <a:rPr lang="en-US" sz="2400" dirty="0" smtClean="0"/>
+              <a:t>default</a:t>
+            </a:r>
+          </a:p>
+          <a:p>
+            <a:r>
+              <a:rPr lang="en-US" sz="2400" dirty="0" smtClean="0"/>
+              <a:t>The default number of login attempts if set to 5 </a:t>
+            </a:r>
+            <a:endParaRPr lang="en-US" sz="2400" dirty="0" smtClean="0"/>
           </a:p>
           <a:p>
             <a:r>
@@ -16633,8 +11543,15 @@
           <a:p>
             <a:r>
               <a:rPr lang="en-US" sz="2400" dirty="0" smtClean="0"/>
-              <a:t>Compensates for weak password policy</a:t>
-            </a:r>
+              <a:t>Compensates for weak </a:t>
+            </a:r>
+            <a:r>
+              <a:rPr lang="en-US" sz="2400" dirty="0" smtClean="0"/>
+              <a:t>passwords</a:t>
+            </a:r>
+          </a:p>
+          <a:p>
+            <a:endParaRPr lang="en-US" sz="2400" dirty="0" smtClean="0"/>
           </a:p>
           <a:p>
             <a:endParaRPr lang="en-US" sz="2000" dirty="0"/>
